--- a/Documentos/apresentacao_projeto_arquitetural_TCC.pptx
+++ b/Documentos/apresentacao_projeto_arquitetural_TCC.pptx
@@ -3729,7 +3729,7 @@
         <p:spPr>
           <a:xfrm>
             <a:off x="0" y="4599000"/>
-            <a:ext cx="9143280" cy="470880"/>
+            <a:ext cx="9142200" cy="469800"/>
           </a:xfrm>
           <a:prstGeom prst="rect">
             <a:avLst/>
@@ -3791,7 +3791,7 @@
         <p:spPr>
           <a:xfrm>
             <a:off x="997560" y="1805040"/>
-            <a:ext cx="7065000" cy="2588040"/>
+            <a:ext cx="7063920" cy="2586960"/>
           </a:xfrm>
           <a:prstGeom prst="roundRect">
             <a:avLst>
@@ -3945,14 +3945,14 @@
       </p:grpSpPr>
       <p:sp>
         <p:nvSpPr>
-          <p:cNvPr id="107" name="CustomShape 1"/>
+          <p:cNvPr id="109" name="CustomShape 1"/>
           <p:cNvSpPr/>
           <p:nvPr/>
         </p:nvSpPr>
         <p:spPr>
           <a:xfrm>
             <a:off x="0" y="1001880"/>
-            <a:ext cx="9143280" cy="664560"/>
+            <a:ext cx="9142200" cy="663480"/>
           </a:xfrm>
           <a:prstGeom prst="rect">
             <a:avLst/>
@@ -3989,14 +3989,14 @@
       </p:sp>
       <p:sp>
         <p:nvSpPr>
-          <p:cNvPr id="108" name="CustomShape 2"/>
+          <p:cNvPr id="110" name="CustomShape 2"/>
           <p:cNvSpPr/>
           <p:nvPr/>
         </p:nvSpPr>
         <p:spPr>
           <a:xfrm>
             <a:off x="206280" y="1100160"/>
-            <a:ext cx="8735400" cy="470880"/>
+            <a:ext cx="8734320" cy="469800"/>
           </a:xfrm>
           <a:prstGeom prst="rect">
             <a:avLst/>
@@ -4051,14 +4051,14 @@
       </p:sp>
       <p:sp>
         <p:nvSpPr>
-          <p:cNvPr id="109" name="CustomShape 3"/>
+          <p:cNvPr id="111" name="CustomShape 3"/>
           <p:cNvSpPr/>
           <p:nvPr/>
         </p:nvSpPr>
         <p:spPr>
           <a:xfrm>
             <a:off x="179280" y="1770120"/>
-            <a:ext cx="8827200" cy="4118760"/>
+            <a:ext cx="8826120" cy="4117680"/>
           </a:xfrm>
           <a:prstGeom prst="rect">
             <a:avLst/>
@@ -4079,7 +4079,7 @@
           <a:p>
             <a:pPr>
               <a:lnSpc>
-                <a:spcPts val="349"/>
+                <a:spcPts val="15"/>
               </a:lnSpc>
             </a:pPr>
             <a:r>
@@ -4112,7 +4112,7 @@
           <a:p>
             <a:pPr>
               <a:lnSpc>
-                <a:spcPts val="349"/>
+                <a:spcPts val="15"/>
               </a:lnSpc>
             </a:pPr>
             <a:r>
@@ -4160,7 +4160,7 @@
           <a:p>
             <a:pPr>
               <a:lnSpc>
-                <a:spcPts val="299"/>
+                <a:spcPts val="13"/>
               </a:lnSpc>
             </a:pPr>
             <a:r>
@@ -4193,7 +4193,7 @@
           <a:p>
             <a:pPr>
               <a:lnSpc>
-                <a:spcPts val="299"/>
+                <a:spcPts val="13"/>
               </a:lnSpc>
             </a:pPr>
             <a:endParaRPr b="0" lang="pt-BR" sz="1800" spc="-1" strike="noStrike">
@@ -4212,14 +4212,14 @@
       </p:sp>
       <p:sp>
         <p:nvSpPr>
-          <p:cNvPr id="110" name="CustomShape 4"/>
+          <p:cNvPr id="112" name="CustomShape 4"/>
           <p:cNvSpPr/>
           <p:nvPr/>
         </p:nvSpPr>
         <p:spPr>
           <a:xfrm>
             <a:off x="230400" y="72000"/>
-            <a:ext cx="8825760" cy="942480"/>
+            <a:ext cx="8824680" cy="941400"/>
           </a:xfrm>
           <a:prstGeom prst="rect">
             <a:avLst/>
@@ -4240,7 +4240,7 @@
           <a:p>
             <a:pPr>
               <a:lnSpc>
-                <a:spcPts val="349"/>
+                <a:spcPts val="15"/>
               </a:lnSpc>
             </a:pPr>
             <a:r>
@@ -4323,14 +4323,14 @@
       </p:grpSpPr>
       <p:sp>
         <p:nvSpPr>
-          <p:cNvPr id="111" name="CustomShape 1"/>
+          <p:cNvPr id="113" name="CustomShape 1"/>
           <p:cNvSpPr/>
           <p:nvPr/>
         </p:nvSpPr>
         <p:spPr>
           <a:xfrm>
             <a:off x="0" y="1001880"/>
-            <a:ext cx="9143280" cy="664560"/>
+            <a:ext cx="9142200" cy="663480"/>
           </a:xfrm>
           <a:prstGeom prst="rect">
             <a:avLst/>
@@ -4367,14 +4367,14 @@
       </p:sp>
       <p:sp>
         <p:nvSpPr>
-          <p:cNvPr id="112" name="CustomShape 2"/>
+          <p:cNvPr id="114" name="CustomShape 2"/>
           <p:cNvSpPr/>
           <p:nvPr/>
         </p:nvSpPr>
         <p:spPr>
           <a:xfrm>
             <a:off x="206280" y="1100160"/>
-            <a:ext cx="8735400" cy="470880"/>
+            <a:ext cx="8734320" cy="469800"/>
           </a:xfrm>
           <a:prstGeom prst="rect">
             <a:avLst/>
@@ -4429,14 +4429,14 @@
       </p:sp>
       <p:sp>
         <p:nvSpPr>
-          <p:cNvPr id="113" name="CustomShape 3"/>
+          <p:cNvPr id="115" name="CustomShape 3"/>
           <p:cNvSpPr/>
           <p:nvPr/>
         </p:nvSpPr>
         <p:spPr>
           <a:xfrm>
             <a:off x="179280" y="1770120"/>
-            <a:ext cx="8827200" cy="4118760"/>
+            <a:ext cx="8826120" cy="4117680"/>
           </a:xfrm>
           <a:prstGeom prst="rect">
             <a:avLst/>
@@ -4457,7 +4457,7 @@
           <a:p>
             <a:pPr>
               <a:lnSpc>
-                <a:spcPts val="349"/>
+                <a:spcPts val="15"/>
               </a:lnSpc>
             </a:pPr>
             <a:r>
@@ -4490,7 +4490,7 @@
           <a:p>
             <a:pPr>
               <a:lnSpc>
-                <a:spcPts val="349"/>
+                <a:spcPts val="15"/>
               </a:lnSpc>
             </a:pPr>
             <a:r>
@@ -4538,7 +4538,7 @@
           <a:p>
             <a:pPr>
               <a:lnSpc>
-                <a:spcPts val="299"/>
+                <a:spcPts val="13"/>
               </a:lnSpc>
             </a:pPr>
             <a:r>
@@ -4571,7 +4571,7 @@
           <a:p>
             <a:pPr>
               <a:lnSpc>
-                <a:spcPts val="299"/>
+                <a:spcPts val="13"/>
               </a:lnSpc>
             </a:pPr>
             <a:endParaRPr b="0" lang="pt-BR" sz="1800" spc="-1" strike="noStrike">
@@ -4590,14 +4590,14 @@
       </p:sp>
       <p:sp>
         <p:nvSpPr>
-          <p:cNvPr id="114" name="CustomShape 4"/>
+          <p:cNvPr id="116" name="CustomShape 4"/>
           <p:cNvSpPr/>
           <p:nvPr/>
         </p:nvSpPr>
         <p:spPr>
           <a:xfrm>
             <a:off x="230400" y="72000"/>
-            <a:ext cx="8825760" cy="942480"/>
+            <a:ext cx="8824680" cy="941400"/>
           </a:xfrm>
           <a:prstGeom prst="rect">
             <a:avLst/>
@@ -4618,7 +4618,7 @@
           <a:p>
             <a:pPr>
               <a:lnSpc>
-                <a:spcPts val="349"/>
+                <a:spcPts val="15"/>
               </a:lnSpc>
             </a:pPr>
             <a:r>
@@ -4708,7 +4708,7 @@
         <p:spPr>
           <a:xfrm>
             <a:off x="0" y="1001880"/>
-            <a:ext cx="9143280" cy="664560"/>
+            <a:ext cx="9142200" cy="663480"/>
           </a:xfrm>
           <a:prstGeom prst="rect">
             <a:avLst/>
@@ -4752,7 +4752,7 @@
         <p:spPr>
           <a:xfrm>
             <a:off x="206280" y="1100160"/>
-            <a:ext cx="8735400" cy="470880"/>
+            <a:ext cx="8734320" cy="469800"/>
           </a:xfrm>
           <a:prstGeom prst="rect">
             <a:avLst/>
@@ -4814,7 +4814,7 @@
         <p:spPr>
           <a:xfrm>
             <a:off x="179280" y="1770120"/>
-            <a:ext cx="8827200" cy="4118760"/>
+            <a:ext cx="8826120" cy="4117680"/>
           </a:xfrm>
           <a:prstGeom prst="rect">
             <a:avLst/>
@@ -4934,7 +4934,7 @@
           <a:p>
             <a:pPr>
               <a:lnSpc>
-                <a:spcPts val="349"/>
+                <a:spcPts val="15"/>
               </a:lnSpc>
             </a:pPr>
             <a:r>
@@ -4967,7 +4967,7 @@
           <a:p>
             <a:pPr>
               <a:lnSpc>
-                <a:spcPts val="299"/>
+                <a:spcPts val="13"/>
               </a:lnSpc>
             </a:pPr>
             <a:endParaRPr b="0" lang="pt-BR" sz="1800" spc="-1" strike="noStrike">
@@ -4985,7 +4985,7 @@
           <a:p>
             <a:pPr>
               <a:lnSpc>
-                <a:spcPts val="299"/>
+                <a:spcPts val="13"/>
               </a:lnSpc>
             </a:pPr>
             <a:endParaRPr b="0" lang="pt-BR" sz="1800" spc="-1" strike="noStrike">
@@ -5011,7 +5011,7 @@
         <p:spPr>
           <a:xfrm>
             <a:off x="230400" y="72000"/>
-            <a:ext cx="8825760" cy="943200"/>
+            <a:ext cx="8824680" cy="942120"/>
           </a:xfrm>
           <a:prstGeom prst="rect">
             <a:avLst/>
@@ -5032,7 +5032,7 @@
           <a:p>
             <a:pPr>
               <a:lnSpc>
-                <a:spcPts val="349"/>
+                <a:spcPts val="15"/>
               </a:lnSpc>
             </a:pPr>
             <a:r>
@@ -5122,7 +5122,7 @@
         <p:spPr>
           <a:xfrm>
             <a:off x="0" y="1001880"/>
-            <a:ext cx="9143280" cy="664560"/>
+            <a:ext cx="9142200" cy="663480"/>
           </a:xfrm>
           <a:prstGeom prst="rect">
             <a:avLst/>
@@ -5166,7 +5166,7 @@
         <p:spPr>
           <a:xfrm>
             <a:off x="206280" y="1100160"/>
-            <a:ext cx="8735400" cy="470880"/>
+            <a:ext cx="8734320" cy="469800"/>
           </a:xfrm>
           <a:prstGeom prst="rect">
             <a:avLst/>
@@ -5228,7 +5228,7 @@
         <p:spPr>
           <a:xfrm>
             <a:off x="179280" y="1770120"/>
-            <a:ext cx="8827200" cy="4118760"/>
+            <a:ext cx="8826120" cy="4117680"/>
           </a:xfrm>
           <a:prstGeom prst="rect">
             <a:avLst/>
@@ -5249,7 +5249,7 @@
           <a:p>
             <a:pPr>
               <a:lnSpc>
-                <a:spcPts val="349"/>
+                <a:spcPts val="15"/>
               </a:lnSpc>
             </a:pPr>
             <a:r>
@@ -5282,7 +5282,7 @@
           <a:p>
             <a:pPr>
               <a:lnSpc>
-                <a:spcPts val="299"/>
+                <a:spcPts val="13"/>
               </a:lnSpc>
             </a:pPr>
             <a:r>
@@ -5315,7 +5315,7 @@
           <a:p>
             <a:pPr>
               <a:lnSpc>
-                <a:spcPts val="299"/>
+                <a:spcPts val="13"/>
               </a:lnSpc>
             </a:pPr>
             <a:r>
@@ -5356,7 +5356,7 @@
         <p:spPr>
           <a:xfrm>
             <a:off x="230400" y="72000"/>
-            <a:ext cx="8825760" cy="943200"/>
+            <a:ext cx="8824680" cy="942120"/>
           </a:xfrm>
           <a:prstGeom prst="rect">
             <a:avLst/>
@@ -5377,7 +5377,7 @@
           <a:p>
             <a:pPr>
               <a:lnSpc>
-                <a:spcPts val="349"/>
+                <a:spcPts val="15"/>
               </a:lnSpc>
             </a:pPr>
             <a:r>
@@ -5467,7 +5467,7 @@
         <p:spPr>
           <a:xfrm>
             <a:off x="0" y="1001880"/>
-            <a:ext cx="9143280" cy="664560"/>
+            <a:ext cx="9142200" cy="663480"/>
           </a:xfrm>
           <a:prstGeom prst="rect">
             <a:avLst/>
@@ -5511,7 +5511,7 @@
         <p:spPr>
           <a:xfrm>
             <a:off x="206280" y="1100160"/>
-            <a:ext cx="8735400" cy="470880"/>
+            <a:ext cx="8734320" cy="469800"/>
           </a:xfrm>
           <a:prstGeom prst="rect">
             <a:avLst/>
@@ -5573,7 +5573,7 @@
         <p:spPr>
           <a:xfrm>
             <a:off x="179280" y="1770120"/>
-            <a:ext cx="8827200" cy="4118760"/>
+            <a:ext cx="8826120" cy="4117680"/>
           </a:xfrm>
           <a:prstGeom prst="rect">
             <a:avLst/>
@@ -5594,7 +5594,7 @@
           <a:p>
             <a:pPr>
               <a:lnSpc>
-                <a:spcPts val="349"/>
+                <a:spcPts val="15"/>
               </a:lnSpc>
             </a:pPr>
             <a:r>
@@ -5627,7 +5627,7 @@
           <a:p>
             <a:pPr>
               <a:lnSpc>
-                <a:spcPts val="349"/>
+                <a:spcPts val="15"/>
               </a:lnSpc>
             </a:pPr>
             <a:r>
@@ -5660,7 +5660,7 @@
           <a:p>
             <a:pPr>
               <a:lnSpc>
-                <a:spcPts val="299"/>
+                <a:spcPts val="13"/>
               </a:lnSpc>
             </a:pPr>
             <a:r>
@@ -5701,7 +5701,7 @@
         <p:spPr>
           <a:xfrm>
             <a:off x="230400" y="72000"/>
-            <a:ext cx="8825760" cy="942480"/>
+            <a:ext cx="8824680" cy="941400"/>
           </a:xfrm>
           <a:prstGeom prst="rect">
             <a:avLst/>
@@ -5722,7 +5722,7 @@
           <a:p>
             <a:pPr>
               <a:lnSpc>
-                <a:spcPts val="349"/>
+                <a:spcPts val="15"/>
               </a:lnSpc>
             </a:pPr>
             <a:r>
@@ -5812,7 +5812,7 @@
         <p:spPr>
           <a:xfrm>
             <a:off x="0" y="1001880"/>
-            <a:ext cx="9143280" cy="664560"/>
+            <a:ext cx="9142200" cy="663480"/>
           </a:xfrm>
           <a:prstGeom prst="rect">
             <a:avLst/>
@@ -5856,7 +5856,7 @@
         <p:spPr>
           <a:xfrm>
             <a:off x="206280" y="1100160"/>
-            <a:ext cx="8735400" cy="470880"/>
+            <a:ext cx="8734320" cy="469800"/>
           </a:xfrm>
           <a:prstGeom prst="rect">
             <a:avLst/>
@@ -5918,7 +5918,7 @@
         <p:spPr>
           <a:xfrm>
             <a:off x="179280" y="1770120"/>
-            <a:ext cx="8827200" cy="4118760"/>
+            <a:ext cx="8826120" cy="4117680"/>
           </a:xfrm>
           <a:prstGeom prst="rect">
             <a:avLst/>
@@ -5939,7 +5939,7 @@
           <a:p>
             <a:pPr>
               <a:lnSpc>
-                <a:spcPts val="349"/>
+                <a:spcPts val="15"/>
               </a:lnSpc>
             </a:pPr>
             <a:r>
@@ -5972,7 +5972,7 @@
           <a:p>
             <a:pPr>
               <a:lnSpc>
-                <a:spcPts val="349"/>
+                <a:spcPts val="15"/>
               </a:lnSpc>
             </a:pPr>
             <a:r>
@@ -6005,7 +6005,7 @@
           <a:p>
             <a:pPr>
               <a:lnSpc>
-                <a:spcPts val="349"/>
+                <a:spcPts val="15"/>
               </a:lnSpc>
             </a:pPr>
             <a:r>
@@ -6038,7 +6038,7 @@
           <a:p>
             <a:pPr>
               <a:lnSpc>
-                <a:spcPts val="349"/>
+                <a:spcPts val="15"/>
               </a:lnSpc>
             </a:pPr>
             <a:r>
@@ -6071,7 +6071,7 @@
           <a:p>
             <a:pPr>
               <a:lnSpc>
-                <a:spcPts val="299"/>
+                <a:spcPts val="13"/>
               </a:lnSpc>
             </a:pPr>
             <a:r>
@@ -6104,7 +6104,7 @@
           <a:p>
             <a:pPr>
               <a:lnSpc>
-                <a:spcPts val="299"/>
+                <a:spcPts val="13"/>
               </a:lnSpc>
             </a:pPr>
             <a:r>
@@ -6145,7 +6145,7 @@
         <p:spPr>
           <a:xfrm>
             <a:off x="230400" y="72000"/>
-            <a:ext cx="8825760" cy="943200"/>
+            <a:ext cx="8824680" cy="942120"/>
           </a:xfrm>
           <a:prstGeom prst="rect">
             <a:avLst/>
@@ -6166,7 +6166,7 @@
           <a:p>
             <a:pPr>
               <a:lnSpc>
-                <a:spcPts val="349"/>
+                <a:spcPts val="15"/>
               </a:lnSpc>
             </a:pPr>
             <a:r>
@@ -6256,7 +6256,7 @@
         <p:spPr>
           <a:xfrm>
             <a:off x="0" y="1001880"/>
-            <a:ext cx="9143280" cy="664560"/>
+            <a:ext cx="9142200" cy="663480"/>
           </a:xfrm>
           <a:prstGeom prst="rect">
             <a:avLst/>
@@ -6300,7 +6300,7 @@
         <p:spPr>
           <a:xfrm>
             <a:off x="206280" y="1100160"/>
-            <a:ext cx="8735400" cy="470880"/>
+            <a:ext cx="8734320" cy="469800"/>
           </a:xfrm>
           <a:prstGeom prst="rect">
             <a:avLst/>
@@ -6362,7 +6362,7 @@
         <p:spPr>
           <a:xfrm>
             <a:off x="179280" y="1770120"/>
-            <a:ext cx="8827200" cy="4118760"/>
+            <a:ext cx="8826120" cy="4117680"/>
           </a:xfrm>
           <a:prstGeom prst="rect">
             <a:avLst/>
@@ -6383,24 +6383,9 @@
           <a:p>
             <a:pPr>
               <a:lnSpc>
-                <a:spcPts val="349"/>
+                <a:spcPts val="15"/>
               </a:lnSpc>
             </a:pPr>
-            <a:r>
-              <a:rPr b="1" lang="pt-BR" sz="2300" spc="-1" strike="noStrike">
-                <a:solidFill>
-                  <a:srgbClr val="404040"/>
-                </a:solidFill>
-                <a:uFill>
-                  <a:solidFill>
-                    <a:srgbClr val="ffffff"/>
-                  </a:solidFill>
-                </a:uFill>
-                <a:latin typeface="Calibri"/>
-                <a:ea typeface="DejaVu Sans"/>
-              </a:rPr>
-              <a:t>Apresentação dos mecanismos arquiteturais</a:t>
-            </a:r>
             <a:endParaRPr b="0" lang="pt-BR" sz="1800" spc="-1" strike="noStrike">
               <a:solidFill>
                 <a:srgbClr val="000000"/>
@@ -6416,24 +6401,9 @@
           <a:p>
             <a:pPr>
               <a:lnSpc>
-                <a:spcPts val="299"/>
+                <a:spcPts val="13"/>
               </a:lnSpc>
             </a:pPr>
-            <a:r>
-              <a:rPr b="1" lang="pt-BR" sz="2300" spc="-1" strike="noStrike">
-                <a:solidFill>
-                  <a:srgbClr val="404040"/>
-                </a:solidFill>
-                <a:uFill>
-                  <a:solidFill>
-                    <a:srgbClr val="ffffff"/>
-                  </a:solidFill>
-                </a:uFill>
-                <a:latin typeface="Calibri"/>
-                <a:ea typeface="DejaVu Sans"/>
-              </a:rPr>
-              <a:t>Duração: 1’00”</a:t>
-            </a:r>
             <a:r>
               <a:rPr b="1" lang="pt-BR" sz="2000" spc="-1" strike="noStrike">
                 <a:solidFill>
@@ -6461,39 +6431,6 @@
               <a:latin typeface="Arial"/>
             </a:endParaRPr>
           </a:p>
-          <a:p>
-            <a:pPr>
-              <a:lnSpc>
-                <a:spcPts val="299"/>
-              </a:lnSpc>
-            </a:pPr>
-            <a:r>
-              <a:rPr b="1" lang="pt-BR" sz="2000" spc="-1" strike="noStrike">
-                <a:solidFill>
-                  <a:srgbClr val="404040"/>
-                </a:solidFill>
-                <a:uFill>
-                  <a:solidFill>
-                    <a:srgbClr val="ffffff"/>
-                  </a:solidFill>
-                </a:uFill>
-                <a:latin typeface="Calibri"/>
-                <a:ea typeface="DejaVu Sans"/>
-              </a:rPr>
-              <a:t> </a:t>
-            </a:r>
-            <a:endParaRPr b="0" lang="pt-BR" sz="1800" spc="-1" strike="noStrike">
-              <a:solidFill>
-                <a:srgbClr val="000000"/>
-              </a:solidFill>
-              <a:uFill>
-                <a:solidFill>
-                  <a:srgbClr val="ffffff"/>
-                </a:solidFill>
-              </a:uFill>
-              <a:latin typeface="Arial"/>
-            </a:endParaRPr>
-          </a:p>
         </p:txBody>
       </p:sp>
       <p:sp>
@@ -6505,7 +6442,7 @@
         <p:spPr>
           <a:xfrm>
             <a:off x="230400" y="72000"/>
-            <a:ext cx="8825760" cy="943200"/>
+            <a:ext cx="8824680" cy="942120"/>
           </a:xfrm>
           <a:prstGeom prst="rect">
             <a:avLst/>
@@ -6526,7 +6463,7 @@
           <a:p>
             <a:pPr>
               <a:lnSpc>
-                <a:spcPts val="349"/>
+                <a:spcPts val="15"/>
               </a:lnSpc>
             </a:pPr>
             <a:r>
@@ -6558,1055 +6495,29 @@
           </a:p>
         </p:txBody>
       </p:sp>
-      <p:graphicFrame>
-        <p:nvGraphicFramePr>
-          <p:cNvPr id="94" name="Table 5"/>
-          <p:cNvGraphicFramePr/>
+      <p:pic>
+        <p:nvPicPr>
+          <p:cNvPr id="94" name="" descr=""/>
+          <p:cNvPicPr/>
           <p:nvPr/>
-        </p:nvGraphicFramePr>
-        <p:xfrm>
-          <a:off x="432000" y="1740240"/>
-          <a:ext cx="8711640" cy="4198680"/>
-        </p:xfrm>
-        <a:graphic>
-          <a:graphicData uri="http://schemas.openxmlformats.org/drawingml/2006/table">
-            <a:tbl>
-              <a:tblPr/>
-              <a:tblGrid>
-                <a:gridCol w="2903400"/>
-                <a:gridCol w="2903400"/>
-                <a:gridCol w="2905200"/>
-              </a:tblGrid>
-              <a:tr h="349920">
-                <a:tc>
-                  <a:txBody>
-                    <a:bodyPr lIns="90000" rIns="90000" tIns="46800" bIns="46800"/>
-                    <a:p>
-                      <a:r>
-                        <a:rPr b="0" lang="pt-BR" sz="1800" spc="-1" strike="noStrike">
-                          <a:solidFill>
-                            <a:srgbClr val="000000"/>
-                          </a:solidFill>
-                          <a:uFill>
-                            <a:solidFill>
-                              <a:srgbClr val="ffffff"/>
-                            </a:solidFill>
-                          </a:uFill>
-                          <a:latin typeface="Arial"/>
-                        </a:rPr>
-                        <a:t>Mecanismo de Análise</a:t>
-                      </a:r>
-                      <a:endParaRPr b="0" lang="pt-BR" sz="1800" spc="-1" strike="noStrike">
-                        <a:solidFill>
-                          <a:srgbClr val="000000"/>
-                        </a:solidFill>
-                        <a:uFill>
-                          <a:solidFill>
-                            <a:srgbClr val="ffffff"/>
-                          </a:solidFill>
-                        </a:uFill>
-                        <a:latin typeface="Arial"/>
-                      </a:endParaRPr>
-                    </a:p>
-                  </a:txBody>
-                  <a:tcPr marL="90000" marR="90000">
-                    <a:lnL w="720">
-                      <a:solidFill>
-                        <a:srgbClr val="ffffff"/>
-                      </a:solidFill>
-                    </a:lnL>
-                    <a:lnR w="720">
-                      <a:solidFill>
-                        <a:srgbClr val="ffffff"/>
-                      </a:solidFill>
-                    </a:lnR>
-                    <a:lnT w="720">
-                      <a:solidFill>
-                        <a:srgbClr val="ffffff"/>
-                      </a:solidFill>
-                    </a:lnT>
-                    <a:lnB w="720">
-                      <a:solidFill>
-                        <a:srgbClr val="ffffff"/>
-                      </a:solidFill>
-                    </a:lnB>
-                    <a:solidFill>
-                      <a:srgbClr val="b3b3b3"/>
-                    </a:solidFill>
-                  </a:tcPr>
-                </a:tc>
-                <a:tc>
-                  <a:tcPr marL="90000" marR="90000">
-                    <a:lnL w="720">
-                      <a:solidFill>
-                        <a:srgbClr val="ffffff"/>
-                      </a:solidFill>
-                    </a:lnL>
-                    <a:lnR w="720">
-                      <a:solidFill>
-                        <a:srgbClr val="ffffff"/>
-                      </a:solidFill>
-                    </a:lnR>
-                    <a:lnT w="720">
-                      <a:solidFill>
-                        <a:srgbClr val="ffffff"/>
-                      </a:solidFill>
-                    </a:lnT>
-                    <a:lnB w="720">
-                      <a:solidFill>
-                        <a:srgbClr val="ffffff"/>
-                      </a:solidFill>
-                    </a:lnB>
-                    <a:solidFill>
-                      <a:srgbClr val="b3b3b3"/>
-                    </a:solidFill>
-                  </a:tcPr>
-                </a:tc>
-                <a:tc>
-                  <a:tcPr marL="90000" marR="90000">
-                    <a:lnL w="720">
-                      <a:solidFill>
-                        <a:srgbClr val="ffffff"/>
-                      </a:solidFill>
-                    </a:lnL>
-                    <a:lnR w="720">
-                      <a:solidFill>
-                        <a:srgbClr val="ffffff"/>
-                      </a:solidFill>
-                    </a:lnR>
-                    <a:lnT w="720">
-                      <a:solidFill>
-                        <a:srgbClr val="ffffff"/>
-                      </a:solidFill>
-                    </a:lnT>
-                    <a:lnB w="720">
-                      <a:solidFill>
-                        <a:srgbClr val="ffffff"/>
-                      </a:solidFill>
-                    </a:lnB>
-                    <a:solidFill>
-                      <a:srgbClr val="b3b3b3"/>
-                    </a:solidFill>
-                  </a:tcPr>
-                </a:tc>
-              </a:tr>
-              <a:tr h="349920">
-                <a:tc>
-                  <a:tcPr marL="90000" marR="90000">
-                    <a:lnL w="720">
-                      <a:solidFill>
-                        <a:srgbClr val="ffffff"/>
-                      </a:solidFill>
-                    </a:lnL>
-                    <a:lnR w="720">
-                      <a:solidFill>
-                        <a:srgbClr val="ffffff"/>
-                      </a:solidFill>
-                    </a:lnR>
-                    <a:lnT w="720">
-                      <a:solidFill>
-                        <a:srgbClr val="ffffff"/>
-                      </a:solidFill>
-                    </a:lnT>
-                    <a:lnB w="720">
-                      <a:solidFill>
-                        <a:srgbClr val="ffffff"/>
-                      </a:solidFill>
-                    </a:lnB>
-                    <a:solidFill>
-                      <a:srgbClr val="cccccc"/>
-                    </a:solidFill>
-                  </a:tcPr>
-                </a:tc>
-                <a:tc>
-                  <a:tcPr marL="90000" marR="90000">
-                    <a:lnL w="720">
-                      <a:solidFill>
-                        <a:srgbClr val="ffffff"/>
-                      </a:solidFill>
-                    </a:lnL>
-                    <a:lnR w="720">
-                      <a:solidFill>
-                        <a:srgbClr val="ffffff"/>
-                      </a:solidFill>
-                    </a:lnR>
-                    <a:lnT w="720">
-                      <a:solidFill>
-                        <a:srgbClr val="ffffff"/>
-                      </a:solidFill>
-                    </a:lnT>
-                    <a:lnB w="720">
-                      <a:solidFill>
-                        <a:srgbClr val="ffffff"/>
-                      </a:solidFill>
-                    </a:lnB>
-                    <a:solidFill>
-                      <a:srgbClr val="cccccc"/>
-                    </a:solidFill>
-                  </a:tcPr>
-                </a:tc>
-                <a:tc>
-                  <a:tcPr marL="90000" marR="90000">
-                    <a:lnL w="720">
-                      <a:solidFill>
-                        <a:srgbClr val="ffffff"/>
-                      </a:solidFill>
-                    </a:lnL>
-                    <a:lnR w="720">
-                      <a:solidFill>
-                        <a:srgbClr val="ffffff"/>
-                      </a:solidFill>
-                    </a:lnR>
-                    <a:lnT w="720">
-                      <a:solidFill>
-                        <a:srgbClr val="ffffff"/>
-                      </a:solidFill>
-                    </a:lnT>
-                    <a:lnB w="720">
-                      <a:solidFill>
-                        <a:srgbClr val="ffffff"/>
-                      </a:solidFill>
-                    </a:lnB>
-                    <a:solidFill>
-                      <a:srgbClr val="cccccc"/>
-                    </a:solidFill>
-                  </a:tcPr>
-                </a:tc>
-              </a:tr>
-              <a:tr h="349920">
-                <a:tc>
-                  <a:tcPr marL="90000" marR="90000">
-                    <a:lnL w="720">
-                      <a:solidFill>
-                        <a:srgbClr val="ffffff"/>
-                      </a:solidFill>
-                    </a:lnL>
-                    <a:lnR w="720">
-                      <a:solidFill>
-                        <a:srgbClr val="ffffff"/>
-                      </a:solidFill>
-                    </a:lnR>
-                    <a:lnT w="720">
-                      <a:solidFill>
-                        <a:srgbClr val="ffffff"/>
-                      </a:solidFill>
-                    </a:lnT>
-                    <a:lnB w="720">
-                      <a:solidFill>
-                        <a:srgbClr val="ffffff"/>
-                      </a:solidFill>
-                    </a:lnB>
-                    <a:solidFill>
-                      <a:srgbClr val="e6e6e6"/>
-                    </a:solidFill>
-                  </a:tcPr>
-                </a:tc>
-                <a:tc>
-                  <a:tcPr marL="90000" marR="90000">
-                    <a:lnL w="720">
-                      <a:solidFill>
-                        <a:srgbClr val="ffffff"/>
-                      </a:solidFill>
-                    </a:lnL>
-                    <a:lnR w="720">
-                      <a:solidFill>
-                        <a:srgbClr val="ffffff"/>
-                      </a:solidFill>
-                    </a:lnR>
-                    <a:lnT w="720">
-                      <a:solidFill>
-                        <a:srgbClr val="ffffff"/>
-                      </a:solidFill>
-                    </a:lnT>
-                    <a:lnB w="720">
-                      <a:solidFill>
-                        <a:srgbClr val="ffffff"/>
-                      </a:solidFill>
-                    </a:lnB>
-                    <a:solidFill>
-                      <a:srgbClr val="e6e6e6"/>
-                    </a:solidFill>
-                  </a:tcPr>
-                </a:tc>
-                <a:tc>
-                  <a:tcPr marL="90000" marR="90000">
-                    <a:lnL w="720">
-                      <a:solidFill>
-                        <a:srgbClr val="ffffff"/>
-                      </a:solidFill>
-                    </a:lnL>
-                    <a:lnR w="720">
-                      <a:solidFill>
-                        <a:srgbClr val="ffffff"/>
-                      </a:solidFill>
-                    </a:lnR>
-                    <a:lnT w="720">
-                      <a:solidFill>
-                        <a:srgbClr val="ffffff"/>
-                      </a:solidFill>
-                    </a:lnT>
-                    <a:lnB w="720">
-                      <a:solidFill>
-                        <a:srgbClr val="ffffff"/>
-                      </a:solidFill>
-                    </a:lnB>
-                    <a:solidFill>
-                      <a:srgbClr val="e6e6e6"/>
-                    </a:solidFill>
-                  </a:tcPr>
-                </a:tc>
-              </a:tr>
-              <a:tr h="349920">
-                <a:tc>
-                  <a:tcPr marL="90000" marR="90000">
-                    <a:lnL w="720">
-                      <a:solidFill>
-                        <a:srgbClr val="ffffff"/>
-                      </a:solidFill>
-                    </a:lnL>
-                    <a:lnR w="720">
-                      <a:solidFill>
-                        <a:srgbClr val="ffffff"/>
-                      </a:solidFill>
-                    </a:lnR>
-                    <a:lnT w="720">
-                      <a:solidFill>
-                        <a:srgbClr val="ffffff"/>
-                      </a:solidFill>
-                    </a:lnT>
-                    <a:lnB w="720">
-                      <a:solidFill>
-                        <a:srgbClr val="ffffff"/>
-                      </a:solidFill>
-                    </a:lnB>
-                    <a:solidFill>
-                      <a:srgbClr val="cccccc"/>
-                    </a:solidFill>
-                  </a:tcPr>
-                </a:tc>
-                <a:tc>
-                  <a:tcPr marL="90000" marR="90000">
-                    <a:lnL w="720">
-                      <a:solidFill>
-                        <a:srgbClr val="ffffff"/>
-                      </a:solidFill>
-                    </a:lnL>
-                    <a:lnR w="720">
-                      <a:solidFill>
-                        <a:srgbClr val="ffffff"/>
-                      </a:solidFill>
-                    </a:lnR>
-                    <a:lnT w="720">
-                      <a:solidFill>
-                        <a:srgbClr val="ffffff"/>
-                      </a:solidFill>
-                    </a:lnT>
-                    <a:lnB w="720">
-                      <a:solidFill>
-                        <a:srgbClr val="ffffff"/>
-                      </a:solidFill>
-                    </a:lnB>
-                    <a:solidFill>
-                      <a:srgbClr val="cccccc"/>
-                    </a:solidFill>
-                  </a:tcPr>
-                </a:tc>
-                <a:tc>
-                  <a:tcPr marL="90000" marR="90000">
-                    <a:lnL w="720">
-                      <a:solidFill>
-                        <a:srgbClr val="ffffff"/>
-                      </a:solidFill>
-                    </a:lnL>
-                    <a:lnR w="720">
-                      <a:solidFill>
-                        <a:srgbClr val="ffffff"/>
-                      </a:solidFill>
-                    </a:lnR>
-                    <a:lnT w="720">
-                      <a:solidFill>
-                        <a:srgbClr val="ffffff"/>
-                      </a:solidFill>
-                    </a:lnT>
-                    <a:lnB w="720">
-                      <a:solidFill>
-                        <a:srgbClr val="ffffff"/>
-                      </a:solidFill>
-                    </a:lnB>
-                    <a:solidFill>
-                      <a:srgbClr val="cccccc"/>
-                    </a:solidFill>
-                  </a:tcPr>
-                </a:tc>
-              </a:tr>
-              <a:tr h="349920">
-                <a:tc>
-                  <a:tcPr marL="90000" marR="90000">
-                    <a:lnL w="720">
-                      <a:solidFill>
-                        <a:srgbClr val="ffffff"/>
-                      </a:solidFill>
-                    </a:lnL>
-                    <a:lnR w="720">
-                      <a:solidFill>
-                        <a:srgbClr val="ffffff"/>
-                      </a:solidFill>
-                    </a:lnR>
-                    <a:lnT w="720">
-                      <a:solidFill>
-                        <a:srgbClr val="ffffff"/>
-                      </a:solidFill>
-                    </a:lnT>
-                    <a:lnB w="720">
-                      <a:solidFill>
-                        <a:srgbClr val="ffffff"/>
-                      </a:solidFill>
-                    </a:lnB>
-                    <a:solidFill>
-                      <a:srgbClr val="e6e6e6"/>
-                    </a:solidFill>
-                  </a:tcPr>
-                </a:tc>
-                <a:tc>
-                  <a:tcPr marL="90000" marR="90000">
-                    <a:lnL w="720">
-                      <a:solidFill>
-                        <a:srgbClr val="ffffff"/>
-                      </a:solidFill>
-                    </a:lnL>
-                    <a:lnR w="720">
-                      <a:solidFill>
-                        <a:srgbClr val="ffffff"/>
-                      </a:solidFill>
-                    </a:lnR>
-                    <a:lnT w="720">
-                      <a:solidFill>
-                        <a:srgbClr val="ffffff"/>
-                      </a:solidFill>
-                    </a:lnT>
-                    <a:lnB w="720">
-                      <a:solidFill>
-                        <a:srgbClr val="ffffff"/>
-                      </a:solidFill>
-                    </a:lnB>
-                    <a:solidFill>
-                      <a:srgbClr val="e6e6e6"/>
-                    </a:solidFill>
-                  </a:tcPr>
-                </a:tc>
-                <a:tc>
-                  <a:tcPr marL="90000" marR="90000">
-                    <a:lnL w="720">
-                      <a:solidFill>
-                        <a:srgbClr val="ffffff"/>
-                      </a:solidFill>
-                    </a:lnL>
-                    <a:lnR w="720">
-                      <a:solidFill>
-                        <a:srgbClr val="ffffff"/>
-                      </a:solidFill>
-                    </a:lnR>
-                    <a:lnT w="720">
-                      <a:solidFill>
-                        <a:srgbClr val="ffffff"/>
-                      </a:solidFill>
-                    </a:lnT>
-                    <a:lnB w="720">
-                      <a:solidFill>
-                        <a:srgbClr val="ffffff"/>
-                      </a:solidFill>
-                    </a:lnB>
-                    <a:solidFill>
-                      <a:srgbClr val="e6e6e6"/>
-                    </a:solidFill>
-                  </a:tcPr>
-                </a:tc>
-              </a:tr>
-              <a:tr h="349920">
-                <a:tc>
-                  <a:tcPr marL="90000" marR="90000">
-                    <a:lnL w="720">
-                      <a:solidFill>
-                        <a:srgbClr val="ffffff"/>
-                      </a:solidFill>
-                    </a:lnL>
-                    <a:lnR w="720">
-                      <a:solidFill>
-                        <a:srgbClr val="ffffff"/>
-                      </a:solidFill>
-                    </a:lnR>
-                    <a:lnT w="720">
-                      <a:solidFill>
-                        <a:srgbClr val="ffffff"/>
-                      </a:solidFill>
-                    </a:lnT>
-                    <a:lnB w="720">
-                      <a:solidFill>
-                        <a:srgbClr val="ffffff"/>
-                      </a:solidFill>
-                    </a:lnB>
-                    <a:solidFill>
-                      <a:srgbClr val="cccccc"/>
-                    </a:solidFill>
-                  </a:tcPr>
-                </a:tc>
-                <a:tc>
-                  <a:tcPr marL="90000" marR="90000">
-                    <a:lnL w="720">
-                      <a:solidFill>
-                        <a:srgbClr val="ffffff"/>
-                      </a:solidFill>
-                    </a:lnL>
-                    <a:lnR w="720">
-                      <a:solidFill>
-                        <a:srgbClr val="ffffff"/>
-                      </a:solidFill>
-                    </a:lnR>
-                    <a:lnT w="720">
-                      <a:solidFill>
-                        <a:srgbClr val="ffffff"/>
-                      </a:solidFill>
-                    </a:lnT>
-                    <a:lnB w="720">
-                      <a:solidFill>
-                        <a:srgbClr val="ffffff"/>
-                      </a:solidFill>
-                    </a:lnB>
-                    <a:solidFill>
-                      <a:srgbClr val="cccccc"/>
-                    </a:solidFill>
-                  </a:tcPr>
-                </a:tc>
-                <a:tc>
-                  <a:tcPr marL="90000" marR="90000">
-                    <a:lnL w="720">
-                      <a:solidFill>
-                        <a:srgbClr val="ffffff"/>
-                      </a:solidFill>
-                    </a:lnL>
-                    <a:lnR w="720">
-                      <a:solidFill>
-                        <a:srgbClr val="ffffff"/>
-                      </a:solidFill>
-                    </a:lnR>
-                    <a:lnT w="720">
-                      <a:solidFill>
-                        <a:srgbClr val="ffffff"/>
-                      </a:solidFill>
-                    </a:lnT>
-                    <a:lnB w="720">
-                      <a:solidFill>
-                        <a:srgbClr val="ffffff"/>
-                      </a:solidFill>
-                    </a:lnB>
-                    <a:solidFill>
-                      <a:srgbClr val="cccccc"/>
-                    </a:solidFill>
-                  </a:tcPr>
-                </a:tc>
-              </a:tr>
-              <a:tr h="349920">
-                <a:tc>
-                  <a:tcPr marL="90000" marR="90000">
-                    <a:lnL w="720">
-                      <a:solidFill>
-                        <a:srgbClr val="ffffff"/>
-                      </a:solidFill>
-                    </a:lnL>
-                    <a:lnR w="720">
-                      <a:solidFill>
-                        <a:srgbClr val="ffffff"/>
-                      </a:solidFill>
-                    </a:lnR>
-                    <a:lnT w="720">
-                      <a:solidFill>
-                        <a:srgbClr val="ffffff"/>
-                      </a:solidFill>
-                    </a:lnT>
-                    <a:lnB w="720">
-                      <a:solidFill>
-                        <a:srgbClr val="ffffff"/>
-                      </a:solidFill>
-                    </a:lnB>
-                    <a:solidFill>
-                      <a:srgbClr val="e6e6e6"/>
-                    </a:solidFill>
-                  </a:tcPr>
-                </a:tc>
-                <a:tc>
-                  <a:tcPr marL="90000" marR="90000">
-                    <a:lnL w="720">
-                      <a:solidFill>
-                        <a:srgbClr val="ffffff"/>
-                      </a:solidFill>
-                    </a:lnL>
-                    <a:lnR w="720">
-                      <a:solidFill>
-                        <a:srgbClr val="ffffff"/>
-                      </a:solidFill>
-                    </a:lnR>
-                    <a:lnT w="720">
-                      <a:solidFill>
-                        <a:srgbClr val="ffffff"/>
-                      </a:solidFill>
-                    </a:lnT>
-                    <a:lnB w="720">
-                      <a:solidFill>
-                        <a:srgbClr val="ffffff"/>
-                      </a:solidFill>
-                    </a:lnB>
-                    <a:solidFill>
-                      <a:srgbClr val="e6e6e6"/>
-                    </a:solidFill>
-                  </a:tcPr>
-                </a:tc>
-                <a:tc>
-                  <a:tcPr marL="90000" marR="90000">
-                    <a:lnL w="720">
-                      <a:solidFill>
-                        <a:srgbClr val="ffffff"/>
-                      </a:solidFill>
-                    </a:lnL>
-                    <a:lnR w="720">
-                      <a:solidFill>
-                        <a:srgbClr val="ffffff"/>
-                      </a:solidFill>
-                    </a:lnR>
-                    <a:lnT w="720">
-                      <a:solidFill>
-                        <a:srgbClr val="ffffff"/>
-                      </a:solidFill>
-                    </a:lnT>
-                    <a:lnB w="720">
-                      <a:solidFill>
-                        <a:srgbClr val="ffffff"/>
-                      </a:solidFill>
-                    </a:lnB>
-                    <a:solidFill>
-                      <a:srgbClr val="e6e6e6"/>
-                    </a:solidFill>
-                  </a:tcPr>
-                </a:tc>
-              </a:tr>
-              <a:tr h="349920">
-                <a:tc>
-                  <a:tcPr marL="90000" marR="90000">
-                    <a:lnL w="720">
-                      <a:solidFill>
-                        <a:srgbClr val="ffffff"/>
-                      </a:solidFill>
-                    </a:lnL>
-                    <a:lnR w="720">
-                      <a:solidFill>
-                        <a:srgbClr val="ffffff"/>
-                      </a:solidFill>
-                    </a:lnR>
-                    <a:lnT w="720">
-                      <a:solidFill>
-                        <a:srgbClr val="ffffff"/>
-                      </a:solidFill>
-                    </a:lnT>
-                    <a:lnB w="720">
-                      <a:solidFill>
-                        <a:srgbClr val="ffffff"/>
-                      </a:solidFill>
-                    </a:lnB>
-                    <a:solidFill>
-                      <a:srgbClr val="cccccc"/>
-                    </a:solidFill>
-                  </a:tcPr>
-                </a:tc>
-                <a:tc>
-                  <a:tcPr marL="90000" marR="90000">
-                    <a:lnL w="720">
-                      <a:solidFill>
-                        <a:srgbClr val="ffffff"/>
-                      </a:solidFill>
-                    </a:lnL>
-                    <a:lnR w="720">
-                      <a:solidFill>
-                        <a:srgbClr val="ffffff"/>
-                      </a:solidFill>
-                    </a:lnR>
-                    <a:lnT w="720">
-                      <a:solidFill>
-                        <a:srgbClr val="ffffff"/>
-                      </a:solidFill>
-                    </a:lnT>
-                    <a:lnB w="720">
-                      <a:solidFill>
-                        <a:srgbClr val="ffffff"/>
-                      </a:solidFill>
-                    </a:lnB>
-                    <a:solidFill>
-                      <a:srgbClr val="cccccc"/>
-                    </a:solidFill>
-                  </a:tcPr>
-                </a:tc>
-                <a:tc>
-                  <a:tcPr marL="90000" marR="90000">
-                    <a:lnL w="720">
-                      <a:solidFill>
-                        <a:srgbClr val="ffffff"/>
-                      </a:solidFill>
-                    </a:lnL>
-                    <a:lnR w="720">
-                      <a:solidFill>
-                        <a:srgbClr val="ffffff"/>
-                      </a:solidFill>
-                    </a:lnR>
-                    <a:lnT w="720">
-                      <a:solidFill>
-                        <a:srgbClr val="ffffff"/>
-                      </a:solidFill>
-                    </a:lnT>
-                    <a:lnB w="720">
-                      <a:solidFill>
-                        <a:srgbClr val="ffffff"/>
-                      </a:solidFill>
-                    </a:lnB>
-                    <a:solidFill>
-                      <a:srgbClr val="cccccc"/>
-                    </a:solidFill>
-                  </a:tcPr>
-                </a:tc>
-              </a:tr>
-              <a:tr h="349920">
-                <a:tc>
-                  <a:tcPr marL="90000" marR="90000">
-                    <a:lnL w="720">
-                      <a:solidFill>
-                        <a:srgbClr val="ffffff"/>
-                      </a:solidFill>
-                    </a:lnL>
-                    <a:lnR w="720">
-                      <a:solidFill>
-                        <a:srgbClr val="ffffff"/>
-                      </a:solidFill>
-                    </a:lnR>
-                    <a:lnT w="720">
-                      <a:solidFill>
-                        <a:srgbClr val="ffffff"/>
-                      </a:solidFill>
-                    </a:lnT>
-                    <a:lnB w="720">
-                      <a:solidFill>
-                        <a:srgbClr val="ffffff"/>
-                      </a:solidFill>
-                    </a:lnB>
-                    <a:solidFill>
-                      <a:srgbClr val="e6e6e6"/>
-                    </a:solidFill>
-                  </a:tcPr>
-                </a:tc>
-                <a:tc>
-                  <a:tcPr marL="90000" marR="90000">
-                    <a:lnL w="720">
-                      <a:solidFill>
-                        <a:srgbClr val="ffffff"/>
-                      </a:solidFill>
-                    </a:lnL>
-                    <a:lnR w="720">
-                      <a:solidFill>
-                        <a:srgbClr val="ffffff"/>
-                      </a:solidFill>
-                    </a:lnR>
-                    <a:lnT w="720">
-                      <a:solidFill>
-                        <a:srgbClr val="ffffff"/>
-                      </a:solidFill>
-                    </a:lnT>
-                    <a:lnB w="720">
-                      <a:solidFill>
-                        <a:srgbClr val="ffffff"/>
-                      </a:solidFill>
-                    </a:lnB>
-                    <a:solidFill>
-                      <a:srgbClr val="e6e6e6"/>
-                    </a:solidFill>
-                  </a:tcPr>
-                </a:tc>
-                <a:tc>
-                  <a:tcPr marL="90000" marR="90000">
-                    <a:lnL w="720">
-                      <a:solidFill>
-                        <a:srgbClr val="ffffff"/>
-                      </a:solidFill>
-                    </a:lnL>
-                    <a:lnR w="720">
-                      <a:solidFill>
-                        <a:srgbClr val="ffffff"/>
-                      </a:solidFill>
-                    </a:lnR>
-                    <a:lnT w="720">
-                      <a:solidFill>
-                        <a:srgbClr val="ffffff"/>
-                      </a:solidFill>
-                    </a:lnT>
-                    <a:lnB w="720">
-                      <a:solidFill>
-                        <a:srgbClr val="ffffff"/>
-                      </a:solidFill>
-                    </a:lnB>
-                    <a:solidFill>
-                      <a:srgbClr val="e6e6e6"/>
-                    </a:solidFill>
-                  </a:tcPr>
-                </a:tc>
-              </a:tr>
-              <a:tr h="349920">
-                <a:tc>
-                  <a:tcPr marL="90000" marR="90000">
-                    <a:lnL w="720">
-                      <a:solidFill>
-                        <a:srgbClr val="ffffff"/>
-                      </a:solidFill>
-                    </a:lnL>
-                    <a:lnR w="720">
-                      <a:solidFill>
-                        <a:srgbClr val="ffffff"/>
-                      </a:solidFill>
-                    </a:lnR>
-                    <a:lnT w="720">
-                      <a:solidFill>
-                        <a:srgbClr val="ffffff"/>
-                      </a:solidFill>
-                    </a:lnT>
-                    <a:lnB w="720">
-                      <a:solidFill>
-                        <a:srgbClr val="ffffff"/>
-                      </a:solidFill>
-                    </a:lnB>
-                    <a:solidFill>
-                      <a:srgbClr val="cccccc"/>
-                    </a:solidFill>
-                  </a:tcPr>
-                </a:tc>
-                <a:tc>
-                  <a:tcPr marL="90000" marR="90000">
-                    <a:lnL w="720">
-                      <a:solidFill>
-                        <a:srgbClr val="ffffff"/>
-                      </a:solidFill>
-                    </a:lnL>
-                    <a:lnR w="720">
-                      <a:solidFill>
-                        <a:srgbClr val="ffffff"/>
-                      </a:solidFill>
-                    </a:lnR>
-                    <a:lnT w="720">
-                      <a:solidFill>
-                        <a:srgbClr val="ffffff"/>
-                      </a:solidFill>
-                    </a:lnT>
-                    <a:lnB w="720">
-                      <a:solidFill>
-                        <a:srgbClr val="ffffff"/>
-                      </a:solidFill>
-                    </a:lnB>
-                    <a:solidFill>
-                      <a:srgbClr val="cccccc"/>
-                    </a:solidFill>
-                  </a:tcPr>
-                </a:tc>
-                <a:tc>
-                  <a:tcPr marL="90000" marR="90000">
-                    <a:lnL w="720">
-                      <a:solidFill>
-                        <a:srgbClr val="ffffff"/>
-                      </a:solidFill>
-                    </a:lnL>
-                    <a:lnR w="720">
-                      <a:solidFill>
-                        <a:srgbClr val="ffffff"/>
-                      </a:solidFill>
-                    </a:lnR>
-                    <a:lnT w="720">
-                      <a:solidFill>
-                        <a:srgbClr val="ffffff"/>
-                      </a:solidFill>
-                    </a:lnT>
-                    <a:lnB w="720">
-                      <a:solidFill>
-                        <a:srgbClr val="ffffff"/>
-                      </a:solidFill>
-                    </a:lnB>
-                    <a:solidFill>
-                      <a:srgbClr val="cccccc"/>
-                    </a:solidFill>
-                  </a:tcPr>
-                </a:tc>
-              </a:tr>
-              <a:tr h="349920">
-                <a:tc>
-                  <a:tcPr marL="90000" marR="90000">
-                    <a:lnL w="720">
-                      <a:solidFill>
-                        <a:srgbClr val="ffffff"/>
-                      </a:solidFill>
-                    </a:lnL>
-                    <a:lnR w="720">
-                      <a:solidFill>
-                        <a:srgbClr val="ffffff"/>
-                      </a:solidFill>
-                    </a:lnR>
-                    <a:lnT w="720">
-                      <a:solidFill>
-                        <a:srgbClr val="ffffff"/>
-                      </a:solidFill>
-                    </a:lnT>
-                    <a:lnB w="720">
-                      <a:solidFill>
-                        <a:srgbClr val="ffffff"/>
-                      </a:solidFill>
-                    </a:lnB>
-                    <a:solidFill>
-                      <a:srgbClr val="e6e6e6"/>
-                    </a:solidFill>
-                  </a:tcPr>
-                </a:tc>
-                <a:tc>
-                  <a:tcPr marL="90000" marR="90000">
-                    <a:lnL w="720">
-                      <a:solidFill>
-                        <a:srgbClr val="ffffff"/>
-                      </a:solidFill>
-                    </a:lnL>
-                    <a:lnR w="720">
-                      <a:solidFill>
-                        <a:srgbClr val="ffffff"/>
-                      </a:solidFill>
-                    </a:lnR>
-                    <a:lnT w="720">
-                      <a:solidFill>
-                        <a:srgbClr val="ffffff"/>
-                      </a:solidFill>
-                    </a:lnT>
-                    <a:lnB w="720">
-                      <a:solidFill>
-                        <a:srgbClr val="ffffff"/>
-                      </a:solidFill>
-                    </a:lnB>
-                    <a:solidFill>
-                      <a:srgbClr val="e6e6e6"/>
-                    </a:solidFill>
-                  </a:tcPr>
-                </a:tc>
-                <a:tc>
-                  <a:tcPr marL="90000" marR="90000">
-                    <a:lnL w="720">
-                      <a:solidFill>
-                        <a:srgbClr val="ffffff"/>
-                      </a:solidFill>
-                    </a:lnL>
-                    <a:lnR w="720">
-                      <a:solidFill>
-                        <a:srgbClr val="ffffff"/>
-                      </a:solidFill>
-                    </a:lnR>
-                    <a:lnT w="720">
-                      <a:solidFill>
-                        <a:srgbClr val="ffffff"/>
-                      </a:solidFill>
-                    </a:lnT>
-                    <a:lnB w="720">
-                      <a:solidFill>
-                        <a:srgbClr val="ffffff"/>
-                      </a:solidFill>
-                    </a:lnB>
-                    <a:solidFill>
-                      <a:srgbClr val="e6e6e6"/>
-                    </a:solidFill>
-                  </a:tcPr>
-                </a:tc>
-              </a:tr>
-              <a:tr h="349920">
-                <a:tc>
-                  <a:tcPr marL="90000" marR="90000">
-                    <a:lnL w="720">
-                      <a:solidFill>
-                        <a:srgbClr val="ffffff"/>
-                      </a:solidFill>
-                    </a:lnL>
-                    <a:lnR w="720">
-                      <a:solidFill>
-                        <a:srgbClr val="ffffff"/>
-                      </a:solidFill>
-                    </a:lnR>
-                    <a:lnT w="720">
-                      <a:solidFill>
-                        <a:srgbClr val="ffffff"/>
-                      </a:solidFill>
-                    </a:lnT>
-                    <a:lnB w="720">
-                      <a:solidFill>
-                        <a:srgbClr val="ffffff"/>
-                      </a:solidFill>
-                    </a:lnB>
-                    <a:solidFill>
-                      <a:srgbClr val="cccccc"/>
-                    </a:solidFill>
-                  </a:tcPr>
-                </a:tc>
-                <a:tc>
-                  <a:tcPr marL="90000" marR="90000">
-                    <a:lnL w="720">
-                      <a:solidFill>
-                        <a:srgbClr val="ffffff"/>
-                      </a:solidFill>
-                    </a:lnL>
-                    <a:lnR w="720">
-                      <a:solidFill>
-                        <a:srgbClr val="ffffff"/>
-                      </a:solidFill>
-                    </a:lnR>
-                    <a:lnT w="720">
-                      <a:solidFill>
-                        <a:srgbClr val="ffffff"/>
-                      </a:solidFill>
-                    </a:lnT>
-                    <a:lnB w="720">
-                      <a:solidFill>
-                        <a:srgbClr val="ffffff"/>
-                      </a:solidFill>
-                    </a:lnB>
-                    <a:solidFill>
-                      <a:srgbClr val="cccccc"/>
-                    </a:solidFill>
-                  </a:tcPr>
-                </a:tc>
-                <a:tc>
-                  <a:tcPr marL="90000" marR="90000">
-                    <a:lnL w="720">
-                      <a:solidFill>
-                        <a:srgbClr val="ffffff"/>
-                      </a:solidFill>
-                    </a:lnL>
-                    <a:lnR w="720">
-                      <a:solidFill>
-                        <a:srgbClr val="ffffff"/>
-                      </a:solidFill>
-                    </a:lnR>
-                    <a:lnT w="720">
-                      <a:solidFill>
-                        <a:srgbClr val="ffffff"/>
-                      </a:solidFill>
-                    </a:lnT>
-                    <a:lnB w="720">
-                      <a:solidFill>
-                        <a:srgbClr val="ffffff"/>
-                      </a:solidFill>
-                    </a:lnB>
-                    <a:solidFill>
-                      <a:srgbClr val="cccccc"/>
-                    </a:solidFill>
-                  </a:tcPr>
-                </a:tc>
-              </a:tr>
-            </a:tbl>
-          </a:graphicData>
-        </a:graphic>
-      </p:graphicFrame>
+        </p:nvPicPr>
+        <p:blipFill>
+          <a:blip r:embed="rId1"/>
+          <a:stretch/>
+        </p:blipFill>
+        <p:spPr>
+          <a:xfrm>
+            <a:off x="2266920" y="1689120"/>
+            <a:ext cx="4390920" cy="4286520"/>
+          </a:xfrm>
+          <a:prstGeom prst="rect">
+            <a:avLst/>
+          </a:prstGeom>
+          <a:ln>
+            <a:noFill/>
+          </a:ln>
+        </p:spPr>
+      </p:pic>
     </p:spTree>
   </p:cSld>
   <p:timing>
@@ -7665,7 +6576,7 @@
         <p:spPr>
           <a:xfrm>
             <a:off x="0" y="1001880"/>
-            <a:ext cx="9143280" cy="664560"/>
+            <a:ext cx="9142200" cy="663480"/>
           </a:xfrm>
           <a:prstGeom prst="rect">
             <a:avLst/>
@@ -7708,8 +6619,8 @@
         </p:nvSpPr>
         <p:spPr>
           <a:xfrm>
-            <a:off x="206280" y="1100160"/>
-            <a:ext cx="8735400" cy="470880"/>
+            <a:off x="205200" y="1101600"/>
+            <a:ext cx="8734320" cy="469800"/>
           </a:xfrm>
           <a:prstGeom prst="rect">
             <a:avLst/>
@@ -7771,7 +6682,7 @@
         <p:spPr>
           <a:xfrm>
             <a:off x="179280" y="1770120"/>
-            <a:ext cx="8827200" cy="4118760"/>
+            <a:ext cx="8826120" cy="4117680"/>
           </a:xfrm>
           <a:prstGeom prst="rect">
             <a:avLst/>
@@ -7792,24 +6703,9 @@
           <a:p>
             <a:pPr>
               <a:lnSpc>
-                <a:spcPts val="349"/>
+                <a:spcPts val="15"/>
               </a:lnSpc>
             </a:pPr>
-            <a:r>
-              <a:rPr b="1" lang="pt-BR" sz="2300" spc="-1" strike="noStrike">
-                <a:solidFill>
-                  <a:srgbClr val="404040"/>
-                </a:solidFill>
-                <a:uFill>
-                  <a:solidFill>
-                    <a:srgbClr val="ffffff"/>
-                  </a:solidFill>
-                </a:uFill>
-                <a:latin typeface="Calibri"/>
-                <a:ea typeface="DejaVu Sans"/>
-              </a:rPr>
-              <a:t>Apresentação dos componentes usados na construção da arquitetura. A explicação não deve se concentrar no que é cada componente, mas porque ele foi escolhido. (diagrama)</a:t>
-            </a:r>
             <a:endParaRPr b="0" lang="pt-BR" sz="1800" spc="-1" strike="noStrike">
               <a:solidFill>
                 <a:srgbClr val="000000"/>
@@ -7825,40 +6721,7 @@
           <a:p>
             <a:pPr>
               <a:lnSpc>
-                <a:spcPts val="299"/>
-              </a:lnSpc>
-            </a:pPr>
-            <a:r>
-              <a:rPr b="1" lang="pt-BR" sz="2300" spc="-1" strike="noStrike">
-                <a:solidFill>
-                  <a:srgbClr val="404040"/>
-                </a:solidFill>
-                <a:uFill>
-                  <a:solidFill>
-                    <a:srgbClr val="ffffff"/>
-                  </a:solidFill>
-                </a:uFill>
-                <a:latin typeface="Calibri"/>
-                <a:ea typeface="DejaVu Sans"/>
-              </a:rPr>
-              <a:t>Duração: 1’00” </a:t>
-            </a:r>
-            <a:endParaRPr b="0" lang="pt-BR" sz="1800" spc="-1" strike="noStrike">
-              <a:solidFill>
-                <a:srgbClr val="000000"/>
-              </a:solidFill>
-              <a:uFill>
-                <a:solidFill>
-                  <a:srgbClr val="ffffff"/>
-                </a:solidFill>
-              </a:uFill>
-              <a:latin typeface="Arial"/>
-            </a:endParaRPr>
-          </a:p>
-          <a:p>
-            <a:pPr>
-              <a:lnSpc>
-                <a:spcPts val="299"/>
+                <a:spcPts val="13"/>
               </a:lnSpc>
             </a:pPr>
             <a:r>
@@ -7891,7 +6754,7 @@
           <a:p>
             <a:pPr>
               <a:lnSpc>
-                <a:spcPts val="299"/>
+                <a:spcPts val="13"/>
               </a:lnSpc>
             </a:pPr>
             <a:endParaRPr b="0" lang="pt-BR" sz="1800" spc="-1" strike="noStrike">
@@ -7917,7 +6780,7 @@
         <p:spPr>
           <a:xfrm>
             <a:off x="230400" y="72000"/>
-            <a:ext cx="8825760" cy="942480"/>
+            <a:ext cx="8824680" cy="941400"/>
           </a:xfrm>
           <a:prstGeom prst="rect">
             <a:avLst/>
@@ -7938,7 +6801,7 @@
           <a:p>
             <a:pPr>
               <a:lnSpc>
-                <a:spcPts val="349"/>
+                <a:spcPts val="15"/>
               </a:lnSpc>
             </a:pPr>
             <a:r>
@@ -7970,6 +6833,30 @@
           </a:p>
         </p:txBody>
       </p:sp>
+      <p:pic>
+        <p:nvPicPr>
+          <p:cNvPr id="99" name="" descr=""/>
+          <p:cNvPicPr/>
+          <p:nvPr/>
+        </p:nvPicPr>
+        <p:blipFill>
+          <a:blip r:embed="rId1"/>
+          <a:srcRect l="1374" t="3186" r="1778" b="13310"/>
+          <a:stretch/>
+        </p:blipFill>
+        <p:spPr>
+          <a:xfrm>
+            <a:off x="720" y="1656360"/>
+            <a:ext cx="7918920" cy="4377600"/>
+          </a:xfrm>
+          <a:prstGeom prst="rect">
+            <a:avLst/>
+          </a:prstGeom>
+          <a:ln>
+            <a:noFill/>
+          </a:ln>
+        </p:spPr>
+      </p:pic>
     </p:spTree>
   </p:cSld>
   <p:timing>
@@ -8021,14 +6908,14 @@
       </p:grpSpPr>
       <p:sp>
         <p:nvSpPr>
-          <p:cNvPr id="99" name="CustomShape 1"/>
+          <p:cNvPr id="100" name="CustomShape 1"/>
           <p:cNvSpPr/>
           <p:nvPr/>
         </p:nvSpPr>
         <p:spPr>
           <a:xfrm>
             <a:off x="0" y="1001880"/>
-            <a:ext cx="9143280" cy="664560"/>
+            <a:ext cx="9142200" cy="663480"/>
           </a:xfrm>
           <a:prstGeom prst="rect">
             <a:avLst/>
@@ -8065,14 +6952,14 @@
       </p:sp>
       <p:sp>
         <p:nvSpPr>
-          <p:cNvPr id="100" name="CustomShape 2"/>
+          <p:cNvPr id="101" name="CustomShape 2"/>
           <p:cNvSpPr/>
           <p:nvPr/>
         </p:nvSpPr>
         <p:spPr>
           <a:xfrm>
             <a:off x="206280" y="1100160"/>
-            <a:ext cx="8735400" cy="470880"/>
+            <a:ext cx="8734320" cy="469800"/>
           </a:xfrm>
           <a:prstGeom prst="rect">
             <a:avLst/>
@@ -8127,14 +7014,14 @@
       </p:sp>
       <p:sp>
         <p:nvSpPr>
-          <p:cNvPr id="101" name="CustomShape 3"/>
+          <p:cNvPr id="102" name="CustomShape 3"/>
           <p:cNvSpPr/>
           <p:nvPr/>
         </p:nvSpPr>
         <p:spPr>
           <a:xfrm>
             <a:off x="179280" y="1770120"/>
-            <a:ext cx="8827200" cy="4118760"/>
+            <a:ext cx="8826120" cy="4117680"/>
           </a:xfrm>
           <a:prstGeom prst="rect">
             <a:avLst/>
@@ -8155,24 +7042,9 @@
           <a:p>
             <a:pPr>
               <a:lnSpc>
-                <a:spcPts val="349"/>
+                <a:spcPts val="15"/>
               </a:lnSpc>
             </a:pPr>
-            <a:r>
-              <a:rPr b="1" lang="pt-BR" sz="2300" spc="-1" strike="noStrike">
-                <a:solidFill>
-                  <a:srgbClr val="404040"/>
-                </a:solidFill>
-                <a:uFill>
-                  <a:solidFill>
-                    <a:srgbClr val="ffffff"/>
-                  </a:solidFill>
-                </a:uFill>
-                <a:latin typeface="Calibri"/>
-                <a:ea typeface="DejaVu Sans"/>
-              </a:rPr>
-              <a:t>Apresentação de como os componentes usadosestão distribuídos nas diversas máquinas e na nuvem. (diagrama)</a:t>
-            </a:r>
             <a:endParaRPr b="0" lang="pt-BR" sz="1800" spc="-1" strike="noStrike">
               <a:solidFill>
                 <a:srgbClr val="000000"/>
@@ -8188,40 +7060,7 @@
           <a:p>
             <a:pPr>
               <a:lnSpc>
-                <a:spcPts val="299"/>
-              </a:lnSpc>
-            </a:pPr>
-            <a:r>
-              <a:rPr b="1" lang="pt-BR" sz="2300" spc="-1" strike="noStrike">
-                <a:solidFill>
-                  <a:srgbClr val="404040"/>
-                </a:solidFill>
-                <a:uFill>
-                  <a:solidFill>
-                    <a:srgbClr val="ffffff"/>
-                  </a:solidFill>
-                </a:uFill>
-                <a:latin typeface="Calibri"/>
-                <a:ea typeface="DejaVu Sans"/>
-              </a:rPr>
-              <a:t>Duração: 1’00” </a:t>
-            </a:r>
-            <a:endParaRPr b="0" lang="pt-BR" sz="1800" spc="-1" strike="noStrike">
-              <a:solidFill>
-                <a:srgbClr val="000000"/>
-              </a:solidFill>
-              <a:uFill>
-                <a:solidFill>
-                  <a:srgbClr val="ffffff"/>
-                </a:solidFill>
-              </a:uFill>
-              <a:latin typeface="Arial"/>
-            </a:endParaRPr>
-          </a:p>
-          <a:p>
-            <a:pPr>
-              <a:lnSpc>
-                <a:spcPts val="299"/>
+                <a:spcPts val="13"/>
               </a:lnSpc>
             </a:pPr>
             <a:r>
@@ -8254,7 +7093,7 @@
           <a:p>
             <a:pPr>
               <a:lnSpc>
-                <a:spcPts val="299"/>
+                <a:spcPts val="13"/>
               </a:lnSpc>
             </a:pPr>
             <a:endParaRPr b="0" lang="pt-BR" sz="1800" spc="-1" strike="noStrike">
@@ -8273,14 +7112,14 @@
       </p:sp>
       <p:sp>
         <p:nvSpPr>
-          <p:cNvPr id="102" name="CustomShape 4"/>
+          <p:cNvPr id="103" name="CustomShape 4"/>
           <p:cNvSpPr/>
           <p:nvPr/>
         </p:nvSpPr>
         <p:spPr>
           <a:xfrm>
             <a:off x="230400" y="72000"/>
-            <a:ext cx="8825760" cy="942480"/>
+            <a:ext cx="8824680" cy="941400"/>
           </a:xfrm>
           <a:prstGeom prst="rect">
             <a:avLst/>
@@ -8301,7 +7140,7 @@
           <a:p>
             <a:pPr>
               <a:lnSpc>
-                <a:spcPts val="349"/>
+                <a:spcPts val="15"/>
               </a:lnSpc>
             </a:pPr>
             <a:r>
@@ -8333,6 +7172,30 @@
           </a:p>
         </p:txBody>
       </p:sp>
+      <p:pic>
+        <p:nvPicPr>
+          <p:cNvPr id="104" name="" descr=""/>
+          <p:cNvPicPr/>
+          <p:nvPr/>
+        </p:nvPicPr>
+        <p:blipFill>
+          <a:blip r:embed="rId1"/>
+          <a:srcRect l="1025" t="4012" r="1436" b="6406"/>
+          <a:stretch/>
+        </p:blipFill>
+        <p:spPr>
+          <a:xfrm>
+            <a:off x="1368000" y="1665360"/>
+            <a:ext cx="6264000" cy="4351320"/>
+          </a:xfrm>
+          <a:prstGeom prst="rect">
+            <a:avLst/>
+          </a:prstGeom>
+          <a:ln>
+            <a:noFill/>
+          </a:ln>
+        </p:spPr>
+      </p:pic>
     </p:spTree>
   </p:cSld>
   <p:timing>
@@ -8384,14 +7247,14 @@
       </p:grpSpPr>
       <p:sp>
         <p:nvSpPr>
-          <p:cNvPr id="103" name="CustomShape 1"/>
+          <p:cNvPr id="105" name="CustomShape 1"/>
           <p:cNvSpPr/>
           <p:nvPr/>
         </p:nvSpPr>
         <p:spPr>
           <a:xfrm>
             <a:off x="0" y="1001880"/>
-            <a:ext cx="9143280" cy="664560"/>
+            <a:ext cx="9142200" cy="663480"/>
           </a:xfrm>
           <a:prstGeom prst="rect">
             <a:avLst/>
@@ -8428,14 +7291,14 @@
       </p:sp>
       <p:sp>
         <p:nvSpPr>
-          <p:cNvPr id="104" name="CustomShape 2"/>
+          <p:cNvPr id="106" name="CustomShape 2"/>
           <p:cNvSpPr/>
           <p:nvPr/>
         </p:nvSpPr>
         <p:spPr>
           <a:xfrm>
             <a:off x="206280" y="1100160"/>
-            <a:ext cx="8735400" cy="470880"/>
+            <a:ext cx="8734320" cy="469800"/>
           </a:xfrm>
           <a:prstGeom prst="rect">
             <a:avLst/>
@@ -8490,14 +7353,14 @@
       </p:sp>
       <p:sp>
         <p:nvSpPr>
-          <p:cNvPr id="105" name="CustomShape 3"/>
+          <p:cNvPr id="107" name="CustomShape 3"/>
           <p:cNvSpPr/>
           <p:nvPr/>
         </p:nvSpPr>
         <p:spPr>
           <a:xfrm>
             <a:off x="179280" y="1770120"/>
-            <a:ext cx="8827200" cy="4118760"/>
+            <a:ext cx="8826120" cy="4117680"/>
           </a:xfrm>
           <a:prstGeom prst="rect">
             <a:avLst/>
@@ -8518,7 +7381,7 @@
           <a:p>
             <a:pPr>
               <a:lnSpc>
-                <a:spcPts val="349"/>
+                <a:spcPts val="15"/>
               </a:lnSpc>
             </a:pPr>
             <a:r>
@@ -8581,7 +7444,7 @@
           <a:p>
             <a:pPr>
               <a:lnSpc>
-                <a:spcPts val="349"/>
+                <a:spcPts val="15"/>
               </a:lnSpc>
             </a:pPr>
             <a:r>
@@ -8630,7 +7493,7 @@
           <a:p>
             <a:pPr>
               <a:lnSpc>
-                <a:spcPts val="349"/>
+                <a:spcPts val="15"/>
               </a:lnSpc>
             </a:pPr>
             <a:r>
@@ -8663,7 +7526,7 @@
           <a:p>
             <a:pPr>
               <a:lnSpc>
-                <a:spcPts val="299"/>
+                <a:spcPts val="13"/>
               </a:lnSpc>
             </a:pPr>
             <a:endParaRPr b="0" lang="pt-BR" sz="1800" spc="-1" strike="noStrike">
@@ -8681,7 +7544,7 @@
           <a:p>
             <a:pPr>
               <a:lnSpc>
-                <a:spcPts val="299"/>
+                <a:spcPts val="13"/>
               </a:lnSpc>
             </a:pPr>
             <a:endParaRPr b="0" lang="pt-BR" sz="1800" spc="-1" strike="noStrike">
@@ -8700,14 +7563,14 @@
       </p:sp>
       <p:sp>
         <p:nvSpPr>
-          <p:cNvPr id="106" name="CustomShape 4"/>
+          <p:cNvPr id="108" name="CustomShape 4"/>
           <p:cNvSpPr/>
           <p:nvPr/>
         </p:nvSpPr>
         <p:spPr>
           <a:xfrm>
             <a:off x="230400" y="72000"/>
-            <a:ext cx="8825760" cy="942480"/>
+            <a:ext cx="8824680" cy="941400"/>
           </a:xfrm>
           <a:prstGeom prst="rect">
             <a:avLst/>
@@ -8728,7 +7591,7 @@
           <a:p>
             <a:pPr>
               <a:lnSpc>
-                <a:spcPts val="349"/>
+                <a:spcPts val="15"/>
               </a:lnSpc>
             </a:pPr>
             <a:r>

--- a/Documentos/apresentacao_projeto_arquitetural_TCC.pptx
+++ b/Documentos/apresentacao_projeto_arquitetural_TCC.pptx
@@ -17,6 +17,12 @@
     <p:sldId id="264" r:id="rId12"/>
     <p:sldId id="265" r:id="rId13"/>
     <p:sldId id="266" r:id="rId14"/>
+    <p:sldId id="267" r:id="rId15"/>
+    <p:sldId id="268" r:id="rId16"/>
+    <p:sldId id="269" r:id="rId17"/>
+    <p:sldId id="270" r:id="rId18"/>
+    <p:sldId id="271" r:id="rId19"/>
+    <p:sldId id="272" r:id="rId20"/>
   </p:sldIdLst>
   <p:sldSz cx="9144000" cy="6858000"/>
   <p:notesSz cx="7559675" cy="10691812"/>
@@ -3729,7 +3735,7 @@
         <p:spPr>
           <a:xfrm>
             <a:off x="0" y="4599000"/>
-            <a:ext cx="9142200" cy="469800"/>
+            <a:ext cx="9141840" cy="469440"/>
           </a:xfrm>
           <a:prstGeom prst="rect">
             <a:avLst/>
@@ -3791,7 +3797,7 @@
         <p:spPr>
           <a:xfrm>
             <a:off x="997560" y="1805040"/>
-            <a:ext cx="7063920" cy="2586960"/>
+            <a:ext cx="7063560" cy="2586600"/>
           </a:xfrm>
           <a:prstGeom prst="roundRect">
             <a:avLst>
@@ -3945,14 +3951,14 @@
       </p:grpSpPr>
       <p:sp>
         <p:nvSpPr>
-          <p:cNvPr id="109" name="CustomShape 1"/>
+          <p:cNvPr id="112" name="CustomShape 1"/>
           <p:cNvSpPr/>
           <p:nvPr/>
         </p:nvSpPr>
         <p:spPr>
           <a:xfrm>
             <a:off x="0" y="1001880"/>
-            <a:ext cx="9142200" cy="663480"/>
+            <a:ext cx="9141840" cy="663120"/>
           </a:xfrm>
           <a:prstGeom prst="rect">
             <a:avLst/>
@@ -3989,14 +3995,14 @@
       </p:sp>
       <p:sp>
         <p:nvSpPr>
-          <p:cNvPr id="110" name="CustomShape 2"/>
+          <p:cNvPr id="113" name="CustomShape 2"/>
           <p:cNvSpPr/>
           <p:nvPr/>
         </p:nvSpPr>
         <p:spPr>
           <a:xfrm>
             <a:off x="206280" y="1100160"/>
-            <a:ext cx="8734320" cy="469800"/>
+            <a:ext cx="8733960" cy="469440"/>
           </a:xfrm>
           <a:prstGeom prst="rect">
             <a:avLst/>
@@ -4033,7 +4039,7 @@
                 <a:latin typeface="Calibri"/>
                 <a:ea typeface="Calibri"/>
               </a:rPr>
-              <a:t>Avaliação da Arquitetura</a:t>
+              <a:t>Restrições de projeto</a:t>
             </a:r>
             <a:endParaRPr b="0" lang="pt-BR" sz="1800" spc="-1" strike="noStrike">
               <a:solidFill>
@@ -4051,14 +4057,14 @@
       </p:sp>
       <p:sp>
         <p:nvSpPr>
-          <p:cNvPr id="111" name="CustomShape 3"/>
+          <p:cNvPr id="114" name="CustomShape 3"/>
           <p:cNvSpPr/>
           <p:nvPr/>
         </p:nvSpPr>
         <p:spPr>
           <a:xfrm>
             <a:off x="179280" y="1770120"/>
-            <a:ext cx="8826120" cy="4117680"/>
+            <a:ext cx="8825760" cy="4117320"/>
           </a:xfrm>
           <a:prstGeom prst="rect">
             <a:avLst/>
@@ -4079,7 +4085,7 @@
           <a:p>
             <a:pPr>
               <a:lnSpc>
-                <a:spcPts val="15"/>
+                <a:spcPts val="5"/>
               </a:lnSpc>
             </a:pPr>
             <a:r>
@@ -4095,7 +4101,7 @@
                 <a:latin typeface="Calibri"/>
                 <a:ea typeface="DejaVu Sans"/>
               </a:rPr>
-              <a:t>Apresentação dos cenários de avaliação e limitações ou riscos da arquitetura (fonte Calibri, tamanho 23)</a:t>
+              <a:t>O sistema deve ser desenvolvido em JAVA.</a:t>
             </a:r>
             <a:endParaRPr b="0" lang="pt-BR" sz="1800" spc="-1" strike="noStrike">
               <a:solidFill>
@@ -4112,7 +4118,7 @@
           <a:p>
             <a:pPr>
               <a:lnSpc>
-                <a:spcPts val="15"/>
+                <a:spcPts val="5"/>
               </a:lnSpc>
             </a:pPr>
             <a:r>
@@ -4128,8 +4134,125 @@
                 <a:latin typeface="Calibri"/>
                 <a:ea typeface="DejaVu Sans"/>
               </a:rPr>
-              <a:t>Duração: 1’00”</a:t>
+              <a:t>O sistema deve utilizar a ferramenta swagger api para modelagem e documentação dos serviços JAX-RS.</a:t>
             </a:r>
+            <a:endParaRPr b="0" lang="pt-BR" sz="1800" spc="-1" strike="noStrike">
+              <a:solidFill>
+                <a:srgbClr val="000000"/>
+              </a:solidFill>
+              <a:uFill>
+                <a:solidFill>
+                  <a:srgbClr val="ffffff"/>
+                </a:solidFill>
+              </a:uFill>
+              <a:latin typeface="Arial"/>
+            </a:endParaRPr>
+          </a:p>
+          <a:p>
+            <a:pPr>
+              <a:lnSpc>
+                <a:spcPts val="5"/>
+              </a:lnSpc>
+            </a:pPr>
+            <a:r>
+              <a:rPr b="1" lang="pt-BR" sz="2300" spc="-1" strike="noStrike">
+                <a:solidFill>
+                  <a:srgbClr val="404040"/>
+                </a:solidFill>
+                <a:uFill>
+                  <a:solidFill>
+                    <a:srgbClr val="ffffff"/>
+                  </a:solidFill>
+                </a:uFill>
+                <a:latin typeface="Calibri"/>
+                <a:ea typeface="DejaVu Sans"/>
+              </a:rPr>
+              <a:t>O sistema deve abrir de forma responsiva em aparelhos menores, como celular e tablet.</a:t>
+            </a:r>
+            <a:endParaRPr b="0" lang="pt-BR" sz="1800" spc="-1" strike="noStrike">
+              <a:solidFill>
+                <a:srgbClr val="000000"/>
+              </a:solidFill>
+              <a:uFill>
+                <a:solidFill>
+                  <a:srgbClr val="ffffff"/>
+                </a:solidFill>
+              </a:uFill>
+              <a:latin typeface="Arial"/>
+            </a:endParaRPr>
+          </a:p>
+          <a:p>
+            <a:pPr>
+              <a:lnSpc>
+                <a:spcPts val="5"/>
+              </a:lnSpc>
+            </a:pPr>
+            <a:r>
+              <a:rPr b="1" lang="pt-BR" sz="2300" spc="-1" strike="noStrike">
+                <a:solidFill>
+                  <a:srgbClr val="404040"/>
+                </a:solidFill>
+                <a:uFill>
+                  <a:solidFill>
+                    <a:srgbClr val="ffffff"/>
+                  </a:solidFill>
+                </a:uFill>
+                <a:latin typeface="Calibri"/>
+                <a:ea typeface="DejaVu Sans"/>
+              </a:rPr>
+              <a:t>O sistema deve ser modular para facilitar a implantação.</a:t>
+            </a:r>
+            <a:endParaRPr b="0" lang="pt-BR" sz="1800" spc="-1" strike="noStrike">
+              <a:solidFill>
+                <a:srgbClr val="000000"/>
+              </a:solidFill>
+              <a:uFill>
+                <a:solidFill>
+                  <a:srgbClr val="ffffff"/>
+                </a:solidFill>
+              </a:uFill>
+              <a:latin typeface="Arial"/>
+            </a:endParaRPr>
+          </a:p>
+          <a:p>
+            <a:pPr>
+              <a:lnSpc>
+                <a:spcPts val="5"/>
+              </a:lnSpc>
+            </a:pPr>
+            <a:r>
+              <a:rPr b="1" lang="pt-BR" sz="2300" spc="-1" strike="noStrike">
+                <a:solidFill>
+                  <a:srgbClr val="404040"/>
+                </a:solidFill>
+                <a:uFill>
+                  <a:solidFill>
+                    <a:srgbClr val="ffffff"/>
+                  </a:solidFill>
+                </a:uFill>
+                <a:latin typeface="Calibri"/>
+                <a:ea typeface="DejaVu Sans"/>
+              </a:rPr>
+              <a:t>Duração: 0’30” </a:t>
+            </a:r>
+            <a:endParaRPr b="0" lang="pt-BR" sz="1800" spc="-1" strike="noStrike">
+              <a:solidFill>
+                <a:srgbClr val="000000"/>
+              </a:solidFill>
+              <a:uFill>
+                <a:solidFill>
+                  <a:srgbClr val="ffffff"/>
+                </a:solidFill>
+              </a:uFill>
+              <a:latin typeface="Arial"/>
+            </a:endParaRPr>
+          </a:p>
+          <a:p>
+            <a:pPr>
+              <a:lnSpc>
+                <a:spcPts val="5"/>
+              </a:lnSpc>
+            </a:pPr>
             <a:r>
               <a:rPr b="1" lang="pt-BR" sz="2000" spc="-1" strike="noStrike">
                 <a:solidFill>
@@ -4157,69 +4280,18 @@
               <a:latin typeface="Arial"/>
             </a:endParaRPr>
           </a:p>
-          <a:p>
-            <a:pPr>
-              <a:lnSpc>
-                <a:spcPts val="13"/>
-              </a:lnSpc>
-            </a:pPr>
-            <a:r>
-              <a:rPr b="1" lang="pt-BR" sz="2000" spc="-1" strike="noStrike">
-                <a:solidFill>
-                  <a:srgbClr val="404040"/>
-                </a:solidFill>
-                <a:uFill>
-                  <a:solidFill>
-                    <a:srgbClr val="ffffff"/>
-                  </a:solidFill>
-                </a:uFill>
-                <a:latin typeface="Calibri"/>
-                <a:ea typeface="DejaVu Sans"/>
-              </a:rPr>
-              <a:t> </a:t>
-            </a:r>
-            <a:endParaRPr b="0" lang="pt-BR" sz="1800" spc="-1" strike="noStrike">
-              <a:solidFill>
-                <a:srgbClr val="000000"/>
-              </a:solidFill>
-              <a:uFill>
-                <a:solidFill>
-                  <a:srgbClr val="ffffff"/>
-                </a:solidFill>
-              </a:uFill>
-              <a:latin typeface="Arial"/>
-            </a:endParaRPr>
-          </a:p>
-          <a:p>
-            <a:pPr>
-              <a:lnSpc>
-                <a:spcPts val="13"/>
-              </a:lnSpc>
-            </a:pPr>
-            <a:endParaRPr b="0" lang="pt-BR" sz="1800" spc="-1" strike="noStrike">
-              <a:solidFill>
-                <a:srgbClr val="000000"/>
-              </a:solidFill>
-              <a:uFill>
-                <a:solidFill>
-                  <a:srgbClr val="ffffff"/>
-                </a:solidFill>
-              </a:uFill>
-              <a:latin typeface="Arial"/>
-            </a:endParaRPr>
-          </a:p>
-        </p:txBody>
-      </p:sp>
-      <p:sp>
-        <p:nvSpPr>
-          <p:cNvPr id="112" name="CustomShape 4"/>
+        </p:txBody>
+      </p:sp>
+      <p:sp>
+        <p:nvSpPr>
+          <p:cNvPr id="115" name="CustomShape 4"/>
           <p:cNvSpPr/>
           <p:nvPr/>
         </p:nvSpPr>
         <p:spPr>
           <a:xfrm>
             <a:off x="230400" y="72000"/>
-            <a:ext cx="8824680" cy="941400"/>
+            <a:ext cx="8824320" cy="941760"/>
           </a:xfrm>
           <a:prstGeom prst="rect">
             <a:avLst/>
@@ -4240,7 +4312,7 @@
           <a:p>
             <a:pPr>
               <a:lnSpc>
-                <a:spcPts val="15"/>
+                <a:spcPts val="5"/>
               </a:lnSpc>
             </a:pPr>
             <a:r>
@@ -4323,14 +4395,14 @@
       </p:grpSpPr>
       <p:sp>
         <p:nvSpPr>
-          <p:cNvPr id="113" name="CustomShape 1"/>
+          <p:cNvPr id="116" name="CustomShape 1"/>
           <p:cNvSpPr/>
           <p:nvPr/>
         </p:nvSpPr>
         <p:spPr>
           <a:xfrm>
             <a:off x="0" y="1001880"/>
-            <a:ext cx="9142200" cy="663480"/>
+            <a:ext cx="9141840" cy="663120"/>
           </a:xfrm>
           <a:prstGeom prst="rect">
             <a:avLst/>
@@ -4367,14 +4439,2246 @@
       </p:sp>
       <p:sp>
         <p:nvSpPr>
-          <p:cNvPr id="114" name="CustomShape 2"/>
+          <p:cNvPr id="117" name="CustomShape 2"/>
           <p:cNvSpPr/>
           <p:nvPr/>
         </p:nvSpPr>
         <p:spPr>
           <a:xfrm>
             <a:off x="206280" y="1100160"/>
-            <a:ext cx="8734320" cy="469800"/>
+            <a:ext cx="8733960" cy="469440"/>
+          </a:xfrm>
+          <a:prstGeom prst="rect">
+            <a:avLst/>
+          </a:prstGeom>
+          <a:noFill/>
+          <a:ln>
+            <a:noFill/>
+          </a:ln>
+        </p:spPr>
+        <p:style>
+          <a:lnRef idx="0"/>
+          <a:fillRef idx="0"/>
+          <a:effectRef idx="0"/>
+          <a:fontRef idx="minor"/>
+        </p:style>
+        <p:txBody>
+          <a:bodyPr lIns="90000" rIns="90000" tIns="45000" bIns="45000"/>
+          <a:p>
+            <a:pPr>
+              <a:lnSpc>
+                <a:spcPct val="100000"/>
+              </a:lnSpc>
+            </a:pPr>
+            <a:r>
+              <a:rPr b="1" lang="pt-BR" sz="2500" spc="-1" strike="noStrike">
+                <a:solidFill>
+                  <a:srgbClr val="000000"/>
+                </a:solidFill>
+                <a:uFill>
+                  <a:solidFill>
+                    <a:srgbClr val="ffffff"/>
+                  </a:solidFill>
+                </a:uFill>
+                <a:latin typeface="Calibri"/>
+                <a:ea typeface="Calibri"/>
+              </a:rPr>
+              <a:t>Mecanismos arquiteturais</a:t>
+            </a:r>
+            <a:endParaRPr b="0" lang="pt-BR" sz="1800" spc="-1" strike="noStrike">
+              <a:solidFill>
+                <a:srgbClr val="000000"/>
+              </a:solidFill>
+              <a:uFill>
+                <a:solidFill>
+                  <a:srgbClr val="ffffff"/>
+                </a:solidFill>
+              </a:uFill>
+              <a:latin typeface="Arial"/>
+            </a:endParaRPr>
+          </a:p>
+        </p:txBody>
+      </p:sp>
+      <p:sp>
+        <p:nvSpPr>
+          <p:cNvPr id="118" name="CustomShape 3"/>
+          <p:cNvSpPr/>
+          <p:nvPr/>
+        </p:nvSpPr>
+        <p:spPr>
+          <a:xfrm>
+            <a:off x="179280" y="1770120"/>
+            <a:ext cx="8825760" cy="4117320"/>
+          </a:xfrm>
+          <a:prstGeom prst="rect">
+            <a:avLst/>
+          </a:prstGeom>
+          <a:noFill/>
+          <a:ln>
+            <a:noFill/>
+          </a:ln>
+        </p:spPr>
+        <p:style>
+          <a:lnRef idx="0"/>
+          <a:fillRef idx="0"/>
+          <a:effectRef idx="0"/>
+          <a:fontRef idx="minor"/>
+        </p:style>
+        <p:txBody>
+          <a:bodyPr lIns="90000" rIns="90000" tIns="45000" bIns="45000"/>
+          <a:p>
+            <a:pPr>
+              <a:lnSpc>
+                <a:spcPts val="5"/>
+              </a:lnSpc>
+            </a:pPr>
+            <a:endParaRPr b="0" lang="pt-BR" sz="1800" spc="-1" strike="noStrike">
+              <a:solidFill>
+                <a:srgbClr val="000000"/>
+              </a:solidFill>
+              <a:uFill>
+                <a:solidFill>
+                  <a:srgbClr val="ffffff"/>
+                </a:solidFill>
+              </a:uFill>
+              <a:latin typeface="Arial"/>
+            </a:endParaRPr>
+          </a:p>
+          <a:p>
+            <a:pPr>
+              <a:lnSpc>
+                <a:spcPts val="5"/>
+              </a:lnSpc>
+            </a:pPr>
+            <a:r>
+              <a:rPr b="1" lang="pt-BR" sz="2000" spc="-1" strike="noStrike">
+                <a:solidFill>
+                  <a:srgbClr val="404040"/>
+                </a:solidFill>
+                <a:uFill>
+                  <a:solidFill>
+                    <a:srgbClr val="ffffff"/>
+                  </a:solidFill>
+                </a:uFill>
+                <a:latin typeface="Calibri"/>
+                <a:ea typeface="DejaVu Sans"/>
+              </a:rPr>
+              <a:t> </a:t>
+            </a:r>
+            <a:endParaRPr b="0" lang="pt-BR" sz="1800" spc="-1" strike="noStrike">
+              <a:solidFill>
+                <a:srgbClr val="000000"/>
+              </a:solidFill>
+              <a:uFill>
+                <a:solidFill>
+                  <a:srgbClr val="ffffff"/>
+                </a:solidFill>
+              </a:uFill>
+              <a:latin typeface="Arial"/>
+            </a:endParaRPr>
+          </a:p>
+        </p:txBody>
+      </p:sp>
+      <p:sp>
+        <p:nvSpPr>
+          <p:cNvPr id="119" name="CustomShape 4"/>
+          <p:cNvSpPr/>
+          <p:nvPr/>
+        </p:nvSpPr>
+        <p:spPr>
+          <a:xfrm>
+            <a:off x="230400" y="72000"/>
+            <a:ext cx="8824320" cy="941760"/>
+          </a:xfrm>
+          <a:prstGeom prst="rect">
+            <a:avLst/>
+          </a:prstGeom>
+          <a:noFill/>
+          <a:ln>
+            <a:noFill/>
+          </a:ln>
+        </p:spPr>
+        <p:style>
+          <a:lnRef idx="0"/>
+          <a:fillRef idx="0"/>
+          <a:effectRef idx="0"/>
+          <a:fontRef idx="minor"/>
+        </p:style>
+        <p:txBody>
+          <a:bodyPr lIns="90000" rIns="90000" tIns="45000" bIns="45000"/>
+          <a:p>
+            <a:pPr>
+              <a:lnSpc>
+                <a:spcPts val="5"/>
+              </a:lnSpc>
+            </a:pPr>
+            <a:r>
+              <a:rPr b="1" lang="pt-BR" sz="2800" spc="-1" strike="noStrike">
+                <a:solidFill>
+                  <a:srgbClr val="000000"/>
+                </a:solidFill>
+                <a:uFill>
+                  <a:solidFill>
+                    <a:srgbClr val="ffffff"/>
+                  </a:solidFill>
+                </a:uFill>
+                <a:latin typeface="Calibri"/>
+                <a:ea typeface="Calibri"/>
+              </a:rPr>
+              <a:t>SISTEMA DE CONTROLE DE VENDAS E ESTOQUE PARA COMÉRCIO  DE PRODUTOS AGROPECUÁRIOS</a:t>
+            </a:r>
+            <a:endParaRPr b="0" lang="pt-BR" sz="1800" spc="-1" strike="noStrike">
+              <a:solidFill>
+                <a:srgbClr val="000000"/>
+              </a:solidFill>
+              <a:uFill>
+                <a:solidFill>
+                  <a:srgbClr val="ffffff"/>
+                </a:solidFill>
+              </a:uFill>
+              <a:latin typeface="Arial"/>
+            </a:endParaRPr>
+          </a:p>
+        </p:txBody>
+      </p:sp>
+      <p:pic>
+        <p:nvPicPr>
+          <p:cNvPr id="120" name="" descr=""/>
+          <p:cNvPicPr/>
+          <p:nvPr/>
+        </p:nvPicPr>
+        <p:blipFill>
+          <a:blip r:embed="rId1"/>
+          <a:stretch/>
+        </p:blipFill>
+        <p:spPr>
+          <a:xfrm>
+            <a:off x="2266920" y="1689120"/>
+            <a:ext cx="4390560" cy="4286160"/>
+          </a:xfrm>
+          <a:prstGeom prst="rect">
+            <a:avLst/>
+          </a:prstGeom>
+          <a:ln>
+            <a:noFill/>
+          </a:ln>
+        </p:spPr>
+      </p:pic>
+    </p:spTree>
+  </p:cSld>
+  <p:timing>
+    <p:tnLst>
+      <p:par>
+        <p:cTn id="21" dur="indefinite" restart="never" nodeType="tmRoot">
+          <p:childTnLst>
+            <p:seq>
+              <p:cTn id="22" nodeType="mainSeq"/>
+              <p:prevCondLst>
+                <p:cond delay="0" evt="onPrev">
+                  <p:tgtEl>
+                    <p:sldTgt/>
+                  </p:tgtEl>
+                </p:cond>
+              </p:prevCondLst>
+              <p:nextCondLst>
+                <p:cond delay="0" evt="onNext">
+                  <p:tgtEl>
+                    <p:sldTgt/>
+                  </p:tgtEl>
+                </p:cond>
+              </p:nextCondLst>
+            </p:seq>
+          </p:childTnLst>
+        </p:cTn>
+      </p:par>
+    </p:tnLst>
+  </p:timing>
+</p:sld>
+</file>
+
+<file path=ppt/slides/slide12.xml><?xml version="1.0" encoding="utf-8"?>
+<p:sld xmlns:a="http://schemas.openxmlformats.org/drawingml/2006/main" xmlns:p="http://schemas.openxmlformats.org/presentationml/2006/main" xmlns:r="http://schemas.openxmlformats.org/officeDocument/2006/relationships" xmlns:p14="http://schemas.microsoft.com/office/powerpoint/2010/main" xmlns:p15="http://schemas.microsoft.com/office/powerpoint/2012/main" xmlns:mc="http://schemas.openxmlformats.org/markup-compatibility/2006">
+  <p:cSld>
+    <p:spTree>
+      <p:nvGrpSpPr>
+        <p:cNvPr id="1" name=""/>
+        <p:cNvGrpSpPr/>
+        <p:nvPr/>
+      </p:nvGrpSpPr>
+      <p:grpSpPr>
+        <a:xfrm>
+          <a:off x="0" y="0"/>
+          <a:ext cx="0" cy="0"/>
+          <a:chOff x="0" y="0"/>
+          <a:chExt cx="0" cy="0"/>
+        </a:xfrm>
+      </p:grpSpPr>
+      <p:sp>
+        <p:nvSpPr>
+          <p:cNvPr id="121" name="CustomShape 1"/>
+          <p:cNvSpPr/>
+          <p:nvPr/>
+        </p:nvSpPr>
+        <p:spPr>
+          <a:xfrm>
+            <a:off x="0" y="1001880"/>
+            <a:ext cx="9141840" cy="663120"/>
+          </a:xfrm>
+          <a:prstGeom prst="rect">
+            <a:avLst/>
+          </a:prstGeom>
+          <a:gradFill>
+            <a:gsLst>
+              <a:gs pos="0">
+                <a:srgbClr val="95b8bb"/>
+              </a:gs>
+              <a:gs pos="100000">
+                <a:srgbClr val="5d8d91"/>
+              </a:gs>
+            </a:gsLst>
+            <a:lin ang="16200000"/>
+          </a:gradFill>
+          <a:ln>
+            <a:noFill/>
+          </a:ln>
+        </p:spPr>
+        <p:style>
+          <a:lnRef idx="2">
+            <a:schemeClr val="accent1">
+              <a:shade val="50000"/>
+            </a:schemeClr>
+          </a:lnRef>
+          <a:fillRef idx="1">
+            <a:schemeClr val="accent1"/>
+          </a:fillRef>
+          <a:effectRef idx="0">
+            <a:schemeClr val="accent1"/>
+          </a:effectRef>
+          <a:fontRef idx="minor"/>
+        </p:style>
+      </p:sp>
+      <p:sp>
+        <p:nvSpPr>
+          <p:cNvPr id="122" name="CustomShape 2"/>
+          <p:cNvSpPr/>
+          <p:nvPr/>
+        </p:nvSpPr>
+        <p:spPr>
+          <a:xfrm>
+            <a:off x="205200" y="1101600"/>
+            <a:ext cx="8733960" cy="469440"/>
+          </a:xfrm>
+          <a:prstGeom prst="rect">
+            <a:avLst/>
+          </a:prstGeom>
+          <a:noFill/>
+          <a:ln>
+            <a:noFill/>
+          </a:ln>
+        </p:spPr>
+        <p:style>
+          <a:lnRef idx="0"/>
+          <a:fillRef idx="0"/>
+          <a:effectRef idx="0"/>
+          <a:fontRef idx="minor"/>
+        </p:style>
+        <p:txBody>
+          <a:bodyPr lIns="90000" rIns="90000" tIns="45000" bIns="45000"/>
+          <a:p>
+            <a:pPr>
+              <a:lnSpc>
+                <a:spcPct val="100000"/>
+              </a:lnSpc>
+            </a:pPr>
+            <a:r>
+              <a:rPr b="1" lang="pt-BR" sz="2500" spc="-1" strike="noStrike">
+                <a:solidFill>
+                  <a:srgbClr val="000000"/>
+                </a:solidFill>
+                <a:uFill>
+                  <a:solidFill>
+                    <a:srgbClr val="ffffff"/>
+                  </a:solidFill>
+                </a:uFill>
+                <a:latin typeface="Calibri"/>
+                <a:ea typeface="Calibri"/>
+              </a:rPr>
+              <a:t>Diagrama de Componentes</a:t>
+            </a:r>
+            <a:endParaRPr b="0" lang="pt-BR" sz="1800" spc="-1" strike="noStrike">
+              <a:solidFill>
+                <a:srgbClr val="000000"/>
+              </a:solidFill>
+              <a:uFill>
+                <a:solidFill>
+                  <a:srgbClr val="ffffff"/>
+                </a:solidFill>
+              </a:uFill>
+              <a:latin typeface="Arial"/>
+            </a:endParaRPr>
+          </a:p>
+        </p:txBody>
+      </p:sp>
+      <p:sp>
+        <p:nvSpPr>
+          <p:cNvPr id="123" name="CustomShape 3"/>
+          <p:cNvSpPr/>
+          <p:nvPr/>
+        </p:nvSpPr>
+        <p:spPr>
+          <a:xfrm>
+            <a:off x="179280" y="1770120"/>
+            <a:ext cx="8825760" cy="4117320"/>
+          </a:xfrm>
+          <a:prstGeom prst="rect">
+            <a:avLst/>
+          </a:prstGeom>
+          <a:noFill/>
+          <a:ln>
+            <a:noFill/>
+          </a:ln>
+        </p:spPr>
+        <p:style>
+          <a:lnRef idx="0"/>
+          <a:fillRef idx="0"/>
+          <a:effectRef idx="0"/>
+          <a:fontRef idx="minor"/>
+        </p:style>
+        <p:txBody>
+          <a:bodyPr lIns="90000" rIns="90000" tIns="45000" bIns="45000"/>
+          <a:p>
+            <a:pPr>
+              <a:lnSpc>
+                <a:spcPts val="5"/>
+              </a:lnSpc>
+            </a:pPr>
+            <a:endParaRPr b="0" lang="pt-BR" sz="1800" spc="-1" strike="noStrike">
+              <a:solidFill>
+                <a:srgbClr val="000000"/>
+              </a:solidFill>
+              <a:uFill>
+                <a:solidFill>
+                  <a:srgbClr val="ffffff"/>
+                </a:solidFill>
+              </a:uFill>
+              <a:latin typeface="Arial"/>
+            </a:endParaRPr>
+          </a:p>
+          <a:p>
+            <a:pPr>
+              <a:lnSpc>
+                <a:spcPts val="5"/>
+              </a:lnSpc>
+            </a:pPr>
+            <a:r>
+              <a:rPr b="1" lang="pt-BR" sz="2000" spc="-1" strike="noStrike">
+                <a:solidFill>
+                  <a:srgbClr val="404040"/>
+                </a:solidFill>
+                <a:uFill>
+                  <a:solidFill>
+                    <a:srgbClr val="ffffff"/>
+                  </a:solidFill>
+                </a:uFill>
+                <a:latin typeface="Calibri"/>
+                <a:ea typeface="DejaVu Sans"/>
+              </a:rPr>
+              <a:t> </a:t>
+            </a:r>
+            <a:endParaRPr b="0" lang="pt-BR" sz="1800" spc="-1" strike="noStrike">
+              <a:solidFill>
+                <a:srgbClr val="000000"/>
+              </a:solidFill>
+              <a:uFill>
+                <a:solidFill>
+                  <a:srgbClr val="ffffff"/>
+                </a:solidFill>
+              </a:uFill>
+              <a:latin typeface="Arial"/>
+            </a:endParaRPr>
+          </a:p>
+          <a:p>
+            <a:pPr>
+              <a:lnSpc>
+                <a:spcPts val="5"/>
+              </a:lnSpc>
+            </a:pPr>
+            <a:endParaRPr b="0" lang="pt-BR" sz="1800" spc="-1" strike="noStrike">
+              <a:solidFill>
+                <a:srgbClr val="000000"/>
+              </a:solidFill>
+              <a:uFill>
+                <a:solidFill>
+                  <a:srgbClr val="ffffff"/>
+                </a:solidFill>
+              </a:uFill>
+              <a:latin typeface="Arial"/>
+            </a:endParaRPr>
+          </a:p>
+        </p:txBody>
+      </p:sp>
+      <p:sp>
+        <p:nvSpPr>
+          <p:cNvPr id="124" name="CustomShape 4"/>
+          <p:cNvSpPr/>
+          <p:nvPr/>
+        </p:nvSpPr>
+        <p:spPr>
+          <a:xfrm>
+            <a:off x="230400" y="72000"/>
+            <a:ext cx="8824320" cy="941040"/>
+          </a:xfrm>
+          <a:prstGeom prst="rect">
+            <a:avLst/>
+          </a:prstGeom>
+          <a:noFill/>
+          <a:ln>
+            <a:noFill/>
+          </a:ln>
+        </p:spPr>
+        <p:style>
+          <a:lnRef idx="0"/>
+          <a:fillRef idx="0"/>
+          <a:effectRef idx="0"/>
+          <a:fontRef idx="minor"/>
+        </p:style>
+        <p:txBody>
+          <a:bodyPr lIns="90000" rIns="90000" tIns="45000" bIns="45000"/>
+          <a:p>
+            <a:pPr>
+              <a:lnSpc>
+                <a:spcPts val="5"/>
+              </a:lnSpc>
+            </a:pPr>
+            <a:r>
+              <a:rPr b="1" lang="pt-BR" sz="2800" spc="-1" strike="noStrike">
+                <a:solidFill>
+                  <a:srgbClr val="000000"/>
+                </a:solidFill>
+                <a:uFill>
+                  <a:solidFill>
+                    <a:srgbClr val="ffffff"/>
+                  </a:solidFill>
+                </a:uFill>
+                <a:latin typeface="Calibri"/>
+                <a:ea typeface="Calibri"/>
+              </a:rPr>
+              <a:t>SISTEMA DE CONTROLE DE VENDAS E ESTOQUE PARA COMÉRCIO  DE PRODUTOS AGROPECUÁRIOS</a:t>
+            </a:r>
+            <a:endParaRPr b="0" lang="pt-BR" sz="1800" spc="-1" strike="noStrike">
+              <a:solidFill>
+                <a:srgbClr val="000000"/>
+              </a:solidFill>
+              <a:uFill>
+                <a:solidFill>
+                  <a:srgbClr val="ffffff"/>
+                </a:solidFill>
+              </a:uFill>
+              <a:latin typeface="Arial"/>
+            </a:endParaRPr>
+          </a:p>
+        </p:txBody>
+      </p:sp>
+      <p:pic>
+        <p:nvPicPr>
+          <p:cNvPr id="125" name="" descr=""/>
+          <p:cNvPicPr/>
+          <p:nvPr/>
+        </p:nvPicPr>
+        <p:blipFill>
+          <a:blip r:embed="rId1"/>
+          <a:srcRect l="1374" t="3186" r="1778" b="13310"/>
+          <a:stretch/>
+        </p:blipFill>
+        <p:spPr>
+          <a:xfrm>
+            <a:off x="720" y="1656360"/>
+            <a:ext cx="7918560" cy="4377240"/>
+          </a:xfrm>
+          <a:prstGeom prst="rect">
+            <a:avLst/>
+          </a:prstGeom>
+          <a:ln>
+            <a:noFill/>
+          </a:ln>
+        </p:spPr>
+      </p:pic>
+    </p:spTree>
+  </p:cSld>
+  <p:timing>
+    <p:tnLst>
+      <p:par>
+        <p:cTn id="23" dur="indefinite" restart="never" nodeType="tmRoot">
+          <p:childTnLst>
+            <p:seq>
+              <p:cTn id="24" nodeType="mainSeq"/>
+              <p:prevCondLst>
+                <p:cond delay="0" evt="onPrev">
+                  <p:tgtEl>
+                    <p:sldTgt/>
+                  </p:tgtEl>
+                </p:cond>
+              </p:prevCondLst>
+              <p:nextCondLst>
+                <p:cond delay="0" evt="onNext">
+                  <p:tgtEl>
+                    <p:sldTgt/>
+                  </p:tgtEl>
+                </p:cond>
+              </p:nextCondLst>
+            </p:seq>
+          </p:childTnLst>
+        </p:cTn>
+      </p:par>
+    </p:tnLst>
+  </p:timing>
+</p:sld>
+</file>
+
+<file path=ppt/slides/slide13.xml><?xml version="1.0" encoding="utf-8"?>
+<p:sld xmlns:a="http://schemas.openxmlformats.org/drawingml/2006/main" xmlns:p="http://schemas.openxmlformats.org/presentationml/2006/main" xmlns:r="http://schemas.openxmlformats.org/officeDocument/2006/relationships" xmlns:p14="http://schemas.microsoft.com/office/powerpoint/2010/main" xmlns:p15="http://schemas.microsoft.com/office/powerpoint/2012/main" xmlns:mc="http://schemas.openxmlformats.org/markup-compatibility/2006">
+  <p:cSld>
+    <p:spTree>
+      <p:nvGrpSpPr>
+        <p:cNvPr id="1" name=""/>
+        <p:cNvGrpSpPr/>
+        <p:nvPr/>
+      </p:nvGrpSpPr>
+      <p:grpSpPr>
+        <a:xfrm>
+          <a:off x="0" y="0"/>
+          <a:ext cx="0" cy="0"/>
+          <a:chOff x="0" y="0"/>
+          <a:chExt cx="0" cy="0"/>
+        </a:xfrm>
+      </p:grpSpPr>
+      <p:sp>
+        <p:nvSpPr>
+          <p:cNvPr id="126" name="CustomShape 1"/>
+          <p:cNvSpPr/>
+          <p:nvPr/>
+        </p:nvSpPr>
+        <p:spPr>
+          <a:xfrm>
+            <a:off x="0" y="1001880"/>
+            <a:ext cx="9141840" cy="663120"/>
+          </a:xfrm>
+          <a:prstGeom prst="rect">
+            <a:avLst/>
+          </a:prstGeom>
+          <a:gradFill>
+            <a:gsLst>
+              <a:gs pos="0">
+                <a:srgbClr val="95b8bb"/>
+              </a:gs>
+              <a:gs pos="100000">
+                <a:srgbClr val="5d8d91"/>
+              </a:gs>
+            </a:gsLst>
+            <a:lin ang="16200000"/>
+          </a:gradFill>
+          <a:ln>
+            <a:noFill/>
+          </a:ln>
+        </p:spPr>
+        <p:style>
+          <a:lnRef idx="2">
+            <a:schemeClr val="accent1">
+              <a:shade val="50000"/>
+            </a:schemeClr>
+          </a:lnRef>
+          <a:fillRef idx="1">
+            <a:schemeClr val="accent1"/>
+          </a:fillRef>
+          <a:effectRef idx="0">
+            <a:schemeClr val="accent1"/>
+          </a:effectRef>
+          <a:fontRef idx="minor"/>
+        </p:style>
+      </p:sp>
+      <p:sp>
+        <p:nvSpPr>
+          <p:cNvPr id="127" name="CustomShape 2"/>
+          <p:cNvSpPr/>
+          <p:nvPr/>
+        </p:nvSpPr>
+        <p:spPr>
+          <a:xfrm>
+            <a:off x="206280" y="1100160"/>
+            <a:ext cx="8733960" cy="469440"/>
+          </a:xfrm>
+          <a:prstGeom prst="rect">
+            <a:avLst/>
+          </a:prstGeom>
+          <a:noFill/>
+          <a:ln>
+            <a:noFill/>
+          </a:ln>
+        </p:spPr>
+        <p:style>
+          <a:lnRef idx="0"/>
+          <a:fillRef idx="0"/>
+          <a:effectRef idx="0"/>
+          <a:fontRef idx="minor"/>
+        </p:style>
+        <p:txBody>
+          <a:bodyPr lIns="90000" rIns="90000" tIns="45000" bIns="45000"/>
+          <a:p>
+            <a:pPr>
+              <a:lnSpc>
+                <a:spcPct val="100000"/>
+              </a:lnSpc>
+            </a:pPr>
+            <a:r>
+              <a:rPr b="1" lang="pt-BR" sz="2500" spc="-1" strike="noStrike">
+                <a:solidFill>
+                  <a:srgbClr val="000000"/>
+                </a:solidFill>
+                <a:uFill>
+                  <a:solidFill>
+                    <a:srgbClr val="ffffff"/>
+                  </a:solidFill>
+                </a:uFill>
+                <a:latin typeface="Calibri"/>
+                <a:ea typeface="Calibri"/>
+              </a:rPr>
+              <a:t>Diagrama de Implantação</a:t>
+            </a:r>
+            <a:endParaRPr b="0" lang="pt-BR" sz="1800" spc="-1" strike="noStrike">
+              <a:solidFill>
+                <a:srgbClr val="000000"/>
+              </a:solidFill>
+              <a:uFill>
+                <a:solidFill>
+                  <a:srgbClr val="ffffff"/>
+                </a:solidFill>
+              </a:uFill>
+              <a:latin typeface="Arial"/>
+            </a:endParaRPr>
+          </a:p>
+        </p:txBody>
+      </p:sp>
+      <p:sp>
+        <p:nvSpPr>
+          <p:cNvPr id="128" name="CustomShape 3"/>
+          <p:cNvSpPr/>
+          <p:nvPr/>
+        </p:nvSpPr>
+        <p:spPr>
+          <a:xfrm>
+            <a:off x="179280" y="1770120"/>
+            <a:ext cx="8825760" cy="4117320"/>
+          </a:xfrm>
+          <a:prstGeom prst="rect">
+            <a:avLst/>
+          </a:prstGeom>
+          <a:noFill/>
+          <a:ln>
+            <a:noFill/>
+          </a:ln>
+        </p:spPr>
+        <p:style>
+          <a:lnRef idx="0"/>
+          <a:fillRef idx="0"/>
+          <a:effectRef idx="0"/>
+          <a:fontRef idx="minor"/>
+        </p:style>
+        <p:txBody>
+          <a:bodyPr lIns="90000" rIns="90000" tIns="45000" bIns="45000"/>
+          <a:p>
+            <a:pPr>
+              <a:lnSpc>
+                <a:spcPts val="5"/>
+              </a:lnSpc>
+            </a:pPr>
+            <a:endParaRPr b="0" lang="pt-BR" sz="1800" spc="-1" strike="noStrike">
+              <a:solidFill>
+                <a:srgbClr val="000000"/>
+              </a:solidFill>
+              <a:uFill>
+                <a:solidFill>
+                  <a:srgbClr val="ffffff"/>
+                </a:solidFill>
+              </a:uFill>
+              <a:latin typeface="Arial"/>
+            </a:endParaRPr>
+          </a:p>
+          <a:p>
+            <a:pPr>
+              <a:lnSpc>
+                <a:spcPts val="5"/>
+              </a:lnSpc>
+            </a:pPr>
+            <a:r>
+              <a:rPr b="1" lang="pt-BR" sz="2000" spc="-1" strike="noStrike">
+                <a:solidFill>
+                  <a:srgbClr val="404040"/>
+                </a:solidFill>
+                <a:uFill>
+                  <a:solidFill>
+                    <a:srgbClr val="ffffff"/>
+                  </a:solidFill>
+                </a:uFill>
+                <a:latin typeface="Calibri"/>
+                <a:ea typeface="DejaVu Sans"/>
+              </a:rPr>
+              <a:t> </a:t>
+            </a:r>
+            <a:endParaRPr b="0" lang="pt-BR" sz="1800" spc="-1" strike="noStrike">
+              <a:solidFill>
+                <a:srgbClr val="000000"/>
+              </a:solidFill>
+              <a:uFill>
+                <a:solidFill>
+                  <a:srgbClr val="ffffff"/>
+                </a:solidFill>
+              </a:uFill>
+              <a:latin typeface="Arial"/>
+            </a:endParaRPr>
+          </a:p>
+          <a:p>
+            <a:pPr>
+              <a:lnSpc>
+                <a:spcPts val="5"/>
+              </a:lnSpc>
+            </a:pPr>
+            <a:endParaRPr b="0" lang="pt-BR" sz="1800" spc="-1" strike="noStrike">
+              <a:solidFill>
+                <a:srgbClr val="000000"/>
+              </a:solidFill>
+              <a:uFill>
+                <a:solidFill>
+                  <a:srgbClr val="ffffff"/>
+                </a:solidFill>
+              </a:uFill>
+              <a:latin typeface="Arial"/>
+            </a:endParaRPr>
+          </a:p>
+        </p:txBody>
+      </p:sp>
+      <p:sp>
+        <p:nvSpPr>
+          <p:cNvPr id="129" name="CustomShape 4"/>
+          <p:cNvSpPr/>
+          <p:nvPr/>
+        </p:nvSpPr>
+        <p:spPr>
+          <a:xfrm>
+            <a:off x="230400" y="72000"/>
+            <a:ext cx="8824320" cy="941040"/>
+          </a:xfrm>
+          <a:prstGeom prst="rect">
+            <a:avLst/>
+          </a:prstGeom>
+          <a:noFill/>
+          <a:ln>
+            <a:noFill/>
+          </a:ln>
+        </p:spPr>
+        <p:style>
+          <a:lnRef idx="0"/>
+          <a:fillRef idx="0"/>
+          <a:effectRef idx="0"/>
+          <a:fontRef idx="minor"/>
+        </p:style>
+        <p:txBody>
+          <a:bodyPr lIns="90000" rIns="90000" tIns="45000" bIns="45000"/>
+          <a:p>
+            <a:pPr>
+              <a:lnSpc>
+                <a:spcPts val="5"/>
+              </a:lnSpc>
+            </a:pPr>
+            <a:r>
+              <a:rPr b="1" lang="pt-BR" sz="2800" spc="-1" strike="noStrike">
+                <a:solidFill>
+                  <a:srgbClr val="000000"/>
+                </a:solidFill>
+                <a:uFill>
+                  <a:solidFill>
+                    <a:srgbClr val="ffffff"/>
+                  </a:solidFill>
+                </a:uFill>
+                <a:latin typeface="Calibri"/>
+                <a:ea typeface="Calibri"/>
+              </a:rPr>
+              <a:t>SISTEMA DE CONTROLE DE VENDAS E ESTOQUE PARA COMÉRCIO  DE PRODUTOS AGROPECUÁRIOS</a:t>
+            </a:r>
+            <a:endParaRPr b="0" lang="pt-BR" sz="1800" spc="-1" strike="noStrike">
+              <a:solidFill>
+                <a:srgbClr val="000000"/>
+              </a:solidFill>
+              <a:uFill>
+                <a:solidFill>
+                  <a:srgbClr val="ffffff"/>
+                </a:solidFill>
+              </a:uFill>
+              <a:latin typeface="Arial"/>
+            </a:endParaRPr>
+          </a:p>
+        </p:txBody>
+      </p:sp>
+      <p:pic>
+        <p:nvPicPr>
+          <p:cNvPr id="130" name="" descr=""/>
+          <p:cNvPicPr/>
+          <p:nvPr/>
+        </p:nvPicPr>
+        <p:blipFill>
+          <a:blip r:embed="rId1"/>
+          <a:srcRect l="1025" t="4012" r="1436" b="6406"/>
+          <a:stretch/>
+        </p:blipFill>
+        <p:spPr>
+          <a:xfrm>
+            <a:off x="1368000" y="1665360"/>
+            <a:ext cx="6263640" cy="4350960"/>
+          </a:xfrm>
+          <a:prstGeom prst="rect">
+            <a:avLst/>
+          </a:prstGeom>
+          <a:ln>
+            <a:noFill/>
+          </a:ln>
+        </p:spPr>
+      </p:pic>
+    </p:spTree>
+  </p:cSld>
+  <p:timing>
+    <p:tnLst>
+      <p:par>
+        <p:cTn id="25" dur="indefinite" restart="never" nodeType="tmRoot">
+          <p:childTnLst>
+            <p:seq>
+              <p:cTn id="26" nodeType="mainSeq"/>
+              <p:prevCondLst>
+                <p:cond delay="0" evt="onPrev">
+                  <p:tgtEl>
+                    <p:sldTgt/>
+                  </p:tgtEl>
+                </p:cond>
+              </p:prevCondLst>
+              <p:nextCondLst>
+                <p:cond delay="0" evt="onNext">
+                  <p:tgtEl>
+                    <p:sldTgt/>
+                  </p:tgtEl>
+                </p:cond>
+              </p:nextCondLst>
+            </p:seq>
+          </p:childTnLst>
+        </p:cTn>
+      </p:par>
+    </p:tnLst>
+  </p:timing>
+</p:sld>
+</file>
+
+<file path=ppt/slides/slide14.xml><?xml version="1.0" encoding="utf-8"?>
+<p:sld xmlns:a="http://schemas.openxmlformats.org/drawingml/2006/main" xmlns:p="http://schemas.openxmlformats.org/presentationml/2006/main" xmlns:r="http://schemas.openxmlformats.org/officeDocument/2006/relationships" xmlns:p14="http://schemas.microsoft.com/office/powerpoint/2010/main" xmlns:p15="http://schemas.microsoft.com/office/powerpoint/2012/main" xmlns:mc="http://schemas.openxmlformats.org/markup-compatibility/2006">
+  <p:cSld>
+    <p:spTree>
+      <p:nvGrpSpPr>
+        <p:cNvPr id="1" name=""/>
+        <p:cNvGrpSpPr/>
+        <p:nvPr/>
+      </p:nvGrpSpPr>
+      <p:grpSpPr>
+        <a:xfrm>
+          <a:off x="0" y="0"/>
+          <a:ext cx="0" cy="0"/>
+          <a:chOff x="0" y="0"/>
+          <a:chExt cx="0" cy="0"/>
+        </a:xfrm>
+      </p:grpSpPr>
+      <p:sp>
+        <p:nvSpPr>
+          <p:cNvPr id="131" name="CustomShape 1"/>
+          <p:cNvSpPr/>
+          <p:nvPr/>
+        </p:nvSpPr>
+        <p:spPr>
+          <a:xfrm>
+            <a:off x="0" y="1001880"/>
+            <a:ext cx="9141840" cy="663120"/>
+          </a:xfrm>
+          <a:prstGeom prst="rect">
+            <a:avLst/>
+          </a:prstGeom>
+          <a:gradFill>
+            <a:gsLst>
+              <a:gs pos="0">
+                <a:srgbClr val="95b8bb"/>
+              </a:gs>
+              <a:gs pos="100000">
+                <a:srgbClr val="5d8d91"/>
+              </a:gs>
+            </a:gsLst>
+            <a:lin ang="16200000"/>
+          </a:gradFill>
+          <a:ln>
+            <a:noFill/>
+          </a:ln>
+        </p:spPr>
+        <p:style>
+          <a:lnRef idx="2">
+            <a:schemeClr val="accent1">
+              <a:shade val="50000"/>
+            </a:schemeClr>
+          </a:lnRef>
+          <a:fillRef idx="1">
+            <a:schemeClr val="accent1"/>
+          </a:fillRef>
+          <a:effectRef idx="0">
+            <a:schemeClr val="accent1"/>
+          </a:effectRef>
+          <a:fontRef idx="minor"/>
+        </p:style>
+      </p:sp>
+      <p:sp>
+        <p:nvSpPr>
+          <p:cNvPr id="132" name="CustomShape 2"/>
+          <p:cNvSpPr/>
+          <p:nvPr/>
+        </p:nvSpPr>
+        <p:spPr>
+          <a:xfrm>
+            <a:off x="206280" y="1100160"/>
+            <a:ext cx="8733960" cy="469440"/>
+          </a:xfrm>
+          <a:prstGeom prst="rect">
+            <a:avLst/>
+          </a:prstGeom>
+          <a:noFill/>
+          <a:ln>
+            <a:noFill/>
+          </a:ln>
+        </p:spPr>
+        <p:style>
+          <a:lnRef idx="0"/>
+          <a:fillRef idx="0"/>
+          <a:effectRef idx="0"/>
+          <a:fontRef idx="minor"/>
+        </p:style>
+        <p:txBody>
+          <a:bodyPr lIns="90000" rIns="90000" tIns="45000" bIns="45000"/>
+          <a:p>
+            <a:pPr>
+              <a:lnSpc>
+                <a:spcPct val="100000"/>
+              </a:lnSpc>
+            </a:pPr>
+            <a:r>
+              <a:rPr b="1" lang="pt-BR" sz="2500" spc="-1" strike="noStrike">
+                <a:solidFill>
+                  <a:srgbClr val="000000"/>
+                </a:solidFill>
+                <a:uFill>
+                  <a:solidFill>
+                    <a:srgbClr val="ffffff"/>
+                  </a:solidFill>
+                </a:uFill>
+                <a:latin typeface="Calibri"/>
+                <a:ea typeface="Calibri"/>
+              </a:rPr>
+              <a:t>Apresentação do Protótipo Arquitetural</a:t>
+            </a:r>
+            <a:endParaRPr b="0" lang="pt-BR" sz="1800" spc="-1" strike="noStrike">
+              <a:solidFill>
+                <a:srgbClr val="000000"/>
+              </a:solidFill>
+              <a:uFill>
+                <a:solidFill>
+                  <a:srgbClr val="ffffff"/>
+                </a:solidFill>
+              </a:uFill>
+              <a:latin typeface="Arial"/>
+            </a:endParaRPr>
+          </a:p>
+        </p:txBody>
+      </p:sp>
+      <p:sp>
+        <p:nvSpPr>
+          <p:cNvPr id="133" name="CustomShape 3"/>
+          <p:cNvSpPr/>
+          <p:nvPr/>
+        </p:nvSpPr>
+        <p:spPr>
+          <a:xfrm>
+            <a:off x="179280" y="1770120"/>
+            <a:ext cx="8825760" cy="4117320"/>
+          </a:xfrm>
+          <a:prstGeom prst="rect">
+            <a:avLst/>
+          </a:prstGeom>
+          <a:noFill/>
+          <a:ln>
+            <a:noFill/>
+          </a:ln>
+        </p:spPr>
+        <p:style>
+          <a:lnRef idx="0"/>
+          <a:fillRef idx="0"/>
+          <a:effectRef idx="0"/>
+          <a:fontRef idx="minor"/>
+        </p:style>
+        <p:txBody>
+          <a:bodyPr lIns="90000" rIns="90000" tIns="45000" bIns="45000"/>
+          <a:p>
+            <a:pPr>
+              <a:lnSpc>
+                <a:spcPts val="5"/>
+              </a:lnSpc>
+            </a:pPr>
+            <a:r>
+              <a:rPr b="1" lang="pt-BR" sz="2300" spc="-1" strike="noStrike">
+                <a:solidFill>
+                  <a:srgbClr val="404040"/>
+                </a:solidFill>
+                <a:uFill>
+                  <a:solidFill>
+                    <a:srgbClr val="ffffff"/>
+                  </a:solidFill>
+                </a:uFill>
+                <a:latin typeface="Calibri"/>
+                <a:ea typeface="DejaVu Sans"/>
+              </a:rPr>
+              <a:t>Vídeo (</a:t>
+            </a:r>
+            <a:r>
+              <a:rPr b="1" i="1" lang="pt-BR" sz="2300" spc="-1" strike="noStrike">
+                <a:solidFill>
+                  <a:srgbClr val="404040"/>
+                </a:solidFill>
+                <a:uFill>
+                  <a:solidFill>
+                    <a:srgbClr val="ffffff"/>
+                  </a:solidFill>
+                </a:uFill>
+                <a:latin typeface="Calibri"/>
+                <a:ea typeface="DejaVu Sans"/>
+              </a:rPr>
+              <a:t>screencast</a:t>
+            </a:r>
+            <a:r>
+              <a:rPr b="1" lang="pt-BR" sz="2300" spc="-1" strike="noStrike">
+                <a:solidFill>
+                  <a:srgbClr val="404040"/>
+                </a:solidFill>
+                <a:uFill>
+                  <a:solidFill>
+                    <a:srgbClr val="ffffff"/>
+                  </a:solidFill>
+                </a:uFill>
+                <a:latin typeface="Calibri"/>
+                <a:ea typeface="DejaVu Sans"/>
+              </a:rPr>
+              <a:t>) de apresentação da aplicação web.</a:t>
+            </a:r>
+            <a:endParaRPr b="0" lang="pt-BR" sz="1800" spc="-1" strike="noStrike">
+              <a:solidFill>
+                <a:srgbClr val="000000"/>
+              </a:solidFill>
+              <a:uFill>
+                <a:solidFill>
+                  <a:srgbClr val="ffffff"/>
+                </a:solidFill>
+              </a:uFill>
+              <a:latin typeface="Arial"/>
+            </a:endParaRPr>
+          </a:p>
+          <a:p>
+            <a:pPr>
+              <a:lnSpc>
+                <a:spcPts val="5"/>
+              </a:lnSpc>
+            </a:pPr>
+            <a:r>
+              <a:rPr b="1" lang="pt-BR" sz="2300" spc="-1" strike="noStrike">
+                <a:solidFill>
+                  <a:srgbClr val="404040"/>
+                </a:solidFill>
+                <a:uFill>
+                  <a:solidFill>
+                    <a:srgbClr val="ffffff"/>
+                  </a:solidFill>
+                </a:uFill>
+                <a:latin typeface="Calibri"/>
+                <a:ea typeface="DejaVu Sans"/>
+              </a:rPr>
+              <a:t>Sugestão de gravador de tela: </a:t>
+            </a:r>
+            <a:r>
+              <a:rPr b="1" lang="pt-BR" sz="2300" spc="-1" strike="noStrike" u="sng">
+                <a:solidFill>
+                  <a:srgbClr val="0000ff"/>
+                </a:solidFill>
+                <a:uFill>
+                  <a:solidFill>
+                    <a:srgbClr val="ffffff"/>
+                  </a:solidFill>
+                </a:uFill>
+                <a:latin typeface="Calibri"/>
+                <a:ea typeface="DejaVu Sans"/>
+                <a:hlinkClick r:id="rId1"/>
+              </a:rPr>
+              <a:t>http://www.screenr.com</a:t>
+            </a:r>
+            <a:endParaRPr b="0" lang="pt-BR" sz="1800" spc="-1" strike="noStrike">
+              <a:solidFill>
+                <a:srgbClr val="000000"/>
+              </a:solidFill>
+              <a:uFill>
+                <a:solidFill>
+                  <a:srgbClr val="ffffff"/>
+                </a:solidFill>
+              </a:uFill>
+              <a:latin typeface="Arial"/>
+            </a:endParaRPr>
+          </a:p>
+          <a:p>
+            <a:pPr>
+              <a:lnSpc>
+                <a:spcPts val="5"/>
+              </a:lnSpc>
+            </a:pPr>
+            <a:r>
+              <a:rPr b="1" lang="pt-BR" sz="2300" spc="-1" strike="noStrike">
+                <a:solidFill>
+                  <a:srgbClr val="404040"/>
+                </a:solidFill>
+                <a:uFill>
+                  <a:solidFill>
+                    <a:srgbClr val="ffffff"/>
+                  </a:solidFill>
+                </a:uFill>
+                <a:latin typeface="Calibri"/>
+                <a:ea typeface="DejaVu Sans"/>
+              </a:rPr>
+              <a:t>Duração: 2’00” </a:t>
+            </a:r>
+            <a:endParaRPr b="0" lang="pt-BR" sz="1800" spc="-1" strike="noStrike">
+              <a:solidFill>
+                <a:srgbClr val="000000"/>
+              </a:solidFill>
+              <a:uFill>
+                <a:solidFill>
+                  <a:srgbClr val="ffffff"/>
+                </a:solidFill>
+              </a:uFill>
+              <a:latin typeface="Arial"/>
+            </a:endParaRPr>
+          </a:p>
+          <a:p>
+            <a:pPr>
+              <a:lnSpc>
+                <a:spcPts val="5"/>
+              </a:lnSpc>
+            </a:pPr>
+            <a:endParaRPr b="0" lang="pt-BR" sz="1800" spc="-1" strike="noStrike">
+              <a:solidFill>
+                <a:srgbClr val="000000"/>
+              </a:solidFill>
+              <a:uFill>
+                <a:solidFill>
+                  <a:srgbClr val="ffffff"/>
+                </a:solidFill>
+              </a:uFill>
+              <a:latin typeface="Arial"/>
+            </a:endParaRPr>
+          </a:p>
+          <a:p>
+            <a:pPr>
+              <a:lnSpc>
+                <a:spcPts val="5"/>
+              </a:lnSpc>
+            </a:pPr>
+            <a:endParaRPr b="0" lang="pt-BR" sz="1800" spc="-1" strike="noStrike">
+              <a:solidFill>
+                <a:srgbClr val="000000"/>
+              </a:solidFill>
+              <a:uFill>
+                <a:solidFill>
+                  <a:srgbClr val="ffffff"/>
+                </a:solidFill>
+              </a:uFill>
+              <a:latin typeface="Arial"/>
+            </a:endParaRPr>
+          </a:p>
+        </p:txBody>
+      </p:sp>
+      <p:sp>
+        <p:nvSpPr>
+          <p:cNvPr id="134" name="CustomShape 4"/>
+          <p:cNvSpPr/>
+          <p:nvPr/>
+        </p:nvSpPr>
+        <p:spPr>
+          <a:xfrm>
+            <a:off x="230400" y="72000"/>
+            <a:ext cx="8824320" cy="941040"/>
+          </a:xfrm>
+          <a:prstGeom prst="rect">
+            <a:avLst/>
+          </a:prstGeom>
+          <a:noFill/>
+          <a:ln>
+            <a:noFill/>
+          </a:ln>
+        </p:spPr>
+        <p:style>
+          <a:lnRef idx="0"/>
+          <a:fillRef idx="0"/>
+          <a:effectRef idx="0"/>
+          <a:fontRef idx="minor"/>
+        </p:style>
+        <p:txBody>
+          <a:bodyPr lIns="90000" rIns="90000" tIns="45000" bIns="45000"/>
+          <a:p>
+            <a:pPr>
+              <a:lnSpc>
+                <a:spcPts val="5"/>
+              </a:lnSpc>
+            </a:pPr>
+            <a:r>
+              <a:rPr b="1" lang="pt-BR" sz="2800" spc="-1" strike="noStrike">
+                <a:solidFill>
+                  <a:srgbClr val="000000"/>
+                </a:solidFill>
+                <a:uFill>
+                  <a:solidFill>
+                    <a:srgbClr val="ffffff"/>
+                  </a:solidFill>
+                </a:uFill>
+                <a:latin typeface="Calibri"/>
+                <a:ea typeface="Calibri"/>
+              </a:rPr>
+              <a:t>SISTEMA DE CONTROLE DE VENDAS E ESTOQUE PARA COMÉRCIO  DE PRODUTOS AGROPECUÁRIOS</a:t>
+            </a:r>
+            <a:endParaRPr b="0" lang="pt-BR" sz="1800" spc="-1" strike="noStrike">
+              <a:solidFill>
+                <a:srgbClr val="000000"/>
+              </a:solidFill>
+              <a:uFill>
+                <a:solidFill>
+                  <a:srgbClr val="ffffff"/>
+                </a:solidFill>
+              </a:uFill>
+              <a:latin typeface="Arial"/>
+            </a:endParaRPr>
+          </a:p>
+        </p:txBody>
+      </p:sp>
+    </p:spTree>
+  </p:cSld>
+  <p:timing>
+    <p:tnLst>
+      <p:par>
+        <p:cTn id="27" dur="indefinite" restart="never" nodeType="tmRoot">
+          <p:childTnLst>
+            <p:seq>
+              <p:cTn id="28" nodeType="mainSeq"/>
+              <p:prevCondLst>
+                <p:cond delay="0" evt="onPrev">
+                  <p:tgtEl>
+                    <p:sldTgt/>
+                  </p:tgtEl>
+                </p:cond>
+              </p:prevCondLst>
+              <p:nextCondLst>
+                <p:cond delay="0" evt="onNext">
+                  <p:tgtEl>
+                    <p:sldTgt/>
+                  </p:tgtEl>
+                </p:cond>
+              </p:nextCondLst>
+            </p:seq>
+          </p:childTnLst>
+        </p:cTn>
+      </p:par>
+    </p:tnLst>
+  </p:timing>
+</p:sld>
+</file>
+
+<file path=ppt/slides/slide15.xml><?xml version="1.0" encoding="utf-8"?>
+<p:sld xmlns:a="http://schemas.openxmlformats.org/drawingml/2006/main" xmlns:p="http://schemas.openxmlformats.org/presentationml/2006/main" xmlns:r="http://schemas.openxmlformats.org/officeDocument/2006/relationships" xmlns:p14="http://schemas.microsoft.com/office/powerpoint/2010/main" xmlns:p15="http://schemas.microsoft.com/office/powerpoint/2012/main" xmlns:mc="http://schemas.openxmlformats.org/markup-compatibility/2006">
+  <p:cSld>
+    <p:spTree>
+      <p:nvGrpSpPr>
+        <p:cNvPr id="1" name=""/>
+        <p:cNvGrpSpPr/>
+        <p:nvPr/>
+      </p:nvGrpSpPr>
+      <p:grpSpPr>
+        <a:xfrm>
+          <a:off x="0" y="0"/>
+          <a:ext cx="0" cy="0"/>
+          <a:chOff x="0" y="0"/>
+          <a:chExt cx="0" cy="0"/>
+        </a:xfrm>
+      </p:grpSpPr>
+      <p:sp>
+        <p:nvSpPr>
+          <p:cNvPr id="135" name="CustomShape 1"/>
+          <p:cNvSpPr/>
+          <p:nvPr/>
+        </p:nvSpPr>
+        <p:spPr>
+          <a:xfrm>
+            <a:off x="0" y="1001880"/>
+            <a:ext cx="9141840" cy="663120"/>
+          </a:xfrm>
+          <a:prstGeom prst="rect">
+            <a:avLst/>
+          </a:prstGeom>
+          <a:gradFill>
+            <a:gsLst>
+              <a:gs pos="0">
+                <a:srgbClr val="95b8bb"/>
+              </a:gs>
+              <a:gs pos="100000">
+                <a:srgbClr val="5d8d91"/>
+              </a:gs>
+            </a:gsLst>
+            <a:lin ang="16200000"/>
+          </a:gradFill>
+          <a:ln>
+            <a:noFill/>
+          </a:ln>
+        </p:spPr>
+        <p:style>
+          <a:lnRef idx="2">
+            <a:schemeClr val="accent1">
+              <a:shade val="50000"/>
+            </a:schemeClr>
+          </a:lnRef>
+          <a:fillRef idx="1">
+            <a:schemeClr val="accent1"/>
+          </a:fillRef>
+          <a:effectRef idx="0">
+            <a:schemeClr val="accent1"/>
+          </a:effectRef>
+          <a:fontRef idx="minor"/>
+        </p:style>
+      </p:sp>
+      <p:sp>
+        <p:nvSpPr>
+          <p:cNvPr id="136" name="CustomShape 2"/>
+          <p:cNvSpPr/>
+          <p:nvPr/>
+        </p:nvSpPr>
+        <p:spPr>
+          <a:xfrm>
+            <a:off x="206280" y="1100160"/>
+            <a:ext cx="8733960" cy="469440"/>
+          </a:xfrm>
+          <a:prstGeom prst="rect">
+            <a:avLst/>
+          </a:prstGeom>
+          <a:noFill/>
+          <a:ln>
+            <a:noFill/>
+          </a:ln>
+        </p:spPr>
+        <p:style>
+          <a:lnRef idx="0"/>
+          <a:fillRef idx="0"/>
+          <a:effectRef idx="0"/>
+          <a:fontRef idx="minor"/>
+        </p:style>
+        <p:txBody>
+          <a:bodyPr lIns="90000" rIns="90000" tIns="45000" bIns="45000"/>
+          <a:p>
+            <a:pPr>
+              <a:lnSpc>
+                <a:spcPct val="100000"/>
+              </a:lnSpc>
+            </a:pPr>
+            <a:r>
+              <a:rPr b="1" lang="pt-BR" sz="2500" spc="-1" strike="noStrike">
+                <a:solidFill>
+                  <a:srgbClr val="000000"/>
+                </a:solidFill>
+                <a:uFill>
+                  <a:solidFill>
+                    <a:srgbClr val="ffffff"/>
+                  </a:solidFill>
+                </a:uFill>
+                <a:latin typeface="Calibri"/>
+                <a:ea typeface="Calibri"/>
+              </a:rPr>
+              <a:t>Avaliação da Arquitetura</a:t>
+            </a:r>
+            <a:endParaRPr b="0" lang="pt-BR" sz="1800" spc="-1" strike="noStrike">
+              <a:solidFill>
+                <a:srgbClr val="000000"/>
+              </a:solidFill>
+              <a:uFill>
+                <a:solidFill>
+                  <a:srgbClr val="ffffff"/>
+                </a:solidFill>
+              </a:uFill>
+              <a:latin typeface="Arial"/>
+            </a:endParaRPr>
+          </a:p>
+        </p:txBody>
+      </p:sp>
+      <p:sp>
+        <p:nvSpPr>
+          <p:cNvPr id="137" name="CustomShape 3"/>
+          <p:cNvSpPr/>
+          <p:nvPr/>
+        </p:nvSpPr>
+        <p:spPr>
+          <a:xfrm>
+            <a:off x="179280" y="1770120"/>
+            <a:ext cx="8825760" cy="4117320"/>
+          </a:xfrm>
+          <a:prstGeom prst="rect">
+            <a:avLst/>
+          </a:prstGeom>
+          <a:noFill/>
+          <a:ln>
+            <a:noFill/>
+          </a:ln>
+        </p:spPr>
+        <p:style>
+          <a:lnRef idx="0"/>
+          <a:fillRef idx="0"/>
+          <a:effectRef idx="0"/>
+          <a:fontRef idx="minor"/>
+        </p:style>
+        <p:txBody>
+          <a:bodyPr lIns="90000" rIns="90000" tIns="45000" bIns="45000"/>
+          <a:p>
+            <a:pPr algn="ctr">
+              <a:lnSpc>
+                <a:spcPts val="5"/>
+              </a:lnSpc>
+            </a:pPr>
+            <a:r>
+              <a:rPr b="1" lang="pt-BR" sz="2300" spc="-1" strike="noStrike">
+                <a:solidFill>
+                  <a:srgbClr val="404040"/>
+                </a:solidFill>
+                <a:uFill>
+                  <a:solidFill>
+                    <a:srgbClr val="ffffff"/>
+                  </a:solidFill>
+                </a:uFill>
+                <a:latin typeface="Calibri"/>
+                <a:ea typeface="DejaVu Sans"/>
+              </a:rPr>
+              <a:t>Cenário 1</a:t>
+            </a:r>
+            <a:endParaRPr b="0" lang="pt-BR" sz="1800" spc="-1" strike="noStrike">
+              <a:solidFill>
+                <a:srgbClr val="000000"/>
+              </a:solidFill>
+              <a:uFill>
+                <a:solidFill>
+                  <a:srgbClr val="ffffff"/>
+                </a:solidFill>
+              </a:uFill>
+              <a:latin typeface="Arial"/>
+            </a:endParaRPr>
+          </a:p>
+          <a:p>
+            <a:pPr>
+              <a:lnSpc>
+                <a:spcPts val="5"/>
+              </a:lnSpc>
+            </a:pPr>
+            <a:r>
+              <a:rPr b="1" lang="pt-BR" sz="2300" spc="-1" strike="noStrike">
+                <a:solidFill>
+                  <a:srgbClr val="404040"/>
+                </a:solidFill>
+                <a:uFill>
+                  <a:solidFill>
+                    <a:srgbClr val="ffffff"/>
+                  </a:solidFill>
+                </a:uFill>
+                <a:latin typeface="Calibri"/>
+                <a:ea typeface="DejaVu Sans"/>
+              </a:rPr>
+              <a:t>Descrição: Ao realizar o acesso a a página de documentação, o sistema deve apresentar altos padrões de segurança, garantindo que o usuário possa ver a documentação dos serviços, mas só possa invocálos caso esteja autenticado.</a:t>
+            </a:r>
+            <a:endParaRPr b="0" lang="pt-BR" sz="1800" spc="-1" strike="noStrike">
+              <a:solidFill>
+                <a:srgbClr val="000000"/>
+              </a:solidFill>
+              <a:uFill>
+                <a:solidFill>
+                  <a:srgbClr val="ffffff"/>
+                </a:solidFill>
+              </a:uFill>
+              <a:latin typeface="Arial"/>
+            </a:endParaRPr>
+          </a:p>
+          <a:p>
+            <a:pPr>
+              <a:lnSpc>
+                <a:spcPts val="5"/>
+              </a:lnSpc>
+            </a:pPr>
+            <a:r>
+              <a:rPr b="1" lang="pt-BR" sz="2300" spc="-1" strike="noStrike">
+                <a:solidFill>
+                  <a:srgbClr val="404040"/>
+                </a:solidFill>
+                <a:uFill>
+                  <a:solidFill>
+                    <a:srgbClr val="ffffff"/>
+                  </a:solidFill>
+                </a:uFill>
+                <a:latin typeface="Calibri"/>
+                <a:ea typeface="DejaVu Sans"/>
+              </a:rPr>
+              <a:t>Riscos: O gerenciamento nas integrações e obrigatoriedade de autenticação apropriados são críticos para segurança web. Falhas nessa área frequentemente envolvem falha ao proteger credencias.</a:t>
+            </a:r>
+            <a:r>
+              <a:rPr b="1" lang="pt-BR" sz="2000" spc="-1" strike="noStrike">
+                <a:solidFill>
+                  <a:srgbClr val="404040"/>
+                </a:solidFill>
+                <a:uFill>
+                  <a:solidFill>
+                    <a:srgbClr val="ffffff"/>
+                  </a:solidFill>
+                </a:uFill>
+                <a:latin typeface="Calibri"/>
+                <a:ea typeface="DejaVu Sans"/>
+              </a:rPr>
+              <a:t> </a:t>
+            </a:r>
+            <a:endParaRPr b="0" lang="pt-BR" sz="1800" spc="-1" strike="noStrike">
+              <a:solidFill>
+                <a:srgbClr val="000000"/>
+              </a:solidFill>
+              <a:uFill>
+                <a:solidFill>
+                  <a:srgbClr val="ffffff"/>
+                </a:solidFill>
+              </a:uFill>
+              <a:latin typeface="Arial"/>
+            </a:endParaRPr>
+          </a:p>
+          <a:p>
+            <a:pPr>
+              <a:lnSpc>
+                <a:spcPts val="5"/>
+              </a:lnSpc>
+            </a:pPr>
+            <a:r>
+              <a:rPr b="1" lang="pt-BR" sz="2000" spc="-1" strike="noStrike">
+                <a:solidFill>
+                  <a:srgbClr val="404040"/>
+                </a:solidFill>
+                <a:uFill>
+                  <a:solidFill>
+                    <a:srgbClr val="ffffff"/>
+                  </a:solidFill>
+                </a:uFill>
+                <a:latin typeface="Calibri"/>
+                <a:ea typeface="DejaVu Sans"/>
+              </a:rPr>
+              <a:t> </a:t>
+            </a:r>
+            <a:endParaRPr b="0" lang="pt-BR" sz="1800" spc="-1" strike="noStrike">
+              <a:solidFill>
+                <a:srgbClr val="000000"/>
+              </a:solidFill>
+              <a:uFill>
+                <a:solidFill>
+                  <a:srgbClr val="ffffff"/>
+                </a:solidFill>
+              </a:uFill>
+              <a:latin typeface="Arial"/>
+            </a:endParaRPr>
+          </a:p>
+          <a:p>
+            <a:pPr>
+              <a:lnSpc>
+                <a:spcPts val="5"/>
+              </a:lnSpc>
+            </a:pPr>
+            <a:endParaRPr b="0" lang="pt-BR" sz="1800" spc="-1" strike="noStrike">
+              <a:solidFill>
+                <a:srgbClr val="000000"/>
+              </a:solidFill>
+              <a:uFill>
+                <a:solidFill>
+                  <a:srgbClr val="ffffff"/>
+                </a:solidFill>
+              </a:uFill>
+              <a:latin typeface="Arial"/>
+            </a:endParaRPr>
+          </a:p>
+        </p:txBody>
+      </p:sp>
+      <p:sp>
+        <p:nvSpPr>
+          <p:cNvPr id="138" name="CustomShape 4"/>
+          <p:cNvSpPr/>
+          <p:nvPr/>
+        </p:nvSpPr>
+        <p:spPr>
+          <a:xfrm>
+            <a:off x="230400" y="72000"/>
+            <a:ext cx="8824320" cy="941040"/>
+          </a:xfrm>
+          <a:prstGeom prst="rect">
+            <a:avLst/>
+          </a:prstGeom>
+          <a:noFill/>
+          <a:ln>
+            <a:noFill/>
+          </a:ln>
+        </p:spPr>
+        <p:style>
+          <a:lnRef idx="0"/>
+          <a:fillRef idx="0"/>
+          <a:effectRef idx="0"/>
+          <a:fontRef idx="minor"/>
+        </p:style>
+        <p:txBody>
+          <a:bodyPr lIns="90000" rIns="90000" tIns="45000" bIns="45000"/>
+          <a:p>
+            <a:pPr>
+              <a:lnSpc>
+                <a:spcPts val="5"/>
+              </a:lnSpc>
+            </a:pPr>
+            <a:r>
+              <a:rPr b="1" lang="pt-BR" sz="2800" spc="-1" strike="noStrike">
+                <a:solidFill>
+                  <a:srgbClr val="000000"/>
+                </a:solidFill>
+                <a:uFill>
+                  <a:solidFill>
+                    <a:srgbClr val="ffffff"/>
+                  </a:solidFill>
+                </a:uFill>
+                <a:latin typeface="Calibri"/>
+                <a:ea typeface="Calibri"/>
+              </a:rPr>
+              <a:t>SISTEMA DE CONTROLE DE VENDAS E ESTOQUE PARA COMÉRCIO  DE PRODUTOS AGROPECUÁRIOS</a:t>
+            </a:r>
+            <a:endParaRPr b="0" lang="pt-BR" sz="1800" spc="-1" strike="noStrike">
+              <a:solidFill>
+                <a:srgbClr val="000000"/>
+              </a:solidFill>
+              <a:uFill>
+                <a:solidFill>
+                  <a:srgbClr val="ffffff"/>
+                </a:solidFill>
+              </a:uFill>
+              <a:latin typeface="Arial"/>
+            </a:endParaRPr>
+          </a:p>
+        </p:txBody>
+      </p:sp>
+    </p:spTree>
+  </p:cSld>
+  <p:timing>
+    <p:tnLst>
+      <p:par>
+        <p:cTn id="29" dur="indefinite" restart="never" nodeType="tmRoot">
+          <p:childTnLst>
+            <p:seq>
+              <p:cTn id="30" nodeType="mainSeq"/>
+              <p:prevCondLst>
+                <p:cond delay="0" evt="onPrev">
+                  <p:tgtEl>
+                    <p:sldTgt/>
+                  </p:tgtEl>
+                </p:cond>
+              </p:prevCondLst>
+              <p:nextCondLst>
+                <p:cond delay="0" evt="onNext">
+                  <p:tgtEl>
+                    <p:sldTgt/>
+                  </p:tgtEl>
+                </p:cond>
+              </p:nextCondLst>
+            </p:seq>
+          </p:childTnLst>
+        </p:cTn>
+      </p:par>
+    </p:tnLst>
+  </p:timing>
+</p:sld>
+</file>
+
+<file path=ppt/slides/slide16.xml><?xml version="1.0" encoding="utf-8"?>
+<p:sld xmlns:a="http://schemas.openxmlformats.org/drawingml/2006/main" xmlns:p="http://schemas.openxmlformats.org/presentationml/2006/main" xmlns:r="http://schemas.openxmlformats.org/officeDocument/2006/relationships" xmlns:p14="http://schemas.microsoft.com/office/powerpoint/2010/main" xmlns:p15="http://schemas.microsoft.com/office/powerpoint/2012/main" xmlns:mc="http://schemas.openxmlformats.org/markup-compatibility/2006">
+  <p:cSld>
+    <p:spTree>
+      <p:nvGrpSpPr>
+        <p:cNvPr id="1" name=""/>
+        <p:cNvGrpSpPr/>
+        <p:nvPr/>
+      </p:nvGrpSpPr>
+      <p:grpSpPr>
+        <a:xfrm>
+          <a:off x="0" y="0"/>
+          <a:ext cx="0" cy="0"/>
+          <a:chOff x="0" y="0"/>
+          <a:chExt cx="0" cy="0"/>
+        </a:xfrm>
+      </p:grpSpPr>
+      <p:sp>
+        <p:nvSpPr>
+          <p:cNvPr id="139" name="CustomShape 1"/>
+          <p:cNvSpPr/>
+          <p:nvPr/>
+        </p:nvSpPr>
+        <p:spPr>
+          <a:xfrm>
+            <a:off x="0" y="1001880"/>
+            <a:ext cx="9141840" cy="663120"/>
+          </a:xfrm>
+          <a:prstGeom prst="rect">
+            <a:avLst/>
+          </a:prstGeom>
+          <a:gradFill>
+            <a:gsLst>
+              <a:gs pos="0">
+                <a:srgbClr val="95b8bb"/>
+              </a:gs>
+              <a:gs pos="100000">
+                <a:srgbClr val="5d8d91"/>
+              </a:gs>
+            </a:gsLst>
+            <a:lin ang="16200000"/>
+          </a:gradFill>
+          <a:ln>
+            <a:noFill/>
+          </a:ln>
+        </p:spPr>
+        <p:style>
+          <a:lnRef idx="2">
+            <a:schemeClr val="accent1">
+              <a:shade val="50000"/>
+            </a:schemeClr>
+          </a:lnRef>
+          <a:fillRef idx="1">
+            <a:schemeClr val="accent1"/>
+          </a:fillRef>
+          <a:effectRef idx="0">
+            <a:schemeClr val="accent1"/>
+          </a:effectRef>
+          <a:fontRef idx="minor"/>
+        </p:style>
+      </p:sp>
+      <p:sp>
+        <p:nvSpPr>
+          <p:cNvPr id="140" name="CustomShape 2"/>
+          <p:cNvSpPr/>
+          <p:nvPr/>
+        </p:nvSpPr>
+        <p:spPr>
+          <a:xfrm>
+            <a:off x="206280" y="1100160"/>
+            <a:ext cx="8733960" cy="469440"/>
+          </a:xfrm>
+          <a:prstGeom prst="rect">
+            <a:avLst/>
+          </a:prstGeom>
+          <a:noFill/>
+          <a:ln>
+            <a:noFill/>
+          </a:ln>
+        </p:spPr>
+        <p:style>
+          <a:lnRef idx="0"/>
+          <a:fillRef idx="0"/>
+          <a:effectRef idx="0"/>
+          <a:fontRef idx="minor"/>
+        </p:style>
+        <p:txBody>
+          <a:bodyPr lIns="90000" rIns="90000" tIns="45000" bIns="45000"/>
+          <a:p>
+            <a:pPr>
+              <a:lnSpc>
+                <a:spcPct val="100000"/>
+              </a:lnSpc>
+            </a:pPr>
+            <a:r>
+              <a:rPr b="1" lang="pt-BR" sz="2500" spc="-1" strike="noStrike">
+                <a:solidFill>
+                  <a:srgbClr val="000000"/>
+                </a:solidFill>
+                <a:uFill>
+                  <a:solidFill>
+                    <a:srgbClr val="ffffff"/>
+                  </a:solidFill>
+                </a:uFill>
+                <a:latin typeface="Calibri"/>
+                <a:ea typeface="Calibri"/>
+              </a:rPr>
+              <a:t>Avaliação da Arquitetura</a:t>
+            </a:r>
+            <a:endParaRPr b="0" lang="pt-BR" sz="1800" spc="-1" strike="noStrike">
+              <a:solidFill>
+                <a:srgbClr val="000000"/>
+              </a:solidFill>
+              <a:uFill>
+                <a:solidFill>
+                  <a:srgbClr val="ffffff"/>
+                </a:solidFill>
+              </a:uFill>
+              <a:latin typeface="Arial"/>
+            </a:endParaRPr>
+          </a:p>
+        </p:txBody>
+      </p:sp>
+      <p:sp>
+        <p:nvSpPr>
+          <p:cNvPr id="141" name="CustomShape 3"/>
+          <p:cNvSpPr/>
+          <p:nvPr/>
+        </p:nvSpPr>
+        <p:spPr>
+          <a:xfrm>
+            <a:off x="179280" y="1770120"/>
+            <a:ext cx="8825760" cy="4117320"/>
+          </a:xfrm>
+          <a:prstGeom prst="rect">
+            <a:avLst/>
+          </a:prstGeom>
+          <a:noFill/>
+          <a:ln>
+            <a:noFill/>
+          </a:ln>
+        </p:spPr>
+        <p:style>
+          <a:lnRef idx="0"/>
+          <a:fillRef idx="0"/>
+          <a:effectRef idx="0"/>
+          <a:fontRef idx="minor"/>
+        </p:style>
+        <p:txBody>
+          <a:bodyPr lIns="90000" rIns="90000" tIns="45000" bIns="45000"/>
+          <a:p>
+            <a:pPr algn="ctr">
+              <a:lnSpc>
+                <a:spcPts val="5"/>
+              </a:lnSpc>
+            </a:pPr>
+            <a:r>
+              <a:rPr b="1" lang="pt-BR" sz="2300" spc="-1" strike="noStrike">
+                <a:solidFill>
+                  <a:srgbClr val="404040"/>
+                </a:solidFill>
+                <a:uFill>
+                  <a:solidFill>
+                    <a:srgbClr val="ffffff"/>
+                  </a:solidFill>
+                </a:uFill>
+                <a:latin typeface="Calibri"/>
+                <a:ea typeface="DejaVu Sans"/>
+              </a:rPr>
+              <a:t>Cenário 2</a:t>
+            </a:r>
+            <a:endParaRPr b="0" lang="pt-BR" sz="1800" spc="-1" strike="noStrike">
+              <a:solidFill>
+                <a:srgbClr val="000000"/>
+              </a:solidFill>
+              <a:uFill>
+                <a:solidFill>
+                  <a:srgbClr val="ffffff"/>
+                </a:solidFill>
+              </a:uFill>
+              <a:latin typeface="Arial"/>
+            </a:endParaRPr>
+          </a:p>
+          <a:p>
+            <a:pPr>
+              <a:lnSpc>
+                <a:spcPts val="5"/>
+              </a:lnSpc>
+            </a:pPr>
+            <a:r>
+              <a:rPr b="1" lang="pt-BR" sz="2300" spc="-1" strike="noStrike">
+                <a:solidFill>
+                  <a:srgbClr val="404040"/>
+                </a:solidFill>
+                <a:uFill>
+                  <a:solidFill>
+                    <a:srgbClr val="ffffff"/>
+                  </a:solidFill>
+                </a:uFill>
+                <a:latin typeface="Calibri"/>
+                <a:ea typeface="DejaVu Sans"/>
+              </a:rPr>
+              <a:t>Descrição: Ao rodar a rotina programática de notificação de fornecedores, deve-se enviar uma notificações em no máximo 10 segundos. Neste tempo já deve estar incluindo o tempo consultas ao banco, integração com sistemas de fornecedores para obtenção dos e-mails dos fornecedores e o envio do e-mail.</a:t>
+            </a:r>
+            <a:endParaRPr b="0" lang="pt-BR" sz="1800" spc="-1" strike="noStrike">
+              <a:solidFill>
+                <a:srgbClr val="000000"/>
+              </a:solidFill>
+              <a:uFill>
+                <a:solidFill>
+                  <a:srgbClr val="ffffff"/>
+                </a:solidFill>
+              </a:uFill>
+              <a:latin typeface="Arial"/>
+            </a:endParaRPr>
+          </a:p>
+          <a:p>
+            <a:pPr>
+              <a:lnSpc>
+                <a:spcPts val="5"/>
+              </a:lnSpc>
+            </a:pPr>
+            <a:r>
+              <a:rPr b="1" lang="pt-BR" sz="2300" spc="-1" strike="noStrike">
+                <a:solidFill>
+                  <a:srgbClr val="404040"/>
+                </a:solidFill>
+                <a:uFill>
+                  <a:solidFill>
+                    <a:srgbClr val="ffffff"/>
+                  </a:solidFill>
+                </a:uFill>
+                <a:latin typeface="Calibri"/>
+                <a:ea typeface="DejaVu Sans"/>
+              </a:rPr>
+              <a:t>Riscos: Pode ocorrer lentidão no envio de e-mail  caso a latência da rede esteja alta.</a:t>
+            </a:r>
+            <a:endParaRPr b="0" lang="pt-BR" sz="1800" spc="-1" strike="noStrike">
+              <a:solidFill>
+                <a:srgbClr val="000000"/>
+              </a:solidFill>
+              <a:uFill>
+                <a:solidFill>
+                  <a:srgbClr val="ffffff"/>
+                </a:solidFill>
+              </a:uFill>
+              <a:latin typeface="Arial"/>
+            </a:endParaRPr>
+          </a:p>
+          <a:p>
+            <a:pPr>
+              <a:lnSpc>
+                <a:spcPts val="5"/>
+              </a:lnSpc>
+            </a:pPr>
+            <a:r>
+              <a:rPr b="1" lang="pt-BR" sz="2000" spc="-1" strike="noStrike">
+                <a:solidFill>
+                  <a:srgbClr val="404040"/>
+                </a:solidFill>
+                <a:uFill>
+                  <a:solidFill>
+                    <a:srgbClr val="ffffff"/>
+                  </a:solidFill>
+                </a:uFill>
+                <a:latin typeface="Calibri"/>
+                <a:ea typeface="DejaVu Sans"/>
+              </a:rPr>
+              <a:t> </a:t>
+            </a:r>
+            <a:endParaRPr b="0" lang="pt-BR" sz="1800" spc="-1" strike="noStrike">
+              <a:solidFill>
+                <a:srgbClr val="000000"/>
+              </a:solidFill>
+              <a:uFill>
+                <a:solidFill>
+                  <a:srgbClr val="ffffff"/>
+                </a:solidFill>
+              </a:uFill>
+              <a:latin typeface="Arial"/>
+            </a:endParaRPr>
+          </a:p>
+          <a:p>
+            <a:pPr>
+              <a:lnSpc>
+                <a:spcPts val="5"/>
+              </a:lnSpc>
+            </a:pPr>
+            <a:endParaRPr b="0" lang="pt-BR" sz="1800" spc="-1" strike="noStrike">
+              <a:solidFill>
+                <a:srgbClr val="000000"/>
+              </a:solidFill>
+              <a:uFill>
+                <a:solidFill>
+                  <a:srgbClr val="ffffff"/>
+                </a:solidFill>
+              </a:uFill>
+              <a:latin typeface="Arial"/>
+            </a:endParaRPr>
+          </a:p>
+        </p:txBody>
+      </p:sp>
+      <p:sp>
+        <p:nvSpPr>
+          <p:cNvPr id="142" name="CustomShape 4"/>
+          <p:cNvSpPr/>
+          <p:nvPr/>
+        </p:nvSpPr>
+        <p:spPr>
+          <a:xfrm>
+            <a:off x="230400" y="72000"/>
+            <a:ext cx="8824320" cy="941040"/>
+          </a:xfrm>
+          <a:prstGeom prst="rect">
+            <a:avLst/>
+          </a:prstGeom>
+          <a:noFill/>
+          <a:ln>
+            <a:noFill/>
+          </a:ln>
+        </p:spPr>
+        <p:style>
+          <a:lnRef idx="0"/>
+          <a:fillRef idx="0"/>
+          <a:effectRef idx="0"/>
+          <a:fontRef idx="minor"/>
+        </p:style>
+        <p:txBody>
+          <a:bodyPr lIns="90000" rIns="90000" tIns="45000" bIns="45000"/>
+          <a:p>
+            <a:pPr>
+              <a:lnSpc>
+                <a:spcPts val="5"/>
+              </a:lnSpc>
+            </a:pPr>
+            <a:r>
+              <a:rPr b="1" lang="pt-BR" sz="2800" spc="-1" strike="noStrike">
+                <a:solidFill>
+                  <a:srgbClr val="000000"/>
+                </a:solidFill>
+                <a:uFill>
+                  <a:solidFill>
+                    <a:srgbClr val="ffffff"/>
+                  </a:solidFill>
+                </a:uFill>
+                <a:latin typeface="Calibri"/>
+                <a:ea typeface="Calibri"/>
+              </a:rPr>
+              <a:t>SISTEMA DE CONTROLE DE VENDAS E ESTOQUE PARA COMÉRCIO  DE PRODUTOS AGROPECUÁRIOS</a:t>
+            </a:r>
+            <a:endParaRPr b="0" lang="pt-BR" sz="1800" spc="-1" strike="noStrike">
+              <a:solidFill>
+                <a:srgbClr val="000000"/>
+              </a:solidFill>
+              <a:uFill>
+                <a:solidFill>
+                  <a:srgbClr val="ffffff"/>
+                </a:solidFill>
+              </a:uFill>
+              <a:latin typeface="Arial"/>
+            </a:endParaRPr>
+          </a:p>
+        </p:txBody>
+      </p:sp>
+    </p:spTree>
+  </p:cSld>
+  <p:timing>
+    <p:tnLst>
+      <p:par>
+        <p:cTn id="31" dur="indefinite" restart="never" nodeType="tmRoot">
+          <p:childTnLst>
+            <p:seq>
+              <p:cTn id="32" nodeType="mainSeq"/>
+              <p:prevCondLst>
+                <p:cond delay="0" evt="onPrev">
+                  <p:tgtEl>
+                    <p:sldTgt/>
+                  </p:tgtEl>
+                </p:cond>
+              </p:prevCondLst>
+              <p:nextCondLst>
+                <p:cond delay="0" evt="onNext">
+                  <p:tgtEl>
+                    <p:sldTgt/>
+                  </p:tgtEl>
+                </p:cond>
+              </p:nextCondLst>
+            </p:seq>
+          </p:childTnLst>
+        </p:cTn>
+      </p:par>
+    </p:tnLst>
+  </p:timing>
+</p:sld>
+</file>
+
+<file path=ppt/slides/slide17.xml><?xml version="1.0" encoding="utf-8"?>
+<p:sld xmlns:a="http://schemas.openxmlformats.org/drawingml/2006/main" xmlns:p="http://schemas.openxmlformats.org/presentationml/2006/main" xmlns:r="http://schemas.openxmlformats.org/officeDocument/2006/relationships" xmlns:p14="http://schemas.microsoft.com/office/powerpoint/2010/main" xmlns:p15="http://schemas.microsoft.com/office/powerpoint/2012/main" xmlns:mc="http://schemas.openxmlformats.org/markup-compatibility/2006">
+  <p:cSld>
+    <p:spTree>
+      <p:nvGrpSpPr>
+        <p:cNvPr id="1" name=""/>
+        <p:cNvGrpSpPr/>
+        <p:nvPr/>
+      </p:nvGrpSpPr>
+      <p:grpSpPr>
+        <a:xfrm>
+          <a:off x="0" y="0"/>
+          <a:ext cx="0" cy="0"/>
+          <a:chOff x="0" y="0"/>
+          <a:chExt cx="0" cy="0"/>
+        </a:xfrm>
+      </p:grpSpPr>
+      <p:sp>
+        <p:nvSpPr>
+          <p:cNvPr id="143" name="CustomShape 1"/>
+          <p:cNvSpPr/>
+          <p:nvPr/>
+        </p:nvSpPr>
+        <p:spPr>
+          <a:xfrm>
+            <a:off x="0" y="1001880"/>
+            <a:ext cx="9141840" cy="663120"/>
+          </a:xfrm>
+          <a:prstGeom prst="rect">
+            <a:avLst/>
+          </a:prstGeom>
+          <a:gradFill>
+            <a:gsLst>
+              <a:gs pos="0">
+                <a:srgbClr val="95b8bb"/>
+              </a:gs>
+              <a:gs pos="100000">
+                <a:srgbClr val="5d8d91"/>
+              </a:gs>
+            </a:gsLst>
+            <a:lin ang="16200000"/>
+          </a:gradFill>
+          <a:ln>
+            <a:noFill/>
+          </a:ln>
+        </p:spPr>
+        <p:style>
+          <a:lnRef idx="2">
+            <a:schemeClr val="accent1">
+              <a:shade val="50000"/>
+            </a:schemeClr>
+          </a:lnRef>
+          <a:fillRef idx="1">
+            <a:schemeClr val="accent1"/>
+          </a:fillRef>
+          <a:effectRef idx="0">
+            <a:schemeClr val="accent1"/>
+          </a:effectRef>
+          <a:fontRef idx="minor"/>
+        </p:style>
+      </p:sp>
+      <p:sp>
+        <p:nvSpPr>
+          <p:cNvPr id="144" name="CustomShape 2"/>
+          <p:cNvSpPr/>
+          <p:nvPr/>
+        </p:nvSpPr>
+        <p:spPr>
+          <a:xfrm>
+            <a:off x="206280" y="1100160"/>
+            <a:ext cx="8733960" cy="469440"/>
           </a:xfrm>
           <a:prstGeom prst="rect">
             <a:avLst/>
@@ -4429,14 +6733,14 @@
       </p:sp>
       <p:sp>
         <p:nvSpPr>
-          <p:cNvPr id="115" name="CustomShape 3"/>
+          <p:cNvPr id="145" name="CustomShape 3"/>
           <p:cNvSpPr/>
           <p:nvPr/>
         </p:nvSpPr>
         <p:spPr>
           <a:xfrm>
             <a:off x="179280" y="1770120"/>
-            <a:ext cx="8826120" cy="4117680"/>
+            <a:ext cx="8825760" cy="4117320"/>
           </a:xfrm>
           <a:prstGeom prst="rect">
             <a:avLst/>
@@ -4457,7 +6761,7 @@
           <a:p>
             <a:pPr>
               <a:lnSpc>
-                <a:spcPts val="15"/>
+                <a:spcPts val="5"/>
               </a:lnSpc>
             </a:pPr>
             <a:r>
@@ -4473,7 +6777,7 @@
                 <a:latin typeface="Calibri"/>
                 <a:ea typeface="DejaVu Sans"/>
               </a:rPr>
-              <a:t>Apresentação das conclusões (fonte Calibri, tamanho 23)</a:t>
+              <a:t>A prática de construir os serviços rest expondo uma documentação funcional e dinâmica agregou valor ao sistema. Esta prática pré-viabiliza requisitos que necessitariam de exposição de serviços para tornar o sistema com camadas de apresentação multi-plataforma.</a:t>
             </a:r>
             <a:endParaRPr b="0" lang="pt-BR" sz="1800" spc="-1" strike="noStrike">
               <a:solidFill>
@@ -4490,7 +6794,7 @@
           <a:p>
             <a:pPr>
               <a:lnSpc>
-                <a:spcPts val="15"/>
+                <a:spcPts val="5"/>
               </a:lnSpc>
             </a:pPr>
             <a:r>
@@ -4506,8 +6810,89 @@
                 <a:latin typeface="Calibri"/>
                 <a:ea typeface="DejaVu Sans"/>
               </a:rPr>
-              <a:t>Duração: 1’00”</a:t>
+              <a:t>Existem ainda pontos de melhorias como a utilização dos fluxos de autenticação do protocolo OAUTH 2.</a:t>
             </a:r>
+            <a:endParaRPr b="0" lang="pt-BR" sz="1800" spc="-1" strike="noStrike">
+              <a:solidFill>
+                <a:srgbClr val="000000"/>
+              </a:solidFill>
+              <a:uFill>
+                <a:solidFill>
+                  <a:srgbClr val="ffffff"/>
+                </a:solidFill>
+              </a:uFill>
+              <a:latin typeface="Arial"/>
+            </a:endParaRPr>
+          </a:p>
+          <a:p>
+            <a:pPr>
+              <a:lnSpc>
+                <a:spcPts val="5"/>
+              </a:lnSpc>
+            </a:pPr>
+            <a:r>
+              <a:rPr b="1" lang="pt-BR" sz="2300" spc="-1" strike="noStrike">
+                <a:solidFill>
+                  <a:srgbClr val="404040"/>
+                </a:solidFill>
+                <a:uFill>
+                  <a:solidFill>
+                    <a:srgbClr val="ffffff"/>
+                  </a:solidFill>
+                </a:uFill>
+                <a:latin typeface="Calibri"/>
+                <a:ea typeface="DejaVu Sans"/>
+              </a:rPr>
+              <a:t>Concluímos que dada ao número de pontos de integração no projeto, o que aumenta a complexidade de um projeto e o faz inclinado a resultados adversos, que esta POC viabiliza a construção do sistema </a:t>
+            </a:r>
+            <a:r>
+              <a:rPr b="1" lang="pt-BR" sz="2300" spc="-1" strike="noStrike">
+                <a:solidFill>
+                  <a:srgbClr val="404040"/>
+                </a:solidFill>
+                <a:uFill>
+                  <a:solidFill>
+                    <a:srgbClr val="ffffff"/>
+                  </a:solidFill>
+                </a:uFill>
+                <a:latin typeface="Calibri"/>
+                <a:ea typeface="DejaVu Sans"/>
+              </a:rPr>
+              <a:t>atendendo a requisitos de alta complexidade e fornece </a:t>
+            </a:r>
+            <a:r>
+              <a:rPr b="1" lang="pt-BR" sz="2300" spc="-1" strike="noStrike">
+                <a:solidFill>
+                  <a:srgbClr val="404040"/>
+                </a:solidFill>
+                <a:uFill>
+                  <a:solidFill>
+                    <a:srgbClr val="ffffff"/>
+                  </a:solidFill>
+                </a:uFill>
+                <a:latin typeface="Calibri"/>
+                <a:ea typeface="DejaVu Sans"/>
+              </a:rPr>
+              <a:t>uma arquitetura validada.</a:t>
+            </a:r>
+            <a:endParaRPr b="0" lang="pt-BR" sz="1800" spc="-1" strike="noStrike">
+              <a:solidFill>
+                <a:srgbClr val="000000"/>
+              </a:solidFill>
+              <a:uFill>
+                <a:solidFill>
+                  <a:srgbClr val="ffffff"/>
+                </a:solidFill>
+              </a:uFill>
+              <a:latin typeface="Arial"/>
+            </a:endParaRPr>
+          </a:p>
+          <a:p>
+            <a:pPr>
+              <a:lnSpc>
+                <a:spcPts val="5"/>
+              </a:lnSpc>
+            </a:pPr>
             <a:r>
               <a:rPr b="1" lang="pt-BR" sz="2000" spc="-1" strike="noStrike">
                 <a:solidFill>
@@ -4538,24 +6923,9 @@
           <a:p>
             <a:pPr>
               <a:lnSpc>
-                <a:spcPts val="13"/>
+                <a:spcPts val="5"/>
               </a:lnSpc>
             </a:pPr>
-            <a:r>
-              <a:rPr b="1" lang="pt-BR" sz="2000" spc="-1" strike="noStrike">
-                <a:solidFill>
-                  <a:srgbClr val="404040"/>
-                </a:solidFill>
-                <a:uFill>
-                  <a:solidFill>
-                    <a:srgbClr val="ffffff"/>
-                  </a:solidFill>
-                </a:uFill>
-                <a:latin typeface="Calibri"/>
-                <a:ea typeface="DejaVu Sans"/>
-              </a:rPr>
-              <a:t> </a:t>
-            </a:r>
             <a:endParaRPr b="0" lang="pt-BR" sz="1800" spc="-1" strike="noStrike">
               <a:solidFill>
                 <a:srgbClr val="000000"/>
@@ -4568,36 +6938,18 @@
               <a:latin typeface="Arial"/>
             </a:endParaRPr>
           </a:p>
-          <a:p>
-            <a:pPr>
-              <a:lnSpc>
-                <a:spcPts val="13"/>
-              </a:lnSpc>
-            </a:pPr>
-            <a:endParaRPr b="0" lang="pt-BR" sz="1800" spc="-1" strike="noStrike">
-              <a:solidFill>
-                <a:srgbClr val="000000"/>
-              </a:solidFill>
-              <a:uFill>
-                <a:solidFill>
-                  <a:srgbClr val="ffffff"/>
-                </a:solidFill>
-              </a:uFill>
-              <a:latin typeface="Arial"/>
-            </a:endParaRPr>
-          </a:p>
-        </p:txBody>
-      </p:sp>
-      <p:sp>
-        <p:nvSpPr>
-          <p:cNvPr id="116" name="CustomShape 4"/>
+        </p:txBody>
+      </p:sp>
+      <p:sp>
+        <p:nvSpPr>
+          <p:cNvPr id="146" name="CustomShape 4"/>
           <p:cNvSpPr/>
           <p:nvPr/>
         </p:nvSpPr>
         <p:spPr>
           <a:xfrm>
             <a:off x="230400" y="72000"/>
-            <a:ext cx="8824680" cy="941400"/>
+            <a:ext cx="8824320" cy="941040"/>
           </a:xfrm>
           <a:prstGeom prst="rect">
             <a:avLst/>
@@ -4618,7 +6970,7 @@
           <a:p>
             <a:pPr>
               <a:lnSpc>
-                <a:spcPts val="15"/>
+                <a:spcPts val="5"/>
               </a:lnSpc>
             </a:pPr>
             <a:r>
@@ -4655,10 +7007,10 @@
   <p:timing>
     <p:tnLst>
       <p:par>
-        <p:cTn id="21" dur="indefinite" restart="never" nodeType="tmRoot">
+        <p:cTn id="33" dur="indefinite" restart="never" nodeType="tmRoot">
           <p:childTnLst>
             <p:seq>
-              <p:cTn id="22" nodeType="mainSeq"/>
+              <p:cTn id="34" nodeType="mainSeq"/>
               <p:prevCondLst>
                 <p:cond delay="0" evt="onPrev">
                   <p:tgtEl>
@@ -4708,7 +7060,7 @@
         <p:spPr>
           <a:xfrm>
             <a:off x="0" y="1001880"/>
-            <a:ext cx="9142200" cy="663480"/>
+            <a:ext cx="9141840" cy="663120"/>
           </a:xfrm>
           <a:prstGeom prst="rect">
             <a:avLst/>
@@ -4752,7 +7104,7 @@
         <p:spPr>
           <a:xfrm>
             <a:off x="206280" y="1100160"/>
-            <a:ext cx="8734320" cy="469800"/>
+            <a:ext cx="8733960" cy="469440"/>
           </a:xfrm>
           <a:prstGeom prst="rect">
             <a:avLst/>
@@ -4814,7 +7166,7 @@
         <p:spPr>
           <a:xfrm>
             <a:off x="179280" y="1770120"/>
-            <a:ext cx="8826120" cy="4117680"/>
+            <a:ext cx="8825760" cy="4117320"/>
           </a:xfrm>
           <a:prstGeom prst="rect">
             <a:avLst/>
@@ -4904,21 +7256,6 @@
               </a:rPr>
               <a:t>O enfoque também se deu na criação de uma rotina para notificar fornecedores.</a:t>
             </a:r>
-            <a:r>
-              <a:rPr b="1" lang="pt-BR" sz="2300" spc="-1" strike="noStrike">
-                <a:solidFill>
-                  <a:srgbClr val="404040"/>
-                </a:solidFill>
-                <a:uFill>
-                  <a:solidFill>
-                    <a:srgbClr val="ffffff"/>
-                  </a:solidFill>
-                </a:uFill>
-                <a:latin typeface="Calibri"/>
-                <a:ea typeface="DejaVu Sans"/>
-              </a:rPr>
-              <a:t> (fonte Calibri, tamanho 23)</a:t>
-            </a:r>
             <a:endParaRPr b="0" lang="pt-BR" sz="1800" spc="-1" strike="noStrike">
               <a:solidFill>
                 <a:srgbClr val="000000"/>
@@ -4934,24 +7271,9 @@
           <a:p>
             <a:pPr>
               <a:lnSpc>
-                <a:spcPts val="15"/>
+                <a:spcPts val="5"/>
               </a:lnSpc>
             </a:pPr>
-            <a:r>
-              <a:rPr b="1" lang="pt-BR" sz="2300" spc="-1" strike="noStrike">
-                <a:solidFill>
-                  <a:srgbClr val="404040"/>
-                </a:solidFill>
-                <a:uFill>
-                  <a:solidFill>
-                    <a:srgbClr val="ffffff"/>
-                  </a:solidFill>
-                </a:uFill>
-                <a:latin typeface="Calibri"/>
-                <a:ea typeface="DejaVu Sans"/>
-              </a:rPr>
-              <a:t>Duração: 0’30” </a:t>
-            </a:r>
             <a:endParaRPr b="0" lang="pt-BR" sz="1800" spc="-1" strike="noStrike">
               <a:solidFill>
                 <a:srgbClr val="000000"/>
@@ -4967,25 +7289,7 @@
           <a:p>
             <a:pPr>
               <a:lnSpc>
-                <a:spcPts val="13"/>
-              </a:lnSpc>
-            </a:pPr>
-            <a:endParaRPr b="0" lang="pt-BR" sz="1800" spc="-1" strike="noStrike">
-              <a:solidFill>
-                <a:srgbClr val="000000"/>
-              </a:solidFill>
-              <a:uFill>
-                <a:solidFill>
-                  <a:srgbClr val="ffffff"/>
-                </a:solidFill>
-              </a:uFill>
-              <a:latin typeface="Arial"/>
-            </a:endParaRPr>
-          </a:p>
-          <a:p>
-            <a:pPr>
-              <a:lnSpc>
-                <a:spcPts val="13"/>
+                <a:spcPts val="5"/>
               </a:lnSpc>
             </a:pPr>
             <a:endParaRPr b="0" lang="pt-BR" sz="1800" spc="-1" strike="noStrike">
@@ -5011,7 +7315,7 @@
         <p:spPr>
           <a:xfrm>
             <a:off x="230400" y="72000"/>
-            <a:ext cx="8824680" cy="942120"/>
+            <a:ext cx="8824320" cy="941760"/>
           </a:xfrm>
           <a:prstGeom prst="rect">
             <a:avLst/>
@@ -5032,7 +7336,7 @@
           <a:p>
             <a:pPr>
               <a:lnSpc>
-                <a:spcPts val="15"/>
+                <a:spcPts val="5"/>
               </a:lnSpc>
             </a:pPr>
             <a:r>
@@ -5122,7 +7426,7 @@
         <p:spPr>
           <a:xfrm>
             <a:off x="0" y="1001880"/>
-            <a:ext cx="9142200" cy="663480"/>
+            <a:ext cx="9141840" cy="663120"/>
           </a:xfrm>
           <a:prstGeom prst="rect">
             <a:avLst/>
@@ -5166,7 +7470,7 @@
         <p:spPr>
           <a:xfrm>
             <a:off x="206280" y="1100160"/>
-            <a:ext cx="8734320" cy="469800"/>
+            <a:ext cx="8733960" cy="469440"/>
           </a:xfrm>
           <a:prstGeom prst="rect">
             <a:avLst/>
@@ -5228,7 +7532,7 @@
         <p:spPr>
           <a:xfrm>
             <a:off x="179280" y="1770120"/>
-            <a:ext cx="8826120" cy="4117680"/>
+            <a:ext cx="8825760" cy="4117320"/>
           </a:xfrm>
           <a:prstGeom prst="rect">
             <a:avLst/>
@@ -5249,24 +7553,9 @@
           <a:p>
             <a:pPr>
               <a:lnSpc>
-                <a:spcPts val="15"/>
+                <a:spcPts val="5"/>
               </a:lnSpc>
             </a:pPr>
-            <a:r>
-              <a:rPr b="1" lang="pt-BR" sz="2300" spc="-1" strike="noStrike">
-                <a:solidFill>
-                  <a:srgbClr val="404040"/>
-                </a:solidFill>
-                <a:uFill>
-                  <a:solidFill>
-                    <a:srgbClr val="ffffff"/>
-                  </a:solidFill>
-                </a:uFill>
-                <a:latin typeface="Calibri"/>
-                <a:ea typeface="DejaVu Sans"/>
-              </a:rPr>
-              <a:t>Apresentação do diagrama de casos de uso com explicação oral sucinta de cada caso de uso (diagrama)</a:t>
-            </a:r>
             <a:endParaRPr b="0" lang="pt-BR" sz="1800" spc="-1" strike="noStrike">
               <a:solidFill>
                 <a:srgbClr val="000000"/>
@@ -5282,40 +7571,7 @@
           <a:p>
             <a:pPr>
               <a:lnSpc>
-                <a:spcPts val="13"/>
-              </a:lnSpc>
-            </a:pPr>
-            <a:r>
-              <a:rPr b="1" lang="pt-BR" sz="2300" spc="-1" strike="noStrike">
-                <a:solidFill>
-                  <a:srgbClr val="404040"/>
-                </a:solidFill>
-                <a:uFill>
-                  <a:solidFill>
-                    <a:srgbClr val="ffffff"/>
-                  </a:solidFill>
-                </a:uFill>
-                <a:latin typeface="Calibri"/>
-                <a:ea typeface="DejaVu Sans"/>
-              </a:rPr>
-              <a:t>Duração: 1’00” </a:t>
-            </a:r>
-            <a:endParaRPr b="0" lang="pt-BR" sz="1800" spc="-1" strike="noStrike">
-              <a:solidFill>
-                <a:srgbClr val="000000"/>
-              </a:solidFill>
-              <a:uFill>
-                <a:solidFill>
-                  <a:srgbClr val="ffffff"/>
-                </a:solidFill>
-              </a:uFill>
-              <a:latin typeface="Arial"/>
-            </a:endParaRPr>
-          </a:p>
-          <a:p>
-            <a:pPr>
-              <a:lnSpc>
-                <a:spcPts val="13"/>
+                <a:spcPts val="5"/>
               </a:lnSpc>
             </a:pPr>
             <a:r>
@@ -5356,7 +7612,7 @@
         <p:spPr>
           <a:xfrm>
             <a:off x="230400" y="72000"/>
-            <a:ext cx="8824680" cy="942120"/>
+            <a:ext cx="8824320" cy="941760"/>
           </a:xfrm>
           <a:prstGeom prst="rect">
             <a:avLst/>
@@ -5377,7 +7633,7 @@
           <a:p>
             <a:pPr>
               <a:lnSpc>
-                <a:spcPts val="15"/>
+                <a:spcPts val="5"/>
               </a:lnSpc>
             </a:pPr>
             <a:r>
@@ -5409,6 +7665,30 @@
           </a:p>
         </p:txBody>
       </p:sp>
+      <p:pic>
+        <p:nvPicPr>
+          <p:cNvPr id="82" name="" descr=""/>
+          <p:cNvPicPr/>
+          <p:nvPr/>
+        </p:nvPicPr>
+        <p:blipFill>
+          <a:blip r:embed="rId1"/>
+          <a:srcRect l="475" t="1206" r="561" b="4300"/>
+          <a:stretch/>
+        </p:blipFill>
+        <p:spPr>
+          <a:xfrm>
+            <a:off x="1656000" y="1665000"/>
+            <a:ext cx="5760000" cy="4284000"/>
+          </a:xfrm>
+          <a:prstGeom prst="rect">
+            <a:avLst/>
+          </a:prstGeom>
+          <a:ln>
+            <a:noFill/>
+          </a:ln>
+        </p:spPr>
+      </p:pic>
     </p:spTree>
   </p:cSld>
   <p:timing>
@@ -5460,14 +7740,14 @@
       </p:grpSpPr>
       <p:sp>
         <p:nvSpPr>
-          <p:cNvPr id="82" name="CustomShape 1"/>
+          <p:cNvPr id="83" name="CustomShape 1"/>
           <p:cNvSpPr/>
           <p:nvPr/>
         </p:nvSpPr>
         <p:spPr>
           <a:xfrm>
             <a:off x="0" y="1001880"/>
-            <a:ext cx="9142200" cy="663480"/>
+            <a:ext cx="9141840" cy="663120"/>
           </a:xfrm>
           <a:prstGeom prst="rect">
             <a:avLst/>
@@ -5504,14 +7784,14 @@
       </p:sp>
       <p:sp>
         <p:nvSpPr>
-          <p:cNvPr id="83" name="CustomShape 2"/>
+          <p:cNvPr id="84" name="CustomShape 2"/>
           <p:cNvSpPr/>
           <p:nvPr/>
         </p:nvSpPr>
         <p:spPr>
           <a:xfrm>
             <a:off x="206280" y="1100160"/>
-            <a:ext cx="8734320" cy="469800"/>
+            <a:ext cx="8733960" cy="469440"/>
           </a:xfrm>
           <a:prstGeom prst="rect">
             <a:avLst/>
@@ -5548,7 +7828,7 @@
                 <a:latin typeface="Calibri"/>
                 <a:ea typeface="Calibri"/>
               </a:rPr>
-              <a:t>Requisitos Não Funcionais </a:t>
+              <a:t>Requisitos Funcionais - Diagrama de casos de uso</a:t>
             </a:r>
             <a:endParaRPr b="0" lang="pt-BR" sz="1800" spc="-1" strike="noStrike">
               <a:solidFill>
@@ -5566,14 +7846,14 @@
       </p:sp>
       <p:sp>
         <p:nvSpPr>
-          <p:cNvPr id="84" name="CustomShape 3"/>
+          <p:cNvPr id="85" name="CustomShape 3"/>
           <p:cNvSpPr/>
           <p:nvPr/>
         </p:nvSpPr>
         <p:spPr>
           <a:xfrm>
             <a:off x="179280" y="1770120"/>
-            <a:ext cx="8826120" cy="4117680"/>
+            <a:ext cx="8825760" cy="4117320"/>
           </a:xfrm>
           <a:prstGeom prst="rect">
             <a:avLst/>
@@ -5594,24 +7874,9 @@
           <a:p>
             <a:pPr>
               <a:lnSpc>
-                <a:spcPts val="15"/>
+                <a:spcPts val="5"/>
               </a:lnSpc>
             </a:pPr>
-            <a:r>
-              <a:rPr b="1" lang="pt-BR" sz="2300" spc="-1" strike="noStrike">
-                <a:solidFill>
-                  <a:srgbClr val="404040"/>
-                </a:solidFill>
-                <a:uFill>
-                  <a:solidFill>
-                    <a:srgbClr val="ffffff"/>
-                  </a:solidFill>
-                </a:uFill>
-                <a:latin typeface="Calibri"/>
-                <a:ea typeface="DejaVu Sans"/>
-              </a:rPr>
-              <a:t>Apresentação dos principais requisitos não funcionais com explicação oral</a:t>
-            </a:r>
             <a:endParaRPr b="0" lang="pt-BR" sz="1800" spc="-1" strike="noStrike">
               <a:solidFill>
                 <a:srgbClr val="000000"/>
@@ -5627,40 +7892,7 @@
           <a:p>
             <a:pPr>
               <a:lnSpc>
-                <a:spcPts val="15"/>
-              </a:lnSpc>
-            </a:pPr>
-            <a:r>
-              <a:rPr b="1" lang="pt-BR" sz="2300" spc="-1" strike="noStrike">
-                <a:solidFill>
-                  <a:srgbClr val="404040"/>
-                </a:solidFill>
-                <a:uFill>
-                  <a:solidFill>
-                    <a:srgbClr val="ffffff"/>
-                  </a:solidFill>
-                </a:uFill>
-                <a:latin typeface="Calibri"/>
-                <a:ea typeface="DejaVu Sans"/>
-              </a:rPr>
-              <a:t>Duração: 1’00” </a:t>
-            </a:r>
-            <a:endParaRPr b="0" lang="pt-BR" sz="1800" spc="-1" strike="noStrike">
-              <a:solidFill>
-                <a:srgbClr val="000000"/>
-              </a:solidFill>
-              <a:uFill>
-                <a:solidFill>
-                  <a:srgbClr val="ffffff"/>
-                </a:solidFill>
-              </a:uFill>
-              <a:latin typeface="Arial"/>
-            </a:endParaRPr>
-          </a:p>
-          <a:p>
-            <a:pPr>
-              <a:lnSpc>
-                <a:spcPts val="13"/>
+                <a:spcPts val="5"/>
               </a:lnSpc>
             </a:pPr>
             <a:r>
@@ -5694,14 +7926,14 @@
       </p:sp>
       <p:sp>
         <p:nvSpPr>
-          <p:cNvPr id="85" name="CustomShape 4"/>
+          <p:cNvPr id="86" name="CustomShape 4"/>
           <p:cNvSpPr/>
           <p:nvPr/>
         </p:nvSpPr>
         <p:spPr>
           <a:xfrm>
             <a:off x="230400" y="72000"/>
-            <a:ext cx="8824680" cy="941400"/>
+            <a:ext cx="8824320" cy="941760"/>
           </a:xfrm>
           <a:prstGeom prst="rect">
             <a:avLst/>
@@ -5722,7 +7954,7 @@
           <a:p>
             <a:pPr>
               <a:lnSpc>
-                <a:spcPts val="15"/>
+                <a:spcPts val="5"/>
               </a:lnSpc>
             </a:pPr>
             <a:r>
@@ -5754,6 +7986,30 @@
           </a:p>
         </p:txBody>
       </p:sp>
+      <p:pic>
+        <p:nvPicPr>
+          <p:cNvPr id="87" name="" descr=""/>
+          <p:cNvPicPr/>
+          <p:nvPr/>
+        </p:nvPicPr>
+        <p:blipFill>
+          <a:blip r:embed="rId1"/>
+          <a:srcRect l="1400" t="1991" r="1503" b="4562"/>
+          <a:stretch/>
+        </p:blipFill>
+        <p:spPr>
+          <a:xfrm>
+            <a:off x="2160000" y="1665000"/>
+            <a:ext cx="4824000" cy="4336920"/>
+          </a:xfrm>
+          <a:prstGeom prst="rect">
+            <a:avLst/>
+          </a:prstGeom>
+          <a:ln>
+            <a:noFill/>
+          </a:ln>
+        </p:spPr>
+      </p:pic>
     </p:spTree>
   </p:cSld>
   <p:timing>
@@ -5805,14 +8061,14 @@
       </p:grpSpPr>
       <p:sp>
         <p:nvSpPr>
-          <p:cNvPr id="86" name="CustomShape 1"/>
+          <p:cNvPr id="88" name="CustomShape 1"/>
           <p:cNvSpPr/>
           <p:nvPr/>
         </p:nvSpPr>
         <p:spPr>
           <a:xfrm>
             <a:off x="0" y="1001880"/>
-            <a:ext cx="9142200" cy="663480"/>
+            <a:ext cx="9141840" cy="663120"/>
           </a:xfrm>
           <a:prstGeom prst="rect">
             <a:avLst/>
@@ -5849,14 +8105,14 @@
       </p:sp>
       <p:sp>
         <p:nvSpPr>
-          <p:cNvPr id="87" name="CustomShape 2"/>
+          <p:cNvPr id="89" name="CustomShape 2"/>
           <p:cNvSpPr/>
           <p:nvPr/>
         </p:nvSpPr>
         <p:spPr>
           <a:xfrm>
             <a:off x="206280" y="1100160"/>
-            <a:ext cx="8734320" cy="469800"/>
+            <a:ext cx="8733960" cy="469440"/>
           </a:xfrm>
           <a:prstGeom prst="rect">
             <a:avLst/>
@@ -5893,7 +8149,7 @@
                 <a:latin typeface="Calibri"/>
                 <a:ea typeface="Calibri"/>
               </a:rPr>
-              <a:t>Restrições de projeto</a:t>
+              <a:t>Requisitos Funcionais - Diagrama de casos de uso</a:t>
             </a:r>
             <a:endParaRPr b="0" lang="pt-BR" sz="1800" spc="-1" strike="noStrike">
               <a:solidFill>
@@ -5911,14 +8167,14 @@
       </p:sp>
       <p:sp>
         <p:nvSpPr>
-          <p:cNvPr id="88" name="CustomShape 3"/>
+          <p:cNvPr id="90" name="CustomShape 3"/>
           <p:cNvSpPr/>
           <p:nvPr/>
         </p:nvSpPr>
         <p:spPr>
           <a:xfrm>
             <a:off x="179280" y="1770120"/>
-            <a:ext cx="8826120" cy="4117680"/>
+            <a:ext cx="8825760" cy="4117320"/>
           </a:xfrm>
           <a:prstGeom prst="rect">
             <a:avLst/>
@@ -5939,24 +8195,9 @@
           <a:p>
             <a:pPr>
               <a:lnSpc>
-                <a:spcPts val="15"/>
+                <a:spcPts val="5"/>
               </a:lnSpc>
             </a:pPr>
-            <a:r>
-              <a:rPr b="1" lang="pt-BR" sz="2300" spc="-1" strike="noStrike">
-                <a:solidFill>
-                  <a:srgbClr val="404040"/>
-                </a:solidFill>
-                <a:uFill>
-                  <a:solidFill>
-                    <a:srgbClr val="ffffff"/>
-                  </a:solidFill>
-                </a:uFill>
-                <a:latin typeface="Calibri"/>
-                <a:ea typeface="DejaVu Sans"/>
-              </a:rPr>
-              <a:t>O sistema deve ser desenvolvido em JAVA.</a:t>
-            </a:r>
             <a:endParaRPr b="0" lang="pt-BR" sz="1800" spc="-1" strike="noStrike">
               <a:solidFill>
                 <a:srgbClr val="000000"/>
@@ -5972,139 +8213,7 @@
           <a:p>
             <a:pPr>
               <a:lnSpc>
-                <a:spcPts val="15"/>
-              </a:lnSpc>
-            </a:pPr>
-            <a:r>
-              <a:rPr b="1" lang="pt-BR" sz="2300" spc="-1" strike="noStrike">
-                <a:solidFill>
-                  <a:srgbClr val="404040"/>
-                </a:solidFill>
-                <a:uFill>
-                  <a:solidFill>
-                    <a:srgbClr val="ffffff"/>
-                  </a:solidFill>
-                </a:uFill>
-                <a:latin typeface="Calibri"/>
-                <a:ea typeface="DejaVu Sans"/>
-              </a:rPr>
-              <a:t>O sistema deve utilizar a ferramenta swagger api para modelagem e documentação dos serviços JAX-RS.</a:t>
-            </a:r>
-            <a:endParaRPr b="0" lang="pt-BR" sz="1800" spc="-1" strike="noStrike">
-              <a:solidFill>
-                <a:srgbClr val="000000"/>
-              </a:solidFill>
-              <a:uFill>
-                <a:solidFill>
-                  <a:srgbClr val="ffffff"/>
-                </a:solidFill>
-              </a:uFill>
-              <a:latin typeface="Arial"/>
-            </a:endParaRPr>
-          </a:p>
-          <a:p>
-            <a:pPr>
-              <a:lnSpc>
-                <a:spcPts val="15"/>
-              </a:lnSpc>
-            </a:pPr>
-            <a:r>
-              <a:rPr b="1" lang="pt-BR" sz="2300" spc="-1" strike="noStrike">
-                <a:solidFill>
-                  <a:srgbClr val="404040"/>
-                </a:solidFill>
-                <a:uFill>
-                  <a:solidFill>
-                    <a:srgbClr val="ffffff"/>
-                  </a:solidFill>
-                </a:uFill>
-                <a:latin typeface="Calibri"/>
-                <a:ea typeface="DejaVu Sans"/>
-              </a:rPr>
-              <a:t>O sistema deve abrir de forma responsiva em aparelhos menores, como celular e tablet.</a:t>
-            </a:r>
-            <a:endParaRPr b="0" lang="pt-BR" sz="1800" spc="-1" strike="noStrike">
-              <a:solidFill>
-                <a:srgbClr val="000000"/>
-              </a:solidFill>
-              <a:uFill>
-                <a:solidFill>
-                  <a:srgbClr val="ffffff"/>
-                </a:solidFill>
-              </a:uFill>
-              <a:latin typeface="Arial"/>
-            </a:endParaRPr>
-          </a:p>
-          <a:p>
-            <a:pPr>
-              <a:lnSpc>
-                <a:spcPts val="15"/>
-              </a:lnSpc>
-            </a:pPr>
-            <a:r>
-              <a:rPr b="1" lang="pt-BR" sz="2300" spc="-1" strike="noStrike">
-                <a:solidFill>
-                  <a:srgbClr val="404040"/>
-                </a:solidFill>
-                <a:uFill>
-                  <a:solidFill>
-                    <a:srgbClr val="ffffff"/>
-                  </a:solidFill>
-                </a:uFill>
-                <a:latin typeface="Calibri"/>
-                <a:ea typeface="DejaVu Sans"/>
-              </a:rPr>
-              <a:t>O sistema deve ser modular para facilitar a implantação.</a:t>
-            </a:r>
-            <a:endParaRPr b="0" lang="pt-BR" sz="1800" spc="-1" strike="noStrike">
-              <a:solidFill>
-                <a:srgbClr val="000000"/>
-              </a:solidFill>
-              <a:uFill>
-                <a:solidFill>
-                  <a:srgbClr val="ffffff"/>
-                </a:solidFill>
-              </a:uFill>
-              <a:latin typeface="Arial"/>
-            </a:endParaRPr>
-          </a:p>
-          <a:p>
-            <a:pPr>
-              <a:lnSpc>
-                <a:spcPts val="13"/>
-              </a:lnSpc>
-            </a:pPr>
-            <a:r>
-              <a:rPr b="1" lang="pt-BR" sz="2300" spc="-1" strike="noStrike">
-                <a:solidFill>
-                  <a:srgbClr val="404040"/>
-                </a:solidFill>
-                <a:uFill>
-                  <a:solidFill>
-                    <a:srgbClr val="ffffff"/>
-                  </a:solidFill>
-                </a:uFill>
-                <a:latin typeface="Calibri"/>
-                <a:ea typeface="DejaVu Sans"/>
-              </a:rPr>
-              <a:t>Duração: 0’30” </a:t>
-            </a:r>
-            <a:endParaRPr b="0" lang="pt-BR" sz="1800" spc="-1" strike="noStrike">
-              <a:solidFill>
-                <a:srgbClr val="000000"/>
-              </a:solidFill>
-              <a:uFill>
-                <a:solidFill>
-                  <a:srgbClr val="ffffff"/>
-                </a:solidFill>
-              </a:uFill>
-              <a:latin typeface="Arial"/>
-            </a:endParaRPr>
-          </a:p>
-          <a:p>
-            <a:pPr>
-              <a:lnSpc>
-                <a:spcPts val="13"/>
+                <a:spcPts val="5"/>
               </a:lnSpc>
             </a:pPr>
             <a:r>
@@ -6138,14 +8247,14 @@
       </p:sp>
       <p:sp>
         <p:nvSpPr>
-          <p:cNvPr id="89" name="CustomShape 4"/>
+          <p:cNvPr id="91" name="CustomShape 4"/>
           <p:cNvSpPr/>
           <p:nvPr/>
         </p:nvSpPr>
         <p:spPr>
           <a:xfrm>
             <a:off x="230400" y="72000"/>
-            <a:ext cx="8824680" cy="942120"/>
+            <a:ext cx="8824320" cy="941760"/>
           </a:xfrm>
           <a:prstGeom prst="rect">
             <a:avLst/>
@@ -6166,7 +8275,7 @@
           <a:p>
             <a:pPr>
               <a:lnSpc>
-                <a:spcPts val="15"/>
+                <a:spcPts val="5"/>
               </a:lnSpc>
             </a:pPr>
             <a:r>
@@ -6198,6 +8307,30 @@
           </a:p>
         </p:txBody>
       </p:sp>
+      <p:pic>
+        <p:nvPicPr>
+          <p:cNvPr id="92" name="" descr=""/>
+          <p:cNvPicPr/>
+          <p:nvPr/>
+        </p:nvPicPr>
+        <p:blipFill>
+          <a:blip r:embed="rId1"/>
+          <a:srcRect l="986" t="1074" r="1086" b="3382"/>
+          <a:stretch/>
+        </p:blipFill>
+        <p:spPr>
+          <a:xfrm>
+            <a:off x="2376360" y="1665000"/>
+            <a:ext cx="4751640" cy="4367520"/>
+          </a:xfrm>
+          <a:prstGeom prst="rect">
+            <a:avLst/>
+          </a:prstGeom>
+          <a:ln>
+            <a:noFill/>
+          </a:ln>
+        </p:spPr>
+      </p:pic>
     </p:spTree>
   </p:cSld>
   <p:timing>
@@ -6249,14 +8382,14 @@
       </p:grpSpPr>
       <p:sp>
         <p:nvSpPr>
-          <p:cNvPr id="90" name="CustomShape 1"/>
+          <p:cNvPr id="93" name="CustomShape 1"/>
           <p:cNvSpPr/>
           <p:nvPr/>
         </p:nvSpPr>
         <p:spPr>
           <a:xfrm>
             <a:off x="0" y="1001880"/>
-            <a:ext cx="9142200" cy="663480"/>
+            <a:ext cx="9141840" cy="663120"/>
           </a:xfrm>
           <a:prstGeom prst="rect">
             <a:avLst/>
@@ -6293,14 +8426,14 @@
       </p:sp>
       <p:sp>
         <p:nvSpPr>
-          <p:cNvPr id="91" name="CustomShape 2"/>
+          <p:cNvPr id="94" name="CustomShape 2"/>
           <p:cNvSpPr/>
           <p:nvPr/>
         </p:nvSpPr>
         <p:spPr>
           <a:xfrm>
             <a:off x="206280" y="1100160"/>
-            <a:ext cx="8734320" cy="469800"/>
+            <a:ext cx="8733960" cy="469440"/>
           </a:xfrm>
           <a:prstGeom prst="rect">
             <a:avLst/>
@@ -6337,7 +8470,7 @@
                 <a:latin typeface="Calibri"/>
                 <a:ea typeface="Calibri"/>
               </a:rPr>
-              <a:t>Mecanismos arquiteturais</a:t>
+              <a:t>Requisitos Funcionais - Diagrama de casos de uso</a:t>
             </a:r>
             <a:endParaRPr b="0" lang="pt-BR" sz="1800" spc="-1" strike="noStrike">
               <a:solidFill>
@@ -6355,14 +8488,14 @@
       </p:sp>
       <p:sp>
         <p:nvSpPr>
-          <p:cNvPr id="92" name="CustomShape 3"/>
+          <p:cNvPr id="95" name="CustomShape 3"/>
           <p:cNvSpPr/>
           <p:nvPr/>
         </p:nvSpPr>
         <p:spPr>
           <a:xfrm>
             <a:off x="179280" y="1770120"/>
-            <a:ext cx="8826120" cy="4117680"/>
+            <a:ext cx="8825760" cy="4117320"/>
           </a:xfrm>
           <a:prstGeom prst="rect">
             <a:avLst/>
@@ -6383,7 +8516,7 @@
           <a:p>
             <a:pPr>
               <a:lnSpc>
-                <a:spcPts val="15"/>
+                <a:spcPts val="5"/>
               </a:lnSpc>
             </a:pPr>
             <a:endParaRPr b="0" lang="pt-BR" sz="1800" spc="-1" strike="noStrike">
@@ -6401,7 +8534,7 @@
           <a:p>
             <a:pPr>
               <a:lnSpc>
-                <a:spcPts val="13"/>
+                <a:spcPts val="5"/>
               </a:lnSpc>
             </a:pPr>
             <a:r>
@@ -6435,14 +8568,14 @@
       </p:sp>
       <p:sp>
         <p:nvSpPr>
-          <p:cNvPr id="93" name="CustomShape 4"/>
+          <p:cNvPr id="96" name="CustomShape 4"/>
           <p:cNvSpPr/>
           <p:nvPr/>
         </p:nvSpPr>
         <p:spPr>
           <a:xfrm>
             <a:off x="230400" y="72000"/>
-            <a:ext cx="8824680" cy="942120"/>
+            <a:ext cx="8824320" cy="941760"/>
           </a:xfrm>
           <a:prstGeom prst="rect">
             <a:avLst/>
@@ -6463,7 +8596,7 @@
           <a:p>
             <a:pPr>
               <a:lnSpc>
-                <a:spcPts val="15"/>
+                <a:spcPts val="5"/>
               </a:lnSpc>
             </a:pPr>
             <a:r>
@@ -6497,18 +8630,19 @@
       </p:sp>
       <p:pic>
         <p:nvPicPr>
-          <p:cNvPr id="94" name="" descr=""/>
+          <p:cNvPr id="97" name="" descr=""/>
           <p:cNvPicPr/>
           <p:nvPr/>
         </p:nvPicPr>
         <p:blipFill>
           <a:blip r:embed="rId1"/>
+          <a:srcRect l="807" t="1867" r="903" b="4820"/>
           <a:stretch/>
         </p:blipFill>
         <p:spPr>
           <a:xfrm>
-            <a:off x="2266920" y="1689120"/>
-            <a:ext cx="4390920" cy="4286520"/>
+            <a:off x="2016000" y="1665000"/>
+            <a:ext cx="5112000" cy="4326840"/>
           </a:xfrm>
           <a:prstGeom prst="rect">
             <a:avLst/>
@@ -6569,14 +8703,14 @@
       </p:grpSpPr>
       <p:sp>
         <p:nvSpPr>
-          <p:cNvPr id="95" name="CustomShape 1"/>
+          <p:cNvPr id="98" name="CustomShape 1"/>
           <p:cNvSpPr/>
           <p:nvPr/>
         </p:nvSpPr>
         <p:spPr>
           <a:xfrm>
             <a:off x="0" y="1001880"/>
-            <a:ext cx="9142200" cy="663480"/>
+            <a:ext cx="9141840" cy="663120"/>
           </a:xfrm>
           <a:prstGeom prst="rect">
             <a:avLst/>
@@ -6613,14 +8747,14 @@
       </p:sp>
       <p:sp>
         <p:nvSpPr>
-          <p:cNvPr id="96" name="CustomShape 2"/>
+          <p:cNvPr id="99" name="CustomShape 2"/>
           <p:cNvSpPr/>
           <p:nvPr/>
         </p:nvSpPr>
         <p:spPr>
           <a:xfrm>
-            <a:off x="205200" y="1101600"/>
-            <a:ext cx="8734320" cy="469800"/>
+            <a:off x="206280" y="1100160"/>
+            <a:ext cx="8733960" cy="469440"/>
           </a:xfrm>
           <a:prstGeom prst="rect">
             <a:avLst/>
@@ -6657,7 +8791,7 @@
                 <a:latin typeface="Calibri"/>
                 <a:ea typeface="Calibri"/>
               </a:rPr>
-              <a:t>Diagrama de Componentes</a:t>
+              <a:t>Requisitos Funcionais - Diagrama de casos de uso</a:t>
             </a:r>
             <a:endParaRPr b="0" lang="pt-BR" sz="1800" spc="-1" strike="noStrike">
               <a:solidFill>
@@ -6675,14 +8809,14 @@
       </p:sp>
       <p:sp>
         <p:nvSpPr>
-          <p:cNvPr id="97" name="CustomShape 3"/>
+          <p:cNvPr id="100" name="CustomShape 3"/>
           <p:cNvSpPr/>
           <p:nvPr/>
         </p:nvSpPr>
         <p:spPr>
           <a:xfrm>
             <a:off x="179280" y="1770120"/>
-            <a:ext cx="8826120" cy="4117680"/>
+            <a:ext cx="8825760" cy="4117320"/>
           </a:xfrm>
           <a:prstGeom prst="rect">
             <a:avLst/>
@@ -6703,7 +8837,7 @@
           <a:p>
             <a:pPr>
               <a:lnSpc>
-                <a:spcPts val="15"/>
+                <a:spcPts val="5"/>
               </a:lnSpc>
             </a:pPr>
             <a:endParaRPr b="0" lang="pt-BR" sz="1800" spc="-1" strike="noStrike">
@@ -6721,7 +8855,7 @@
           <a:p>
             <a:pPr>
               <a:lnSpc>
-                <a:spcPts val="13"/>
+                <a:spcPts val="5"/>
               </a:lnSpc>
             </a:pPr>
             <a:r>
@@ -6751,36 +8885,18 @@
               <a:latin typeface="Arial"/>
             </a:endParaRPr>
           </a:p>
-          <a:p>
-            <a:pPr>
-              <a:lnSpc>
-                <a:spcPts val="13"/>
-              </a:lnSpc>
-            </a:pPr>
-            <a:endParaRPr b="0" lang="pt-BR" sz="1800" spc="-1" strike="noStrike">
-              <a:solidFill>
-                <a:srgbClr val="000000"/>
-              </a:solidFill>
-              <a:uFill>
-                <a:solidFill>
-                  <a:srgbClr val="ffffff"/>
-                </a:solidFill>
-              </a:uFill>
-              <a:latin typeface="Arial"/>
-            </a:endParaRPr>
-          </a:p>
-        </p:txBody>
-      </p:sp>
-      <p:sp>
-        <p:nvSpPr>
-          <p:cNvPr id="98" name="CustomShape 4"/>
+        </p:txBody>
+      </p:sp>
+      <p:sp>
+        <p:nvSpPr>
+          <p:cNvPr id="101" name="CustomShape 4"/>
           <p:cNvSpPr/>
           <p:nvPr/>
         </p:nvSpPr>
         <p:spPr>
           <a:xfrm>
             <a:off x="230400" y="72000"/>
-            <a:ext cx="8824680" cy="941400"/>
+            <a:ext cx="8824320" cy="941760"/>
           </a:xfrm>
           <a:prstGeom prst="rect">
             <a:avLst/>
@@ -6801,7 +8917,7 @@
           <a:p>
             <a:pPr>
               <a:lnSpc>
-                <a:spcPts val="15"/>
+                <a:spcPts val="5"/>
               </a:lnSpc>
             </a:pPr>
             <a:r>
@@ -6835,19 +8951,19 @@
       </p:sp>
       <p:pic>
         <p:nvPicPr>
-          <p:cNvPr id="99" name="" descr=""/>
+          <p:cNvPr id="102" name="" descr=""/>
           <p:cNvPicPr/>
           <p:nvPr/>
         </p:nvPicPr>
         <p:blipFill>
           <a:blip r:embed="rId1"/>
-          <a:srcRect l="1374" t="3186" r="1778" b="13310"/>
+          <a:srcRect l="962" t="923" r="1074" b="3772"/>
           <a:stretch/>
         </p:blipFill>
         <p:spPr>
           <a:xfrm>
-            <a:off x="720" y="1656360"/>
-            <a:ext cx="7918920" cy="4377600"/>
+            <a:off x="2443320" y="1665000"/>
+            <a:ext cx="4036680" cy="4311000"/>
           </a:xfrm>
           <a:prstGeom prst="rect">
             <a:avLst/>
@@ -6908,14 +9024,14 @@
       </p:grpSpPr>
       <p:sp>
         <p:nvSpPr>
-          <p:cNvPr id="100" name="CustomShape 1"/>
+          <p:cNvPr id="103" name="CustomShape 1"/>
           <p:cNvSpPr/>
           <p:nvPr/>
         </p:nvSpPr>
         <p:spPr>
           <a:xfrm>
             <a:off x="0" y="1001880"/>
-            <a:ext cx="9142200" cy="663480"/>
+            <a:ext cx="9141840" cy="663120"/>
           </a:xfrm>
           <a:prstGeom prst="rect">
             <a:avLst/>
@@ -6952,14 +9068,14 @@
       </p:sp>
       <p:sp>
         <p:nvSpPr>
-          <p:cNvPr id="101" name="CustomShape 2"/>
+          <p:cNvPr id="104" name="CustomShape 2"/>
           <p:cNvSpPr/>
           <p:nvPr/>
         </p:nvSpPr>
         <p:spPr>
           <a:xfrm>
             <a:off x="206280" y="1100160"/>
-            <a:ext cx="8734320" cy="469800"/>
+            <a:ext cx="8733960" cy="469440"/>
           </a:xfrm>
           <a:prstGeom prst="rect">
             <a:avLst/>
@@ -6996,7 +9112,7 @@
                 <a:latin typeface="Calibri"/>
                 <a:ea typeface="Calibri"/>
               </a:rPr>
-              <a:t>Diagrama de Implantação</a:t>
+              <a:t>Requisitos Funcionais - Diagrama de casos de uso</a:t>
             </a:r>
             <a:endParaRPr b="0" lang="pt-BR" sz="1800" spc="-1" strike="noStrike">
               <a:solidFill>
@@ -7014,14 +9130,14 @@
       </p:sp>
       <p:sp>
         <p:nvSpPr>
-          <p:cNvPr id="102" name="CustomShape 3"/>
+          <p:cNvPr id="105" name="CustomShape 3"/>
           <p:cNvSpPr/>
           <p:nvPr/>
         </p:nvSpPr>
         <p:spPr>
           <a:xfrm>
             <a:off x="179280" y="1770120"/>
-            <a:ext cx="8826120" cy="4117680"/>
+            <a:ext cx="8825760" cy="4117320"/>
           </a:xfrm>
           <a:prstGeom prst="rect">
             <a:avLst/>
@@ -7042,7 +9158,7 @@
           <a:p>
             <a:pPr>
               <a:lnSpc>
-                <a:spcPts val="15"/>
+                <a:spcPts val="5"/>
               </a:lnSpc>
             </a:pPr>
             <a:endParaRPr b="0" lang="pt-BR" sz="1800" spc="-1" strike="noStrike">
@@ -7060,7 +9176,7 @@
           <a:p>
             <a:pPr>
               <a:lnSpc>
-                <a:spcPts val="13"/>
+                <a:spcPts val="5"/>
               </a:lnSpc>
             </a:pPr>
             <a:r>
@@ -7090,36 +9206,18 @@
               <a:latin typeface="Arial"/>
             </a:endParaRPr>
           </a:p>
-          <a:p>
-            <a:pPr>
-              <a:lnSpc>
-                <a:spcPts val="13"/>
-              </a:lnSpc>
-            </a:pPr>
-            <a:endParaRPr b="0" lang="pt-BR" sz="1800" spc="-1" strike="noStrike">
-              <a:solidFill>
-                <a:srgbClr val="000000"/>
-              </a:solidFill>
-              <a:uFill>
-                <a:solidFill>
-                  <a:srgbClr val="ffffff"/>
-                </a:solidFill>
-              </a:uFill>
-              <a:latin typeface="Arial"/>
-            </a:endParaRPr>
-          </a:p>
-        </p:txBody>
-      </p:sp>
-      <p:sp>
-        <p:nvSpPr>
-          <p:cNvPr id="103" name="CustomShape 4"/>
+        </p:txBody>
+      </p:sp>
+      <p:sp>
+        <p:nvSpPr>
+          <p:cNvPr id="106" name="CustomShape 4"/>
           <p:cNvSpPr/>
           <p:nvPr/>
         </p:nvSpPr>
         <p:spPr>
           <a:xfrm>
             <a:off x="230400" y="72000"/>
-            <a:ext cx="8824680" cy="941400"/>
+            <a:ext cx="8824320" cy="941760"/>
           </a:xfrm>
           <a:prstGeom prst="rect">
             <a:avLst/>
@@ -7140,7 +9238,7 @@
           <a:p>
             <a:pPr>
               <a:lnSpc>
-                <a:spcPts val="15"/>
+                <a:spcPts val="5"/>
               </a:lnSpc>
             </a:pPr>
             <a:r>
@@ -7174,19 +9272,19 @@
       </p:sp>
       <p:pic>
         <p:nvPicPr>
-          <p:cNvPr id="104" name="" descr=""/>
+          <p:cNvPr id="107" name="" descr=""/>
           <p:cNvPicPr/>
           <p:nvPr/>
         </p:nvPicPr>
         <p:blipFill>
           <a:blip r:embed="rId1"/>
-          <a:srcRect l="1025" t="4012" r="1436" b="6406"/>
+          <a:srcRect l="896" t="1112" r="994" b="4693"/>
           <a:stretch/>
         </p:blipFill>
         <p:spPr>
           <a:xfrm>
-            <a:off x="1368000" y="1665360"/>
-            <a:ext cx="6264000" cy="4351320"/>
+            <a:off x="2088000" y="1665000"/>
+            <a:ext cx="4824000" cy="4285080"/>
           </a:xfrm>
           <a:prstGeom prst="rect">
             <a:avLst/>
@@ -7247,14 +9345,14 @@
       </p:grpSpPr>
       <p:sp>
         <p:nvSpPr>
-          <p:cNvPr id="105" name="CustomShape 1"/>
+          <p:cNvPr id="108" name="CustomShape 1"/>
           <p:cNvSpPr/>
           <p:nvPr/>
         </p:nvSpPr>
         <p:spPr>
           <a:xfrm>
             <a:off x="0" y="1001880"/>
-            <a:ext cx="9142200" cy="663480"/>
+            <a:ext cx="9141840" cy="663120"/>
           </a:xfrm>
           <a:prstGeom prst="rect">
             <a:avLst/>
@@ -7291,14 +9389,14 @@
       </p:sp>
       <p:sp>
         <p:nvSpPr>
-          <p:cNvPr id="106" name="CustomShape 2"/>
+          <p:cNvPr id="109" name="CustomShape 2"/>
           <p:cNvSpPr/>
           <p:nvPr/>
         </p:nvSpPr>
         <p:spPr>
           <a:xfrm>
             <a:off x="206280" y="1100160"/>
-            <a:ext cx="8734320" cy="469800"/>
+            <a:ext cx="8733960" cy="469440"/>
           </a:xfrm>
           <a:prstGeom prst="rect">
             <a:avLst/>
@@ -7335,7 +9433,7 @@
                 <a:latin typeface="Calibri"/>
                 <a:ea typeface="Calibri"/>
               </a:rPr>
-              <a:t>Apresentação do Protótipo Arquitetural</a:t>
+              <a:t>Requisitos Não Funcionais </a:t>
             </a:r>
             <a:endParaRPr b="0" lang="pt-BR" sz="1800" spc="-1" strike="noStrike">
               <a:solidFill>
@@ -7353,14 +9451,14 @@
       </p:sp>
       <p:sp>
         <p:nvSpPr>
-          <p:cNvPr id="107" name="CustomShape 3"/>
+          <p:cNvPr id="110" name="CustomShape 3"/>
           <p:cNvSpPr/>
           <p:nvPr/>
         </p:nvSpPr>
         <p:spPr>
           <a:xfrm>
             <a:off x="179280" y="1770120"/>
-            <a:ext cx="8826120" cy="4117680"/>
+            <a:ext cx="8825760" cy="4117320"/>
           </a:xfrm>
           <a:prstGeom prst="rect">
             <a:avLst/>
@@ -7381,7 +9479,7 @@
           <a:p>
             <a:pPr>
               <a:lnSpc>
-                <a:spcPts val="15"/>
+                <a:spcPts val="5"/>
               </a:lnSpc>
             </a:pPr>
             <a:r>
@@ -7397,10 +9495,46 @@
                 <a:latin typeface="Calibri"/>
                 <a:ea typeface="DejaVu Sans"/>
               </a:rPr>
-              <a:t>Vídeo (</a:t>
+              <a:t>Segurança - O sistema deve apresentar altos padrões de segurança.</a:t>
             </a:r>
+            <a:endParaRPr b="0" lang="pt-BR" sz="1800" spc="-1" strike="noStrike">
+              <a:solidFill>
+                <a:srgbClr val="000000"/>
+              </a:solidFill>
+              <a:uFill>
+                <a:solidFill>
+                  <a:srgbClr val="ffffff"/>
+                </a:solidFill>
+              </a:uFill>
+              <a:latin typeface="Arial"/>
+            </a:endParaRPr>
+          </a:p>
+          <a:p>
+            <a:pPr>
+              <a:lnSpc>
+                <a:spcPts val="5"/>
+              </a:lnSpc>
+            </a:pPr>
+            <a:endParaRPr b="0" lang="pt-BR" sz="1800" spc="-1" strike="noStrike">
+              <a:solidFill>
+                <a:srgbClr val="000000"/>
+              </a:solidFill>
+              <a:uFill>
+                <a:solidFill>
+                  <a:srgbClr val="ffffff"/>
+                </a:solidFill>
+              </a:uFill>
+              <a:latin typeface="Arial"/>
+            </a:endParaRPr>
+          </a:p>
+          <a:p>
+            <a:pPr>
+              <a:lnSpc>
+                <a:spcPts val="5"/>
+              </a:lnSpc>
+            </a:pPr>
             <a:r>
-              <a:rPr b="1" i="1" lang="pt-BR" sz="2300" spc="-1" strike="noStrike">
+              <a:rPr b="1" lang="pt-BR" sz="2300" spc="-1" strike="noStrike">
                 <a:solidFill>
                   <a:srgbClr val="404040"/>
                 </a:solidFill>
@@ -7412,8 +9546,44 @@
                 <a:latin typeface="Calibri"/>
                 <a:ea typeface="DejaVu Sans"/>
               </a:rPr>
-              <a:t>screencast</a:t>
+              <a:t>Acessibilidade - O sistema deve suportar ambientes Web responsivos e ambientes móveis.</a:t>
             </a:r>
+            <a:endParaRPr b="0" lang="pt-BR" sz="1800" spc="-1" strike="noStrike">
+              <a:solidFill>
+                <a:srgbClr val="000000"/>
+              </a:solidFill>
+              <a:uFill>
+                <a:solidFill>
+                  <a:srgbClr val="ffffff"/>
+                </a:solidFill>
+              </a:uFill>
+              <a:latin typeface="Arial"/>
+            </a:endParaRPr>
+          </a:p>
+          <a:p>
+            <a:pPr>
+              <a:lnSpc>
+                <a:spcPts val="5"/>
+              </a:lnSpc>
+            </a:pPr>
+            <a:endParaRPr b="0" lang="pt-BR" sz="1800" spc="-1" strike="noStrike">
+              <a:solidFill>
+                <a:srgbClr val="000000"/>
+              </a:solidFill>
+              <a:uFill>
+                <a:solidFill>
+                  <a:srgbClr val="ffffff"/>
+                </a:solidFill>
+              </a:uFill>
+              <a:latin typeface="Arial"/>
+            </a:endParaRPr>
+          </a:p>
+          <a:p>
+            <a:pPr>
+              <a:lnSpc>
+                <a:spcPts val="5"/>
+              </a:lnSpc>
+            </a:pPr>
             <a:r>
               <a:rPr b="1" lang="pt-BR" sz="2300" spc="-1" strike="noStrike">
                 <a:solidFill>
@@ -7427,7 +9597,7 @@
                 <a:latin typeface="Calibri"/>
                 <a:ea typeface="DejaVu Sans"/>
               </a:rPr>
-              <a:t>) de apresentação da aplicação web.</a:t>
+              <a:t>Desempenho - Processamento do sistema para notificar fornecedores.</a:t>
             </a:r>
             <a:endParaRPr b="0" lang="pt-BR" sz="1800" spc="-1" strike="noStrike">
               <a:solidFill>
@@ -7444,7 +9614,25 @@
           <a:p>
             <a:pPr>
               <a:lnSpc>
-                <a:spcPts val="15"/>
+                <a:spcPts val="5"/>
+              </a:lnSpc>
+            </a:pPr>
+            <a:endParaRPr b="0" lang="pt-BR" sz="1800" spc="-1" strike="noStrike">
+              <a:solidFill>
+                <a:srgbClr val="000000"/>
+              </a:solidFill>
+              <a:uFill>
+                <a:solidFill>
+                  <a:srgbClr val="ffffff"/>
+                </a:solidFill>
+              </a:uFill>
+              <a:latin typeface="Arial"/>
+            </a:endParaRPr>
+          </a:p>
+          <a:p>
+            <a:pPr>
+              <a:lnSpc>
+                <a:spcPts val="5"/>
               </a:lnSpc>
             </a:pPr>
             <a:r>
@@ -7460,23 +9648,7 @@
                 <a:latin typeface="Calibri"/>
                 <a:ea typeface="DejaVu Sans"/>
               </a:rPr>
-              <a:t>Sugestão de gravador de tela: </a:t>
-            </a:r>
-            <a:r>
-              <a:rPr b="1" lang="pt-BR" sz="2300" spc="-1" strike="noStrike" u="sng">
-                <a:solidFill>
-                  <a:srgbClr val="0000ff"/>
-                </a:solidFill>
-                <a:uFill>
-                  <a:solidFill>
-                    <a:srgbClr val="ffffff"/>
-                  </a:solidFill>
-                </a:uFill>
-                <a:latin typeface="Calibri"/>
-                <a:ea typeface="DejaVu Sans"/>
-                <a:hlinkClick r:id="rId1"/>
-              </a:rPr>
-              <a:t>http://www.screenr.com</a:t>
+              <a:t>Testabilidade - O sistema deve ser simples para testar. </a:t>
             </a:r>
             <a:endParaRPr b="0" lang="pt-BR" sz="1800" spc="-1" strike="noStrike">
               <a:solidFill>
@@ -7493,11 +9665,11 @@
           <a:p>
             <a:pPr>
               <a:lnSpc>
-                <a:spcPts val="15"/>
+                <a:spcPts val="5"/>
               </a:lnSpc>
             </a:pPr>
             <a:r>
-              <a:rPr b="1" lang="pt-BR" sz="2300" spc="-1" strike="noStrike">
+              <a:rPr b="1" lang="pt-BR" sz="2000" spc="-1" strike="noStrike">
                 <a:solidFill>
                   <a:srgbClr val="404040"/>
                 </a:solidFill>
@@ -7509,7 +9681,7 @@
                 <a:latin typeface="Calibri"/>
                 <a:ea typeface="DejaVu Sans"/>
               </a:rPr>
-              <a:t>Duração: 2’00” </a:t>
+              <a:t> </a:t>
             </a:r>
             <a:endParaRPr b="0" lang="pt-BR" sz="1800" spc="-1" strike="noStrike">
               <a:solidFill>
@@ -7523,54 +9695,18 @@
               <a:latin typeface="Arial"/>
             </a:endParaRPr>
           </a:p>
-          <a:p>
-            <a:pPr>
-              <a:lnSpc>
-                <a:spcPts val="13"/>
-              </a:lnSpc>
-            </a:pPr>
-            <a:endParaRPr b="0" lang="pt-BR" sz="1800" spc="-1" strike="noStrike">
-              <a:solidFill>
-                <a:srgbClr val="000000"/>
-              </a:solidFill>
-              <a:uFill>
-                <a:solidFill>
-                  <a:srgbClr val="ffffff"/>
-                </a:solidFill>
-              </a:uFill>
-              <a:latin typeface="Arial"/>
-            </a:endParaRPr>
-          </a:p>
-          <a:p>
-            <a:pPr>
-              <a:lnSpc>
-                <a:spcPts val="13"/>
-              </a:lnSpc>
-            </a:pPr>
-            <a:endParaRPr b="0" lang="pt-BR" sz="1800" spc="-1" strike="noStrike">
-              <a:solidFill>
-                <a:srgbClr val="000000"/>
-              </a:solidFill>
-              <a:uFill>
-                <a:solidFill>
-                  <a:srgbClr val="ffffff"/>
-                </a:solidFill>
-              </a:uFill>
-              <a:latin typeface="Arial"/>
-            </a:endParaRPr>
-          </a:p>
-        </p:txBody>
-      </p:sp>
-      <p:sp>
-        <p:nvSpPr>
-          <p:cNvPr id="108" name="CustomShape 4"/>
+        </p:txBody>
+      </p:sp>
+      <p:sp>
+        <p:nvSpPr>
+          <p:cNvPr id="111" name="CustomShape 4"/>
           <p:cNvSpPr/>
           <p:nvPr/>
         </p:nvSpPr>
         <p:spPr>
           <a:xfrm>
             <a:off x="230400" y="72000"/>
-            <a:ext cx="8824680" cy="941400"/>
+            <a:ext cx="8824320" cy="941040"/>
           </a:xfrm>
           <a:prstGeom prst="rect">
             <a:avLst/>
@@ -7591,7 +9727,7 @@
           <a:p>
             <a:pPr>
               <a:lnSpc>
-                <a:spcPts val="15"/>
+                <a:spcPts val="5"/>
               </a:lnSpc>
             </a:pPr>
             <a:r>

--- a/Documentos/apresentacao_projeto_arquitetural_TCC.pptx
+++ b/Documentos/apresentacao_projeto_arquitetural_TCC.pptx
@@ -3735,7 +3735,7 @@
         <p:spPr>
           <a:xfrm>
             <a:off x="0" y="4599000"/>
-            <a:ext cx="9141840" cy="469440"/>
+            <a:ext cx="9141480" cy="469080"/>
           </a:xfrm>
           <a:prstGeom prst="rect">
             <a:avLst/>
@@ -3797,7 +3797,7 @@
         <p:spPr>
           <a:xfrm>
             <a:off x="997560" y="1805040"/>
-            <a:ext cx="7063560" cy="2586600"/>
+            <a:ext cx="7063200" cy="2586240"/>
           </a:xfrm>
           <a:prstGeom prst="roundRect">
             <a:avLst>
@@ -3958,7 +3958,7 @@
         <p:spPr>
           <a:xfrm>
             <a:off x="0" y="1001880"/>
-            <a:ext cx="9141840" cy="663120"/>
+            <a:ext cx="9141480" cy="662760"/>
           </a:xfrm>
           <a:prstGeom prst="rect">
             <a:avLst/>
@@ -4002,7 +4002,7 @@
         <p:spPr>
           <a:xfrm>
             <a:off x="206280" y="1100160"/>
-            <a:ext cx="8733960" cy="469440"/>
+            <a:ext cx="8733600" cy="469080"/>
           </a:xfrm>
           <a:prstGeom prst="rect">
             <a:avLst/>
@@ -4064,7 +4064,7 @@
         <p:spPr>
           <a:xfrm>
             <a:off x="179280" y="1770120"/>
-            <a:ext cx="8825760" cy="4117320"/>
+            <a:ext cx="8825400" cy="4116960"/>
           </a:xfrm>
           <a:prstGeom prst="rect">
             <a:avLst/>
@@ -4085,7 +4085,7 @@
           <a:p>
             <a:pPr>
               <a:lnSpc>
-                <a:spcPts val="5"/>
+                <a:spcPts val="2"/>
               </a:lnSpc>
             </a:pPr>
             <a:r>
@@ -4118,7 +4118,7 @@
           <a:p>
             <a:pPr>
               <a:lnSpc>
-                <a:spcPts val="5"/>
+                <a:spcPts val="2"/>
               </a:lnSpc>
             </a:pPr>
             <a:r>
@@ -4151,7 +4151,7 @@
           <a:p>
             <a:pPr>
               <a:lnSpc>
-                <a:spcPts val="5"/>
+                <a:spcPts val="2"/>
               </a:lnSpc>
             </a:pPr>
             <a:r>
@@ -4184,7 +4184,7 @@
           <a:p>
             <a:pPr>
               <a:lnSpc>
-                <a:spcPts val="5"/>
+                <a:spcPts val="2"/>
               </a:lnSpc>
             </a:pPr>
             <a:r>
@@ -4217,7 +4217,7 @@
           <a:p>
             <a:pPr>
               <a:lnSpc>
-                <a:spcPts val="5"/>
+                <a:spcPts val="2"/>
               </a:lnSpc>
             </a:pPr>
             <a:r>
@@ -4250,7 +4250,7 @@
           <a:p>
             <a:pPr>
               <a:lnSpc>
-                <a:spcPts val="5"/>
+                <a:spcPts val="2"/>
               </a:lnSpc>
             </a:pPr>
             <a:r>
@@ -4291,7 +4291,7 @@
         <p:spPr>
           <a:xfrm>
             <a:off x="230400" y="72000"/>
-            <a:ext cx="8824320" cy="941760"/>
+            <a:ext cx="8823960" cy="941400"/>
           </a:xfrm>
           <a:prstGeom prst="rect">
             <a:avLst/>
@@ -4312,7 +4312,7 @@
           <a:p>
             <a:pPr>
               <a:lnSpc>
-                <a:spcPts val="5"/>
+                <a:spcPts val="2"/>
               </a:lnSpc>
             </a:pPr>
             <a:r>
@@ -4402,7 +4402,7 @@
         <p:spPr>
           <a:xfrm>
             <a:off x="0" y="1001880"/>
-            <a:ext cx="9141840" cy="663120"/>
+            <a:ext cx="9141480" cy="662760"/>
           </a:xfrm>
           <a:prstGeom prst="rect">
             <a:avLst/>
@@ -4446,7 +4446,7 @@
         <p:spPr>
           <a:xfrm>
             <a:off x="206280" y="1100160"/>
-            <a:ext cx="8733960" cy="469440"/>
+            <a:ext cx="8733600" cy="469080"/>
           </a:xfrm>
           <a:prstGeom prst="rect">
             <a:avLst/>
@@ -4508,7 +4508,7 @@
         <p:spPr>
           <a:xfrm>
             <a:off x="179280" y="1770120"/>
-            <a:ext cx="8825760" cy="4117320"/>
+            <a:ext cx="8825400" cy="4116960"/>
           </a:xfrm>
           <a:prstGeom prst="rect">
             <a:avLst/>
@@ -4529,7 +4529,7 @@
           <a:p>
             <a:pPr>
               <a:lnSpc>
-                <a:spcPts val="5"/>
+                <a:spcPts val="2"/>
               </a:lnSpc>
             </a:pPr>
             <a:endParaRPr b="0" lang="pt-BR" sz="1800" spc="-1" strike="noStrike">
@@ -4547,7 +4547,7 @@
           <a:p>
             <a:pPr>
               <a:lnSpc>
-                <a:spcPts val="5"/>
+                <a:spcPts val="2"/>
               </a:lnSpc>
             </a:pPr>
             <a:r>
@@ -4588,7 +4588,7 @@
         <p:spPr>
           <a:xfrm>
             <a:off x="230400" y="72000"/>
-            <a:ext cx="8824320" cy="941760"/>
+            <a:ext cx="8823960" cy="941400"/>
           </a:xfrm>
           <a:prstGeom prst="rect">
             <a:avLst/>
@@ -4609,7 +4609,7 @@
           <a:p>
             <a:pPr>
               <a:lnSpc>
-                <a:spcPts val="5"/>
+                <a:spcPts val="2"/>
               </a:lnSpc>
             </a:pPr>
             <a:r>
@@ -4654,7 +4654,7 @@
         <p:spPr>
           <a:xfrm>
             <a:off x="2266920" y="1689120"/>
-            <a:ext cx="4390560" cy="4286160"/>
+            <a:ext cx="4390200" cy="4285800"/>
           </a:xfrm>
           <a:prstGeom prst="rect">
             <a:avLst/>
@@ -4722,7 +4722,7 @@
         <p:spPr>
           <a:xfrm>
             <a:off x="0" y="1001880"/>
-            <a:ext cx="9141840" cy="663120"/>
+            <a:ext cx="9141480" cy="662760"/>
           </a:xfrm>
           <a:prstGeom prst="rect">
             <a:avLst/>
@@ -4766,7 +4766,7 @@
         <p:spPr>
           <a:xfrm>
             <a:off x="205200" y="1101600"/>
-            <a:ext cx="8733960" cy="469440"/>
+            <a:ext cx="8733600" cy="469080"/>
           </a:xfrm>
           <a:prstGeom prst="rect">
             <a:avLst/>
@@ -4828,7 +4828,7 @@
         <p:spPr>
           <a:xfrm>
             <a:off x="179280" y="1770120"/>
-            <a:ext cx="8825760" cy="4117320"/>
+            <a:ext cx="8825400" cy="4116960"/>
           </a:xfrm>
           <a:prstGeom prst="rect">
             <a:avLst/>
@@ -4849,7 +4849,7 @@
           <a:p>
             <a:pPr>
               <a:lnSpc>
-                <a:spcPts val="5"/>
+                <a:spcPts val="2"/>
               </a:lnSpc>
             </a:pPr>
             <a:endParaRPr b="0" lang="pt-BR" sz="1800" spc="-1" strike="noStrike">
@@ -4867,7 +4867,7 @@
           <a:p>
             <a:pPr>
               <a:lnSpc>
-                <a:spcPts val="5"/>
+                <a:spcPts val="2"/>
               </a:lnSpc>
             </a:pPr>
             <a:r>
@@ -4900,7 +4900,7 @@
           <a:p>
             <a:pPr>
               <a:lnSpc>
-                <a:spcPts val="5"/>
+                <a:spcPts val="2"/>
               </a:lnSpc>
             </a:pPr>
             <a:endParaRPr b="0" lang="pt-BR" sz="1800" spc="-1" strike="noStrike">
@@ -4926,7 +4926,7 @@
         <p:spPr>
           <a:xfrm>
             <a:off x="230400" y="72000"/>
-            <a:ext cx="8824320" cy="941040"/>
+            <a:ext cx="8823960" cy="940680"/>
           </a:xfrm>
           <a:prstGeom prst="rect">
             <a:avLst/>
@@ -4947,7 +4947,7 @@
           <a:p>
             <a:pPr>
               <a:lnSpc>
-                <a:spcPts val="5"/>
+                <a:spcPts val="2"/>
               </a:lnSpc>
             </a:pPr>
             <a:r>
@@ -4993,7 +4993,7 @@
         <p:spPr>
           <a:xfrm>
             <a:off x="720" y="1656360"/>
-            <a:ext cx="7918560" cy="4377240"/>
+            <a:ext cx="7918200" cy="4376880"/>
           </a:xfrm>
           <a:prstGeom prst="rect">
             <a:avLst/>
@@ -5061,7 +5061,7 @@
         <p:spPr>
           <a:xfrm>
             <a:off x="0" y="1001880"/>
-            <a:ext cx="9141840" cy="663120"/>
+            <a:ext cx="9141480" cy="662760"/>
           </a:xfrm>
           <a:prstGeom prst="rect">
             <a:avLst/>
@@ -5105,7 +5105,7 @@
         <p:spPr>
           <a:xfrm>
             <a:off x="206280" y="1100160"/>
-            <a:ext cx="8733960" cy="469440"/>
+            <a:ext cx="8733600" cy="469080"/>
           </a:xfrm>
           <a:prstGeom prst="rect">
             <a:avLst/>
@@ -5167,7 +5167,7 @@
         <p:spPr>
           <a:xfrm>
             <a:off x="179280" y="1770120"/>
-            <a:ext cx="8825760" cy="4117320"/>
+            <a:ext cx="8825400" cy="4116960"/>
           </a:xfrm>
           <a:prstGeom prst="rect">
             <a:avLst/>
@@ -5188,7 +5188,7 @@
           <a:p>
             <a:pPr>
               <a:lnSpc>
-                <a:spcPts val="5"/>
+                <a:spcPts val="2"/>
               </a:lnSpc>
             </a:pPr>
             <a:endParaRPr b="0" lang="pt-BR" sz="1800" spc="-1" strike="noStrike">
@@ -5206,7 +5206,7 @@
           <a:p>
             <a:pPr>
               <a:lnSpc>
-                <a:spcPts val="5"/>
+                <a:spcPts val="2"/>
               </a:lnSpc>
             </a:pPr>
             <a:r>
@@ -5239,7 +5239,7 @@
           <a:p>
             <a:pPr>
               <a:lnSpc>
-                <a:spcPts val="5"/>
+                <a:spcPts val="2"/>
               </a:lnSpc>
             </a:pPr>
             <a:endParaRPr b="0" lang="pt-BR" sz="1800" spc="-1" strike="noStrike">
@@ -5265,7 +5265,7 @@
         <p:spPr>
           <a:xfrm>
             <a:off x="230400" y="72000"/>
-            <a:ext cx="8824320" cy="941040"/>
+            <a:ext cx="8823960" cy="940680"/>
           </a:xfrm>
           <a:prstGeom prst="rect">
             <a:avLst/>
@@ -5286,7 +5286,7 @@
           <a:p>
             <a:pPr>
               <a:lnSpc>
-                <a:spcPts val="5"/>
+                <a:spcPts val="2"/>
               </a:lnSpc>
             </a:pPr>
             <a:r>
@@ -5332,7 +5332,7 @@
         <p:spPr>
           <a:xfrm>
             <a:off x="1368000" y="1665360"/>
-            <a:ext cx="6263640" cy="4350960"/>
+            <a:ext cx="6263280" cy="4350600"/>
           </a:xfrm>
           <a:prstGeom prst="rect">
             <a:avLst/>
@@ -5400,7 +5400,7 @@
         <p:spPr>
           <a:xfrm>
             <a:off x="0" y="1001880"/>
-            <a:ext cx="9141840" cy="663120"/>
+            <a:ext cx="9141480" cy="662760"/>
           </a:xfrm>
           <a:prstGeom prst="rect">
             <a:avLst/>
@@ -5444,7 +5444,7 @@
         <p:spPr>
           <a:xfrm>
             <a:off x="206280" y="1100160"/>
-            <a:ext cx="8733960" cy="469440"/>
+            <a:ext cx="8733600" cy="469080"/>
           </a:xfrm>
           <a:prstGeom prst="rect">
             <a:avLst/>
@@ -5506,7 +5506,7 @@
         <p:spPr>
           <a:xfrm>
             <a:off x="179280" y="1770120"/>
-            <a:ext cx="8825760" cy="4117320"/>
+            <a:ext cx="8825400" cy="4116960"/>
           </a:xfrm>
           <a:prstGeom prst="rect">
             <a:avLst/>
@@ -5522,190 +5522,6 @@
           <a:effectRef idx="0"/>
           <a:fontRef idx="minor"/>
         </p:style>
-        <p:txBody>
-          <a:bodyPr lIns="90000" rIns="90000" tIns="45000" bIns="45000"/>
-          <a:p>
-            <a:pPr>
-              <a:lnSpc>
-                <a:spcPts val="5"/>
-              </a:lnSpc>
-            </a:pPr>
-            <a:r>
-              <a:rPr b="1" lang="pt-BR" sz="2300" spc="-1" strike="noStrike">
-                <a:solidFill>
-                  <a:srgbClr val="404040"/>
-                </a:solidFill>
-                <a:uFill>
-                  <a:solidFill>
-                    <a:srgbClr val="ffffff"/>
-                  </a:solidFill>
-                </a:uFill>
-                <a:latin typeface="Calibri"/>
-                <a:ea typeface="DejaVu Sans"/>
-              </a:rPr>
-              <a:t>Vídeo (</a:t>
-            </a:r>
-            <a:r>
-              <a:rPr b="1" i="1" lang="pt-BR" sz="2300" spc="-1" strike="noStrike">
-                <a:solidFill>
-                  <a:srgbClr val="404040"/>
-                </a:solidFill>
-                <a:uFill>
-                  <a:solidFill>
-                    <a:srgbClr val="ffffff"/>
-                  </a:solidFill>
-                </a:uFill>
-                <a:latin typeface="Calibri"/>
-                <a:ea typeface="DejaVu Sans"/>
-              </a:rPr>
-              <a:t>screencast</a:t>
-            </a:r>
-            <a:r>
-              <a:rPr b="1" lang="pt-BR" sz="2300" spc="-1" strike="noStrike">
-                <a:solidFill>
-                  <a:srgbClr val="404040"/>
-                </a:solidFill>
-                <a:uFill>
-                  <a:solidFill>
-                    <a:srgbClr val="ffffff"/>
-                  </a:solidFill>
-                </a:uFill>
-                <a:latin typeface="Calibri"/>
-                <a:ea typeface="DejaVu Sans"/>
-              </a:rPr>
-              <a:t>) de apresentação da aplicação web.</a:t>
-            </a:r>
-            <a:endParaRPr b="0" lang="pt-BR" sz="1800" spc="-1" strike="noStrike">
-              <a:solidFill>
-                <a:srgbClr val="000000"/>
-              </a:solidFill>
-              <a:uFill>
-                <a:solidFill>
-                  <a:srgbClr val="ffffff"/>
-                </a:solidFill>
-              </a:uFill>
-              <a:latin typeface="Arial"/>
-            </a:endParaRPr>
-          </a:p>
-          <a:p>
-            <a:pPr>
-              <a:lnSpc>
-                <a:spcPts val="5"/>
-              </a:lnSpc>
-            </a:pPr>
-            <a:r>
-              <a:rPr b="1" lang="pt-BR" sz="2300" spc="-1" strike="noStrike">
-                <a:solidFill>
-                  <a:srgbClr val="404040"/>
-                </a:solidFill>
-                <a:uFill>
-                  <a:solidFill>
-                    <a:srgbClr val="ffffff"/>
-                  </a:solidFill>
-                </a:uFill>
-                <a:latin typeface="Calibri"/>
-                <a:ea typeface="DejaVu Sans"/>
-              </a:rPr>
-              <a:t>Sugestão de gravador de tela: </a:t>
-            </a:r>
-            <a:r>
-              <a:rPr b="1" lang="pt-BR" sz="2300" spc="-1" strike="noStrike" u="sng">
-                <a:solidFill>
-                  <a:srgbClr val="0000ff"/>
-                </a:solidFill>
-                <a:uFill>
-                  <a:solidFill>
-                    <a:srgbClr val="ffffff"/>
-                  </a:solidFill>
-                </a:uFill>
-                <a:latin typeface="Calibri"/>
-                <a:ea typeface="DejaVu Sans"/>
-                <a:hlinkClick r:id="rId1"/>
-              </a:rPr>
-              <a:t>http://www.screenr.com</a:t>
-            </a:r>
-            <a:endParaRPr b="0" lang="pt-BR" sz="1800" spc="-1" strike="noStrike">
-              <a:solidFill>
-                <a:srgbClr val="000000"/>
-              </a:solidFill>
-              <a:uFill>
-                <a:solidFill>
-                  <a:srgbClr val="ffffff"/>
-                </a:solidFill>
-              </a:uFill>
-              <a:latin typeface="Arial"/>
-            </a:endParaRPr>
-          </a:p>
-          <a:p>
-            <a:pPr>
-              <a:lnSpc>
-                <a:spcPts val="5"/>
-              </a:lnSpc>
-            </a:pPr>
-            <a:r>
-              <a:rPr b="1" lang="pt-BR" sz="2300" spc="-1" strike="noStrike">
-                <a:solidFill>
-                  <a:srgbClr val="404040"/>
-                </a:solidFill>
-                <a:uFill>
-                  <a:solidFill>
-                    <a:srgbClr val="ffffff"/>
-                  </a:solidFill>
-                </a:uFill>
-                <a:latin typeface="Calibri"/>
-                <a:ea typeface="DejaVu Sans"/>
-              </a:rPr>
-              <a:t>Duração: 2’00” </a:t>
-            </a:r>
-            <a:endParaRPr b="0" lang="pt-BR" sz="1800" spc="-1" strike="noStrike">
-              <a:solidFill>
-                <a:srgbClr val="000000"/>
-              </a:solidFill>
-              <a:uFill>
-                <a:solidFill>
-                  <a:srgbClr val="ffffff"/>
-                </a:solidFill>
-              </a:uFill>
-              <a:latin typeface="Arial"/>
-            </a:endParaRPr>
-          </a:p>
-          <a:p>
-            <a:pPr>
-              <a:lnSpc>
-                <a:spcPts val="5"/>
-              </a:lnSpc>
-            </a:pPr>
-            <a:endParaRPr b="0" lang="pt-BR" sz="1800" spc="-1" strike="noStrike">
-              <a:solidFill>
-                <a:srgbClr val="000000"/>
-              </a:solidFill>
-              <a:uFill>
-                <a:solidFill>
-                  <a:srgbClr val="ffffff"/>
-                </a:solidFill>
-              </a:uFill>
-              <a:latin typeface="Arial"/>
-            </a:endParaRPr>
-          </a:p>
-          <a:p>
-            <a:pPr>
-              <a:lnSpc>
-                <a:spcPts val="5"/>
-              </a:lnSpc>
-            </a:pPr>
-            <a:endParaRPr b="0" lang="pt-BR" sz="1800" spc="-1" strike="noStrike">
-              <a:solidFill>
-                <a:srgbClr val="000000"/>
-              </a:solidFill>
-              <a:uFill>
-                <a:solidFill>
-                  <a:srgbClr val="ffffff"/>
-                </a:solidFill>
-              </a:uFill>
-              <a:latin typeface="Arial"/>
-            </a:endParaRPr>
-          </a:p>
-        </p:txBody>
       </p:sp>
       <p:sp>
         <p:nvSpPr>
@@ -5716,7 +5532,7 @@
         <p:spPr>
           <a:xfrm>
             <a:off x="230400" y="72000"/>
-            <a:ext cx="8824320" cy="941040"/>
+            <a:ext cx="8823960" cy="940680"/>
           </a:xfrm>
           <a:prstGeom prst="rect">
             <a:avLst/>
@@ -5737,7 +5553,7 @@
           <a:p>
             <a:pPr>
               <a:lnSpc>
-                <a:spcPts val="5"/>
+                <a:spcPts val="2"/>
               </a:lnSpc>
             </a:pPr>
             <a:r>
@@ -5827,7 +5643,7 @@
         <p:spPr>
           <a:xfrm>
             <a:off x="0" y="1001880"/>
-            <a:ext cx="9141840" cy="663120"/>
+            <a:ext cx="9141480" cy="662760"/>
           </a:xfrm>
           <a:prstGeom prst="rect">
             <a:avLst/>
@@ -5871,7 +5687,7 @@
         <p:spPr>
           <a:xfrm>
             <a:off x="206280" y="1100160"/>
-            <a:ext cx="8733960" cy="469440"/>
+            <a:ext cx="8733600" cy="469080"/>
           </a:xfrm>
           <a:prstGeom prst="rect">
             <a:avLst/>
@@ -5933,7 +5749,7 @@
         <p:spPr>
           <a:xfrm>
             <a:off x="179280" y="1770120"/>
-            <a:ext cx="8825760" cy="4117320"/>
+            <a:ext cx="8825400" cy="4116960"/>
           </a:xfrm>
           <a:prstGeom prst="rect">
             <a:avLst/>
@@ -5954,7 +5770,7 @@
           <a:p>
             <a:pPr algn="ctr">
               <a:lnSpc>
-                <a:spcPts val="5"/>
+                <a:spcPts val="2"/>
               </a:lnSpc>
             </a:pPr>
             <a:r>
@@ -5987,7 +5803,7 @@
           <a:p>
             <a:pPr>
               <a:lnSpc>
-                <a:spcPts val="5"/>
+                <a:spcPts val="2"/>
               </a:lnSpc>
             </a:pPr>
             <a:r>
@@ -6020,7 +5836,7 @@
           <a:p>
             <a:pPr>
               <a:lnSpc>
-                <a:spcPts val="5"/>
+                <a:spcPts val="2"/>
               </a:lnSpc>
             </a:pPr>
             <a:r>
@@ -6068,7 +5884,7 @@
           <a:p>
             <a:pPr>
               <a:lnSpc>
-                <a:spcPts val="5"/>
+                <a:spcPts val="2"/>
               </a:lnSpc>
             </a:pPr>
             <a:r>
@@ -6101,7 +5917,7 @@
           <a:p>
             <a:pPr>
               <a:lnSpc>
-                <a:spcPts val="5"/>
+                <a:spcPts val="2"/>
               </a:lnSpc>
             </a:pPr>
             <a:endParaRPr b="0" lang="pt-BR" sz="1800" spc="-1" strike="noStrike">
@@ -6127,7 +5943,7 @@
         <p:spPr>
           <a:xfrm>
             <a:off x="230400" y="72000"/>
-            <a:ext cx="8824320" cy="941040"/>
+            <a:ext cx="8823960" cy="940680"/>
           </a:xfrm>
           <a:prstGeom prst="rect">
             <a:avLst/>
@@ -6148,7 +5964,7 @@
           <a:p>
             <a:pPr>
               <a:lnSpc>
-                <a:spcPts val="5"/>
+                <a:spcPts val="2"/>
               </a:lnSpc>
             </a:pPr>
             <a:r>
@@ -6238,7 +6054,7 @@
         <p:spPr>
           <a:xfrm>
             <a:off x="0" y="1001880"/>
-            <a:ext cx="9141840" cy="663120"/>
+            <a:ext cx="9141480" cy="662760"/>
           </a:xfrm>
           <a:prstGeom prst="rect">
             <a:avLst/>
@@ -6282,7 +6098,7 @@
         <p:spPr>
           <a:xfrm>
             <a:off x="206280" y="1100160"/>
-            <a:ext cx="8733960" cy="469440"/>
+            <a:ext cx="8733600" cy="469080"/>
           </a:xfrm>
           <a:prstGeom prst="rect">
             <a:avLst/>
@@ -6344,7 +6160,7 @@
         <p:spPr>
           <a:xfrm>
             <a:off x="179280" y="1770120"/>
-            <a:ext cx="8825760" cy="4117320"/>
+            <a:ext cx="8825400" cy="4116960"/>
           </a:xfrm>
           <a:prstGeom prst="rect">
             <a:avLst/>
@@ -6365,7 +6181,7 @@
           <a:p>
             <a:pPr algn="ctr">
               <a:lnSpc>
-                <a:spcPts val="5"/>
+                <a:spcPts val="2"/>
               </a:lnSpc>
             </a:pPr>
             <a:r>
@@ -6398,7 +6214,7 @@
           <a:p>
             <a:pPr>
               <a:lnSpc>
-                <a:spcPts val="5"/>
+                <a:spcPts val="2"/>
               </a:lnSpc>
             </a:pPr>
             <a:r>
@@ -6431,7 +6247,7 @@
           <a:p>
             <a:pPr>
               <a:lnSpc>
-                <a:spcPts val="5"/>
+                <a:spcPts val="2"/>
               </a:lnSpc>
             </a:pPr>
             <a:r>
@@ -6464,7 +6280,7 @@
           <a:p>
             <a:pPr>
               <a:lnSpc>
-                <a:spcPts val="5"/>
+                <a:spcPts val="2"/>
               </a:lnSpc>
             </a:pPr>
             <a:r>
@@ -6497,7 +6313,7 @@
           <a:p>
             <a:pPr>
               <a:lnSpc>
-                <a:spcPts val="5"/>
+                <a:spcPts val="2"/>
               </a:lnSpc>
             </a:pPr>
             <a:endParaRPr b="0" lang="pt-BR" sz="1800" spc="-1" strike="noStrike">
@@ -6523,7 +6339,7 @@
         <p:spPr>
           <a:xfrm>
             <a:off x="230400" y="72000"/>
-            <a:ext cx="8824320" cy="941040"/>
+            <a:ext cx="8823960" cy="940680"/>
           </a:xfrm>
           <a:prstGeom prst="rect">
             <a:avLst/>
@@ -6544,7 +6360,7 @@
           <a:p>
             <a:pPr>
               <a:lnSpc>
-                <a:spcPts val="5"/>
+                <a:spcPts val="2"/>
               </a:lnSpc>
             </a:pPr>
             <a:r>
@@ -6634,7 +6450,7 @@
         <p:spPr>
           <a:xfrm>
             <a:off x="0" y="1001880"/>
-            <a:ext cx="9141840" cy="663120"/>
+            <a:ext cx="9141480" cy="662760"/>
           </a:xfrm>
           <a:prstGeom prst="rect">
             <a:avLst/>
@@ -6678,7 +6494,7 @@
         <p:spPr>
           <a:xfrm>
             <a:off x="206280" y="1100160"/>
-            <a:ext cx="8733960" cy="469440"/>
+            <a:ext cx="8733600" cy="469080"/>
           </a:xfrm>
           <a:prstGeom prst="rect">
             <a:avLst/>
@@ -6740,7 +6556,7 @@
         <p:spPr>
           <a:xfrm>
             <a:off x="179280" y="1770120"/>
-            <a:ext cx="8825760" cy="4117320"/>
+            <a:ext cx="8825400" cy="4116960"/>
           </a:xfrm>
           <a:prstGeom prst="rect">
             <a:avLst/>
@@ -6761,7 +6577,7 @@
           <a:p>
             <a:pPr>
               <a:lnSpc>
-                <a:spcPts val="5"/>
+                <a:spcPts val="2"/>
               </a:lnSpc>
             </a:pPr>
             <a:r>
@@ -6794,7 +6610,7 @@
           <a:p>
             <a:pPr>
               <a:lnSpc>
-                <a:spcPts val="5"/>
+                <a:spcPts val="2"/>
               </a:lnSpc>
             </a:pPr>
             <a:r>
@@ -6827,7 +6643,7 @@
           <a:p>
             <a:pPr>
               <a:lnSpc>
-                <a:spcPts val="5"/>
+                <a:spcPts val="2"/>
               </a:lnSpc>
             </a:pPr>
             <a:r>
@@ -6843,37 +6659,7 @@
                 <a:latin typeface="Calibri"/>
                 <a:ea typeface="DejaVu Sans"/>
               </a:rPr>
-              <a:t>Concluímos que dada ao número de pontos de integração no projeto, o que aumenta a complexidade de um projeto e o faz inclinado a resultados adversos, que esta POC viabiliza a construção do sistema </a:t>
-            </a:r>
-            <a:r>
-              <a:rPr b="1" lang="pt-BR" sz="2300" spc="-1" strike="noStrike">
-                <a:solidFill>
-                  <a:srgbClr val="404040"/>
-                </a:solidFill>
-                <a:uFill>
-                  <a:solidFill>
-                    <a:srgbClr val="ffffff"/>
-                  </a:solidFill>
-                </a:uFill>
-                <a:latin typeface="Calibri"/>
-                <a:ea typeface="DejaVu Sans"/>
-              </a:rPr>
-              <a:t>atendendo a requisitos de alta complexidade e fornece </a:t>
-            </a:r>
-            <a:r>
-              <a:rPr b="1" lang="pt-BR" sz="2300" spc="-1" strike="noStrike">
-                <a:solidFill>
-                  <a:srgbClr val="404040"/>
-                </a:solidFill>
-                <a:uFill>
-                  <a:solidFill>
-                    <a:srgbClr val="ffffff"/>
-                  </a:solidFill>
-                </a:uFill>
-                <a:latin typeface="Calibri"/>
-                <a:ea typeface="DejaVu Sans"/>
-              </a:rPr>
-              <a:t>uma arquitetura validada.</a:t>
+              <a:t>Concluímos que dada ao número de pontos de integração no projeto, o que aumenta a complexidade de um projeto e o faz inclinado a resultados adversos, que esta POC viabiliza a construção do sistema atendendo a requisitos de alta complexidade e fornece uma arquitetura validada.</a:t>
             </a:r>
             <a:endParaRPr b="0" lang="pt-BR" sz="1800" spc="-1" strike="noStrike">
               <a:solidFill>
@@ -6890,7 +6676,7 @@
           <a:p>
             <a:pPr>
               <a:lnSpc>
-                <a:spcPts val="5"/>
+                <a:spcPts val="2"/>
               </a:lnSpc>
             </a:pPr>
             <a:r>
@@ -6923,7 +6709,7 @@
           <a:p>
             <a:pPr>
               <a:lnSpc>
-                <a:spcPts val="5"/>
+                <a:spcPts val="2"/>
               </a:lnSpc>
             </a:pPr>
             <a:endParaRPr b="0" lang="pt-BR" sz="1800" spc="-1" strike="noStrike">
@@ -6949,7 +6735,7 @@
         <p:spPr>
           <a:xfrm>
             <a:off x="230400" y="72000"/>
-            <a:ext cx="8824320" cy="941040"/>
+            <a:ext cx="8823960" cy="940680"/>
           </a:xfrm>
           <a:prstGeom prst="rect">
             <a:avLst/>
@@ -6970,7 +6756,7 @@
           <a:p>
             <a:pPr>
               <a:lnSpc>
-                <a:spcPts val="5"/>
+                <a:spcPts val="2"/>
               </a:lnSpc>
             </a:pPr>
             <a:r>
@@ -7060,7 +6846,7 @@
         <p:spPr>
           <a:xfrm>
             <a:off x="0" y="1001880"/>
-            <a:ext cx="9141840" cy="663120"/>
+            <a:ext cx="9141480" cy="662760"/>
           </a:xfrm>
           <a:prstGeom prst="rect">
             <a:avLst/>
@@ -7104,7 +6890,7 @@
         <p:spPr>
           <a:xfrm>
             <a:off x="206280" y="1100160"/>
-            <a:ext cx="8733960" cy="469440"/>
+            <a:ext cx="8733600" cy="469080"/>
           </a:xfrm>
           <a:prstGeom prst="rect">
             <a:avLst/>
@@ -7166,7 +6952,7 @@
         <p:spPr>
           <a:xfrm>
             <a:off x="179280" y="1770120"/>
-            <a:ext cx="8825760" cy="4117320"/>
+            <a:ext cx="8825400" cy="4116960"/>
           </a:xfrm>
           <a:prstGeom prst="rect">
             <a:avLst/>
@@ -7271,7 +7057,7 @@
           <a:p>
             <a:pPr>
               <a:lnSpc>
-                <a:spcPts val="5"/>
+                <a:spcPts val="2"/>
               </a:lnSpc>
             </a:pPr>
             <a:endParaRPr b="0" lang="pt-BR" sz="1800" spc="-1" strike="noStrike">
@@ -7289,7 +7075,7 @@
           <a:p>
             <a:pPr>
               <a:lnSpc>
-                <a:spcPts val="5"/>
+                <a:spcPts val="2"/>
               </a:lnSpc>
             </a:pPr>
             <a:endParaRPr b="0" lang="pt-BR" sz="1800" spc="-1" strike="noStrike">
@@ -7315,7 +7101,7 @@
         <p:spPr>
           <a:xfrm>
             <a:off x="230400" y="72000"/>
-            <a:ext cx="8824320" cy="941760"/>
+            <a:ext cx="8823960" cy="941400"/>
           </a:xfrm>
           <a:prstGeom prst="rect">
             <a:avLst/>
@@ -7336,7 +7122,7 @@
           <a:p>
             <a:pPr>
               <a:lnSpc>
-                <a:spcPts val="5"/>
+                <a:spcPts val="2"/>
               </a:lnSpc>
             </a:pPr>
             <a:r>
@@ -7426,7 +7212,7 @@
         <p:spPr>
           <a:xfrm>
             <a:off x="0" y="1001880"/>
-            <a:ext cx="9141840" cy="663120"/>
+            <a:ext cx="9141480" cy="662760"/>
           </a:xfrm>
           <a:prstGeom prst="rect">
             <a:avLst/>
@@ -7470,7 +7256,7 @@
         <p:spPr>
           <a:xfrm>
             <a:off x="206280" y="1100160"/>
-            <a:ext cx="8733960" cy="469440"/>
+            <a:ext cx="8733600" cy="469080"/>
           </a:xfrm>
           <a:prstGeom prst="rect">
             <a:avLst/>
@@ -7532,7 +7318,7 @@
         <p:spPr>
           <a:xfrm>
             <a:off x="179280" y="1770120"/>
-            <a:ext cx="8825760" cy="4117320"/>
+            <a:ext cx="8825400" cy="4116960"/>
           </a:xfrm>
           <a:prstGeom prst="rect">
             <a:avLst/>
@@ -7553,7 +7339,7 @@
           <a:p>
             <a:pPr>
               <a:lnSpc>
-                <a:spcPts val="5"/>
+                <a:spcPts val="2"/>
               </a:lnSpc>
             </a:pPr>
             <a:endParaRPr b="0" lang="pt-BR" sz="1800" spc="-1" strike="noStrike">
@@ -7571,7 +7357,7 @@
           <a:p>
             <a:pPr>
               <a:lnSpc>
-                <a:spcPts val="5"/>
+                <a:spcPts val="2"/>
               </a:lnSpc>
             </a:pPr>
             <a:r>
@@ -7612,7 +7398,7 @@
         <p:spPr>
           <a:xfrm>
             <a:off x="230400" y="72000"/>
-            <a:ext cx="8824320" cy="941760"/>
+            <a:ext cx="8823960" cy="941400"/>
           </a:xfrm>
           <a:prstGeom prst="rect">
             <a:avLst/>
@@ -7633,7 +7419,7 @@
           <a:p>
             <a:pPr>
               <a:lnSpc>
-                <a:spcPts val="5"/>
+                <a:spcPts val="2"/>
               </a:lnSpc>
             </a:pPr>
             <a:r>
@@ -7679,7 +7465,7 @@
         <p:spPr>
           <a:xfrm>
             <a:off x="1656000" y="1665000"/>
-            <a:ext cx="5760000" cy="4284000"/>
+            <a:ext cx="5759640" cy="4283640"/>
           </a:xfrm>
           <a:prstGeom prst="rect">
             <a:avLst/>
@@ -7747,7 +7533,7 @@
         <p:spPr>
           <a:xfrm>
             <a:off x="0" y="1001880"/>
-            <a:ext cx="9141840" cy="663120"/>
+            <a:ext cx="9141480" cy="662760"/>
           </a:xfrm>
           <a:prstGeom prst="rect">
             <a:avLst/>
@@ -7791,7 +7577,7 @@
         <p:spPr>
           <a:xfrm>
             <a:off x="206280" y="1100160"/>
-            <a:ext cx="8733960" cy="469440"/>
+            <a:ext cx="8733600" cy="469080"/>
           </a:xfrm>
           <a:prstGeom prst="rect">
             <a:avLst/>
@@ -7853,7 +7639,7 @@
         <p:spPr>
           <a:xfrm>
             <a:off x="179280" y="1770120"/>
-            <a:ext cx="8825760" cy="4117320"/>
+            <a:ext cx="8825400" cy="4116960"/>
           </a:xfrm>
           <a:prstGeom prst="rect">
             <a:avLst/>
@@ -7874,7 +7660,7 @@
           <a:p>
             <a:pPr>
               <a:lnSpc>
-                <a:spcPts val="5"/>
+                <a:spcPts val="2"/>
               </a:lnSpc>
             </a:pPr>
             <a:endParaRPr b="0" lang="pt-BR" sz="1800" spc="-1" strike="noStrike">
@@ -7892,7 +7678,7 @@
           <a:p>
             <a:pPr>
               <a:lnSpc>
-                <a:spcPts val="5"/>
+                <a:spcPts val="2"/>
               </a:lnSpc>
             </a:pPr>
             <a:r>
@@ -7933,7 +7719,7 @@
         <p:spPr>
           <a:xfrm>
             <a:off x="230400" y="72000"/>
-            <a:ext cx="8824320" cy="941760"/>
+            <a:ext cx="8823960" cy="941400"/>
           </a:xfrm>
           <a:prstGeom prst="rect">
             <a:avLst/>
@@ -7954,7 +7740,7 @@
           <a:p>
             <a:pPr>
               <a:lnSpc>
-                <a:spcPts val="5"/>
+                <a:spcPts val="2"/>
               </a:lnSpc>
             </a:pPr>
             <a:r>
@@ -8000,7 +7786,7 @@
         <p:spPr>
           <a:xfrm>
             <a:off x="2160000" y="1665000"/>
-            <a:ext cx="4824000" cy="4336920"/>
+            <a:ext cx="4823640" cy="4336560"/>
           </a:xfrm>
           <a:prstGeom prst="rect">
             <a:avLst/>
@@ -8068,7 +7854,7 @@
         <p:spPr>
           <a:xfrm>
             <a:off x="0" y="1001880"/>
-            <a:ext cx="9141840" cy="663120"/>
+            <a:ext cx="9141480" cy="662760"/>
           </a:xfrm>
           <a:prstGeom prst="rect">
             <a:avLst/>
@@ -8112,7 +7898,7 @@
         <p:spPr>
           <a:xfrm>
             <a:off x="206280" y="1100160"/>
-            <a:ext cx="8733960" cy="469440"/>
+            <a:ext cx="8733600" cy="469080"/>
           </a:xfrm>
           <a:prstGeom prst="rect">
             <a:avLst/>
@@ -8174,7 +7960,7 @@
         <p:spPr>
           <a:xfrm>
             <a:off x="179280" y="1770120"/>
-            <a:ext cx="8825760" cy="4117320"/>
+            <a:ext cx="8825400" cy="4116960"/>
           </a:xfrm>
           <a:prstGeom prst="rect">
             <a:avLst/>
@@ -8195,7 +7981,7 @@
           <a:p>
             <a:pPr>
               <a:lnSpc>
-                <a:spcPts val="5"/>
+                <a:spcPts val="2"/>
               </a:lnSpc>
             </a:pPr>
             <a:endParaRPr b="0" lang="pt-BR" sz="1800" spc="-1" strike="noStrike">
@@ -8213,7 +7999,7 @@
           <a:p>
             <a:pPr>
               <a:lnSpc>
-                <a:spcPts val="5"/>
+                <a:spcPts val="2"/>
               </a:lnSpc>
             </a:pPr>
             <a:r>
@@ -8254,7 +8040,7 @@
         <p:spPr>
           <a:xfrm>
             <a:off x="230400" y="72000"/>
-            <a:ext cx="8824320" cy="941760"/>
+            <a:ext cx="8823960" cy="941400"/>
           </a:xfrm>
           <a:prstGeom prst="rect">
             <a:avLst/>
@@ -8275,7 +8061,7 @@
           <a:p>
             <a:pPr>
               <a:lnSpc>
-                <a:spcPts val="5"/>
+                <a:spcPts val="2"/>
               </a:lnSpc>
             </a:pPr>
             <a:r>
@@ -8321,7 +8107,7 @@
         <p:spPr>
           <a:xfrm>
             <a:off x="2376360" y="1665000"/>
-            <a:ext cx="4751640" cy="4367520"/>
+            <a:ext cx="4751280" cy="4367160"/>
           </a:xfrm>
           <a:prstGeom prst="rect">
             <a:avLst/>
@@ -8389,7 +8175,7 @@
         <p:spPr>
           <a:xfrm>
             <a:off x="0" y="1001880"/>
-            <a:ext cx="9141840" cy="663120"/>
+            <a:ext cx="9141480" cy="662760"/>
           </a:xfrm>
           <a:prstGeom prst="rect">
             <a:avLst/>
@@ -8433,7 +8219,7 @@
         <p:spPr>
           <a:xfrm>
             <a:off x="206280" y="1100160"/>
-            <a:ext cx="8733960" cy="469440"/>
+            <a:ext cx="8733600" cy="469080"/>
           </a:xfrm>
           <a:prstGeom prst="rect">
             <a:avLst/>
@@ -8495,7 +8281,7 @@
         <p:spPr>
           <a:xfrm>
             <a:off x="179280" y="1770120"/>
-            <a:ext cx="8825760" cy="4117320"/>
+            <a:ext cx="8825400" cy="4116960"/>
           </a:xfrm>
           <a:prstGeom prst="rect">
             <a:avLst/>
@@ -8516,7 +8302,7 @@
           <a:p>
             <a:pPr>
               <a:lnSpc>
-                <a:spcPts val="5"/>
+                <a:spcPts val="2"/>
               </a:lnSpc>
             </a:pPr>
             <a:endParaRPr b="0" lang="pt-BR" sz="1800" spc="-1" strike="noStrike">
@@ -8534,7 +8320,7 @@
           <a:p>
             <a:pPr>
               <a:lnSpc>
-                <a:spcPts val="5"/>
+                <a:spcPts val="2"/>
               </a:lnSpc>
             </a:pPr>
             <a:r>
@@ -8575,7 +8361,7 @@
         <p:spPr>
           <a:xfrm>
             <a:off x="230400" y="72000"/>
-            <a:ext cx="8824320" cy="941760"/>
+            <a:ext cx="8823960" cy="941400"/>
           </a:xfrm>
           <a:prstGeom prst="rect">
             <a:avLst/>
@@ -8596,7 +8382,7 @@
           <a:p>
             <a:pPr>
               <a:lnSpc>
-                <a:spcPts val="5"/>
+                <a:spcPts val="2"/>
               </a:lnSpc>
             </a:pPr>
             <a:r>
@@ -8642,7 +8428,7 @@
         <p:spPr>
           <a:xfrm>
             <a:off x="2016000" y="1665000"/>
-            <a:ext cx="5112000" cy="4326840"/>
+            <a:ext cx="5111640" cy="4326480"/>
           </a:xfrm>
           <a:prstGeom prst="rect">
             <a:avLst/>
@@ -8710,7 +8496,7 @@
         <p:spPr>
           <a:xfrm>
             <a:off x="0" y="1001880"/>
-            <a:ext cx="9141840" cy="663120"/>
+            <a:ext cx="9141480" cy="662760"/>
           </a:xfrm>
           <a:prstGeom prst="rect">
             <a:avLst/>
@@ -8754,7 +8540,7 @@
         <p:spPr>
           <a:xfrm>
             <a:off x="206280" y="1100160"/>
-            <a:ext cx="8733960" cy="469440"/>
+            <a:ext cx="8733600" cy="469080"/>
           </a:xfrm>
           <a:prstGeom prst="rect">
             <a:avLst/>
@@ -8816,7 +8602,7 @@
         <p:spPr>
           <a:xfrm>
             <a:off x="179280" y="1770120"/>
-            <a:ext cx="8825760" cy="4117320"/>
+            <a:ext cx="8825400" cy="4116960"/>
           </a:xfrm>
           <a:prstGeom prst="rect">
             <a:avLst/>
@@ -8837,7 +8623,7 @@
           <a:p>
             <a:pPr>
               <a:lnSpc>
-                <a:spcPts val="5"/>
+                <a:spcPts val="2"/>
               </a:lnSpc>
             </a:pPr>
             <a:endParaRPr b="0" lang="pt-BR" sz="1800" spc="-1" strike="noStrike">
@@ -8855,7 +8641,7 @@
           <a:p>
             <a:pPr>
               <a:lnSpc>
-                <a:spcPts val="5"/>
+                <a:spcPts val="2"/>
               </a:lnSpc>
             </a:pPr>
             <a:r>
@@ -8896,7 +8682,7 @@
         <p:spPr>
           <a:xfrm>
             <a:off x="230400" y="72000"/>
-            <a:ext cx="8824320" cy="941760"/>
+            <a:ext cx="8823960" cy="941400"/>
           </a:xfrm>
           <a:prstGeom prst="rect">
             <a:avLst/>
@@ -8917,7 +8703,7 @@
           <a:p>
             <a:pPr>
               <a:lnSpc>
-                <a:spcPts val="5"/>
+                <a:spcPts val="2"/>
               </a:lnSpc>
             </a:pPr>
             <a:r>
@@ -8963,7 +8749,7 @@
         <p:spPr>
           <a:xfrm>
             <a:off x="2443320" y="1665000"/>
-            <a:ext cx="4036680" cy="4311000"/>
+            <a:ext cx="4036320" cy="4310640"/>
           </a:xfrm>
           <a:prstGeom prst="rect">
             <a:avLst/>
@@ -9031,7 +8817,7 @@
         <p:spPr>
           <a:xfrm>
             <a:off x="0" y="1001880"/>
-            <a:ext cx="9141840" cy="663120"/>
+            <a:ext cx="9141480" cy="662760"/>
           </a:xfrm>
           <a:prstGeom prst="rect">
             <a:avLst/>
@@ -9075,7 +8861,7 @@
         <p:spPr>
           <a:xfrm>
             <a:off x="206280" y="1100160"/>
-            <a:ext cx="8733960" cy="469440"/>
+            <a:ext cx="8733600" cy="469080"/>
           </a:xfrm>
           <a:prstGeom prst="rect">
             <a:avLst/>
@@ -9137,7 +8923,7 @@
         <p:spPr>
           <a:xfrm>
             <a:off x="179280" y="1770120"/>
-            <a:ext cx="8825760" cy="4117320"/>
+            <a:ext cx="8825400" cy="4116960"/>
           </a:xfrm>
           <a:prstGeom prst="rect">
             <a:avLst/>
@@ -9158,7 +8944,7 @@
           <a:p>
             <a:pPr>
               <a:lnSpc>
-                <a:spcPts val="5"/>
+                <a:spcPts val="2"/>
               </a:lnSpc>
             </a:pPr>
             <a:endParaRPr b="0" lang="pt-BR" sz="1800" spc="-1" strike="noStrike">
@@ -9176,7 +8962,7 @@
           <a:p>
             <a:pPr>
               <a:lnSpc>
-                <a:spcPts val="5"/>
+                <a:spcPts val="2"/>
               </a:lnSpc>
             </a:pPr>
             <a:r>
@@ -9217,7 +9003,7 @@
         <p:spPr>
           <a:xfrm>
             <a:off x="230400" y="72000"/>
-            <a:ext cx="8824320" cy="941760"/>
+            <a:ext cx="8823960" cy="941400"/>
           </a:xfrm>
           <a:prstGeom prst="rect">
             <a:avLst/>
@@ -9238,7 +9024,7 @@
           <a:p>
             <a:pPr>
               <a:lnSpc>
-                <a:spcPts val="5"/>
+                <a:spcPts val="2"/>
               </a:lnSpc>
             </a:pPr>
             <a:r>
@@ -9284,7 +9070,7 @@
         <p:spPr>
           <a:xfrm>
             <a:off x="2088000" y="1665000"/>
-            <a:ext cx="4824000" cy="4285080"/>
+            <a:ext cx="4823640" cy="4284720"/>
           </a:xfrm>
           <a:prstGeom prst="rect">
             <a:avLst/>
@@ -9352,7 +9138,7 @@
         <p:spPr>
           <a:xfrm>
             <a:off x="0" y="1001880"/>
-            <a:ext cx="9141840" cy="663120"/>
+            <a:ext cx="9141480" cy="662760"/>
           </a:xfrm>
           <a:prstGeom prst="rect">
             <a:avLst/>
@@ -9396,7 +9182,7 @@
         <p:spPr>
           <a:xfrm>
             <a:off x="206280" y="1100160"/>
-            <a:ext cx="8733960" cy="469440"/>
+            <a:ext cx="8733600" cy="469080"/>
           </a:xfrm>
           <a:prstGeom prst="rect">
             <a:avLst/>
@@ -9458,7 +9244,7 @@
         <p:spPr>
           <a:xfrm>
             <a:off x="179280" y="1770120"/>
-            <a:ext cx="8825760" cy="4117320"/>
+            <a:ext cx="8825400" cy="4116960"/>
           </a:xfrm>
           <a:prstGeom prst="rect">
             <a:avLst/>
@@ -9479,7 +9265,7 @@
           <a:p>
             <a:pPr>
               <a:lnSpc>
-                <a:spcPts val="5"/>
+                <a:spcPts val="2"/>
               </a:lnSpc>
             </a:pPr>
             <a:r>
@@ -9512,7 +9298,7 @@
           <a:p>
             <a:pPr>
               <a:lnSpc>
-                <a:spcPts val="5"/>
+                <a:spcPts val="2"/>
               </a:lnSpc>
             </a:pPr>
             <a:endParaRPr b="0" lang="pt-BR" sz="1800" spc="-1" strike="noStrike">
@@ -9530,7 +9316,7 @@
           <a:p>
             <a:pPr>
               <a:lnSpc>
-                <a:spcPts val="5"/>
+                <a:spcPts val="2"/>
               </a:lnSpc>
             </a:pPr>
             <a:r>
@@ -9563,7 +9349,7 @@
           <a:p>
             <a:pPr>
               <a:lnSpc>
-                <a:spcPts val="5"/>
+                <a:spcPts val="2"/>
               </a:lnSpc>
             </a:pPr>
             <a:endParaRPr b="0" lang="pt-BR" sz="1800" spc="-1" strike="noStrike">
@@ -9581,7 +9367,7 @@
           <a:p>
             <a:pPr>
               <a:lnSpc>
-                <a:spcPts val="5"/>
+                <a:spcPts val="2"/>
               </a:lnSpc>
             </a:pPr>
             <a:r>
@@ -9614,7 +9400,7 @@
           <a:p>
             <a:pPr>
               <a:lnSpc>
-                <a:spcPts val="5"/>
+                <a:spcPts val="2"/>
               </a:lnSpc>
             </a:pPr>
             <a:endParaRPr b="0" lang="pt-BR" sz="1800" spc="-1" strike="noStrike">
@@ -9632,7 +9418,7 @@
           <a:p>
             <a:pPr>
               <a:lnSpc>
-                <a:spcPts val="5"/>
+                <a:spcPts val="2"/>
               </a:lnSpc>
             </a:pPr>
             <a:r>
@@ -9665,7 +9451,7 @@
           <a:p>
             <a:pPr>
               <a:lnSpc>
-                <a:spcPts val="5"/>
+                <a:spcPts val="2"/>
               </a:lnSpc>
             </a:pPr>
             <a:r>
@@ -9706,7 +9492,7 @@
         <p:spPr>
           <a:xfrm>
             <a:off x="230400" y="72000"/>
-            <a:ext cx="8824320" cy="941040"/>
+            <a:ext cx="8823960" cy="940680"/>
           </a:xfrm>
           <a:prstGeom prst="rect">
             <a:avLst/>
@@ -9727,7 +9513,7 @@
           <a:p>
             <a:pPr>
               <a:lnSpc>
-                <a:spcPts val="5"/>
+                <a:spcPts val="2"/>
               </a:lnSpc>
             </a:pPr>
             <a:r>
